--- a/Dynamic Component in Angular .pptx
+++ b/Dynamic Component in Angular .pptx
@@ -6,21 +6,24 @@
     <p:sldMasterId id="2147483701" r:id="rId2"/>
   </p:sldMasterIdLst>
   <p:notesMasterIdLst>
-    <p:notesMasterId r:id="rId12"/>
+    <p:notesMasterId r:id="rId15"/>
   </p:notesMasterIdLst>
   <p:handoutMasterIdLst>
-    <p:handoutMasterId r:id="rId13"/>
+    <p:handoutMasterId r:id="rId16"/>
   </p:handoutMasterIdLst>
   <p:sldIdLst>
     <p:sldId id="256" r:id="rId3"/>
     <p:sldId id="370" r:id="rId4"/>
-    <p:sldId id="372" r:id="rId5"/>
-    <p:sldId id="374" r:id="rId6"/>
-    <p:sldId id="375" r:id="rId7"/>
-    <p:sldId id="377" r:id="rId8"/>
-    <p:sldId id="378" r:id="rId9"/>
-    <p:sldId id="379" r:id="rId10"/>
-    <p:sldId id="348" r:id="rId11"/>
+    <p:sldId id="383" r:id="rId5"/>
+    <p:sldId id="372" r:id="rId6"/>
+    <p:sldId id="374" r:id="rId7"/>
+    <p:sldId id="375" r:id="rId8"/>
+    <p:sldId id="381" r:id="rId9"/>
+    <p:sldId id="382" r:id="rId10"/>
+    <p:sldId id="377" r:id="rId11"/>
+    <p:sldId id="378" r:id="rId12"/>
+    <p:sldId id="379" r:id="rId13"/>
+    <p:sldId id="348" r:id="rId14"/>
   </p:sldIdLst>
   <p:sldSz cx="12198350" cy="6858000"/>
   <p:notesSz cx="6858000" cy="9144000"/>
@@ -265,7 +268,7 @@
             <a:fld id="{C3CEDDB9-2955-4D57-9B7C-74EB90EC60C3}" type="datetimeFigureOut">
               <a:rPr lang="zh-CN" altLang="en-US" smtClean="0"/>
               <a:pPr/>
-              <a:t>2019/12/2</a:t>
+              <a:t>2019/12/3</a:t>
             </a:fld>
             <a:endParaRPr lang="zh-CN" altLang="en-US"/>
           </a:p>
@@ -458,7 +461,7 @@
               <a:pPr>
                 <a:defRPr/>
               </a:pPr>
-              <a:t>2019/12/2</a:t>
+              <a:t>2019/12/3</a:t>
             </a:fld>
             <a:endParaRPr lang="zh-CN" altLang="en-US"/>
           </a:p>
@@ -784,6 +787,96 @@
 </p:notesMaster>
 </file>
 
+<file path=ppt/notesSlides/notesSlide1.xml><?xml version="1.0" encoding="utf-8"?>
+<p:notes xmlns:a="http://schemas.openxmlformats.org/drawingml/2006/main" xmlns:r="http://schemas.openxmlformats.org/officeDocument/2006/relationships" xmlns:p="http://schemas.openxmlformats.org/presentationml/2006/main">
+  <p:cSld>
+    <p:spTree>
+      <p:nvGrpSpPr>
+        <p:cNvPr id="1" name=""/>
+        <p:cNvGrpSpPr/>
+        <p:nvPr/>
+      </p:nvGrpSpPr>
+      <p:grpSpPr>
+        <a:xfrm>
+          <a:off x="0" y="0"/>
+          <a:ext cx="0" cy="0"/>
+          <a:chOff x="0" y="0"/>
+          <a:chExt cx="0" cy="0"/>
+        </a:xfrm>
+      </p:grpSpPr>
+      <p:sp>
+        <p:nvSpPr>
+          <p:cNvPr id="2" name="幻灯片图像占位符 1"/>
+          <p:cNvSpPr>
+            <a:spLocks noGrp="1" noRot="1" noChangeAspect="1"/>
+          </p:cNvSpPr>
+          <p:nvPr>
+            <p:ph type="sldImg"/>
+          </p:nvPr>
+        </p:nvSpPr>
+        <p:spPr/>
+      </p:sp>
+      <p:sp>
+        <p:nvSpPr>
+          <p:cNvPr id="3" name="备注占位符 2"/>
+          <p:cNvSpPr>
+            <a:spLocks noGrp="1"/>
+          </p:cNvSpPr>
+          <p:nvPr>
+            <p:ph type="body" idx="1"/>
+          </p:nvPr>
+        </p:nvSpPr>
+        <p:spPr/>
+        <p:txBody>
+          <a:bodyPr/>
+          <a:lstStyle/>
+          <a:p>
+            <a:endParaRPr lang="zh-CN" altLang="en-US" dirty="0"/>
+          </a:p>
+        </p:txBody>
+      </p:sp>
+      <p:sp>
+        <p:nvSpPr>
+          <p:cNvPr id="4" name="灯片编号占位符 3"/>
+          <p:cNvSpPr>
+            <a:spLocks noGrp="1"/>
+          </p:cNvSpPr>
+          <p:nvPr>
+            <p:ph type="sldNum" sz="quarter" idx="10"/>
+          </p:nvPr>
+        </p:nvSpPr>
+        <p:spPr/>
+        <p:txBody>
+          <a:bodyPr/>
+          <a:lstStyle/>
+          <a:p>
+            <a:pPr>
+              <a:defRPr/>
+            </a:pPr>
+            <a:fld id="{332AC4C0-BDD5-44DF-8569-FDFABB0A7147}" type="slidenum">
+              <a:rPr lang="zh-CN" altLang="en-US" smtClean="0"/>
+              <a:pPr>
+                <a:defRPr/>
+              </a:pPr>
+              <a:t>1</a:t>
+            </a:fld>
+            <a:endParaRPr lang="zh-CN" altLang="en-US"/>
+          </a:p>
+        </p:txBody>
+      </p:sp>
+    </p:spTree>
+    <p:extLst>
+      <p:ext uri="{BB962C8B-B14F-4D97-AF65-F5344CB8AC3E}">
+        <p14:creationId xmlns:p14="http://schemas.microsoft.com/office/powerpoint/2010/main" val="1493246321"/>
+      </p:ext>
+    </p:extLst>
+  </p:cSld>
+  <p:clrMapOvr>
+    <a:masterClrMapping/>
+  </p:clrMapOvr>
+</p:notes>
+</file>
+
 <file path=ppt/slideLayouts/slideLayout1.xml><?xml version="1.0" encoding="utf-8"?>
 <p:sldLayout xmlns:a="http://schemas.openxmlformats.org/drawingml/2006/main" xmlns:r="http://schemas.openxmlformats.org/officeDocument/2006/relationships" xmlns:p="http://schemas.openxmlformats.org/presentationml/2006/main" userDrawn="1">
   <p:cSld name="首页">
@@ -1174,7 +1267,7 @@
               <a:pPr>
                 <a:defRPr/>
               </a:pPr>
-              <a:t>2019/12/2</a:t>
+              <a:t>2019/12/3</a:t>
             </a:fld>
             <a:endParaRPr lang="zh-CN" altLang="en-US"/>
           </a:p>
@@ -1538,7 +1631,7 @@
               <a:pPr>
                 <a:defRPr/>
               </a:pPr>
-              <a:t>2019/12/2</a:t>
+              <a:t>2019/12/3</a:t>
             </a:fld>
             <a:endParaRPr lang="zh-CN" altLang="en-US"/>
           </a:p>
@@ -1886,7 +1979,7 @@
               <a:pPr>
                 <a:defRPr/>
               </a:pPr>
-              <a:t>2019/12/2</a:t>
+              <a:t>2019/12/3</a:t>
             </a:fld>
             <a:endParaRPr lang="zh-CN" altLang="en-US"/>
           </a:p>
@@ -2150,7 +2243,7 @@
               <a:pPr>
                 <a:defRPr/>
               </a:pPr>
-              <a:t>2019/12/2</a:t>
+              <a:t>2019/12/3</a:t>
             </a:fld>
             <a:endParaRPr lang="zh-CN" altLang="en-US"/>
           </a:p>
@@ -2421,7 +2514,7 @@
               <a:pPr>
                 <a:defRPr/>
               </a:pPr>
-              <a:t>2019/12/2</a:t>
+              <a:t>2019/12/3</a:t>
             </a:fld>
             <a:endParaRPr lang="zh-CN" altLang="en-US"/>
           </a:p>
@@ -2722,7 +2815,7 @@
             <a:fld id="{79B3DEAC-C6E9-4E5A-BF92-8A2A909A8AE4}" type="datetimeFigureOut">
               <a:rPr lang="zh-CN" altLang="en-US" smtClean="0"/>
               <a:pPr/>
-              <a:t>2019/12/2</a:t>
+              <a:t>2019/12/3</a:t>
             </a:fld>
             <a:endParaRPr lang="zh-CN" altLang="en-US"/>
           </a:p>
@@ -2889,7 +2982,7 @@
             <a:fld id="{79B3DEAC-C6E9-4E5A-BF92-8A2A909A8AE4}" type="datetimeFigureOut">
               <a:rPr lang="zh-CN" altLang="en-US" smtClean="0"/>
               <a:pPr/>
-              <a:t>2019/12/2</a:t>
+              <a:t>2019/12/3</a:t>
             </a:fld>
             <a:endParaRPr lang="zh-CN" altLang="en-US"/>
           </a:p>
@@ -3132,7 +3225,7 @@
             <a:fld id="{79B3DEAC-C6E9-4E5A-BF92-8A2A909A8AE4}" type="datetimeFigureOut">
               <a:rPr lang="zh-CN" altLang="en-US" smtClean="0"/>
               <a:pPr/>
-              <a:t>2019/12/2</a:t>
+              <a:t>2019/12/3</a:t>
             </a:fld>
             <a:endParaRPr lang="zh-CN" altLang="en-US"/>
           </a:p>
@@ -3417,7 +3510,7 @@
             <a:fld id="{79B3DEAC-C6E9-4E5A-BF92-8A2A909A8AE4}" type="datetimeFigureOut">
               <a:rPr lang="zh-CN" altLang="en-US" smtClean="0"/>
               <a:pPr/>
-              <a:t>2019/12/2</a:t>
+              <a:t>2019/12/3</a:t>
             </a:fld>
             <a:endParaRPr lang="zh-CN" altLang="en-US"/>
           </a:p>
@@ -3836,7 +3929,7 @@
             <a:fld id="{79B3DEAC-C6E9-4E5A-BF92-8A2A909A8AE4}" type="datetimeFigureOut">
               <a:rPr lang="zh-CN" altLang="en-US" smtClean="0"/>
               <a:pPr/>
-              <a:t>2019/12/2</a:t>
+              <a:t>2019/12/3</a:t>
             </a:fld>
             <a:endParaRPr lang="zh-CN" altLang="en-US"/>
           </a:p>
@@ -4014,7 +4107,7 @@
             <a:fld id="{79B3DEAC-C6E9-4E5A-BF92-8A2A909A8AE4}" type="datetimeFigureOut">
               <a:rPr lang="zh-CN" altLang="en-US" smtClean="0"/>
               <a:pPr/>
-              <a:t>2019/12/2</a:t>
+              <a:t>2019/12/3</a:t>
             </a:fld>
             <a:endParaRPr lang="zh-CN" altLang="en-US"/>
           </a:p>
@@ -4106,7 +4199,7 @@
             <a:fld id="{79B3DEAC-C6E9-4E5A-BF92-8A2A909A8AE4}" type="datetimeFigureOut">
               <a:rPr lang="zh-CN" altLang="en-US" smtClean="0"/>
               <a:pPr/>
-              <a:t>2019/12/2</a:t>
+              <a:t>2019/12/3</a:t>
             </a:fld>
             <a:endParaRPr lang="zh-CN" altLang="en-US"/>
           </a:p>
@@ -4380,7 +4473,7 @@
             <a:fld id="{79B3DEAC-C6E9-4E5A-BF92-8A2A909A8AE4}" type="datetimeFigureOut">
               <a:rPr lang="zh-CN" altLang="en-US" smtClean="0"/>
               <a:pPr/>
-              <a:t>2019/12/2</a:t>
+              <a:t>2019/12/3</a:t>
             </a:fld>
             <a:endParaRPr lang="zh-CN" altLang="en-US"/>
           </a:p>
@@ -4630,7 +4723,7 @@
             <a:fld id="{79B3DEAC-C6E9-4E5A-BF92-8A2A909A8AE4}" type="datetimeFigureOut">
               <a:rPr lang="zh-CN" altLang="en-US" smtClean="0"/>
               <a:pPr/>
-              <a:t>2019/12/2</a:t>
+              <a:t>2019/12/3</a:t>
             </a:fld>
             <a:endParaRPr lang="zh-CN" altLang="en-US"/>
           </a:p>
@@ -4797,7 +4890,7 @@
             <a:fld id="{79B3DEAC-C6E9-4E5A-BF92-8A2A909A8AE4}" type="datetimeFigureOut">
               <a:rPr lang="zh-CN" altLang="en-US" smtClean="0"/>
               <a:pPr/>
-              <a:t>2019/12/2</a:t>
+              <a:t>2019/12/3</a:t>
             </a:fld>
             <a:endParaRPr lang="zh-CN" altLang="en-US"/>
           </a:p>
@@ -4974,7 +5067,7 @@
             <a:fld id="{79B3DEAC-C6E9-4E5A-BF92-8A2A909A8AE4}" type="datetimeFigureOut">
               <a:rPr lang="zh-CN" altLang="en-US" smtClean="0"/>
               <a:pPr/>
-              <a:t>2019/12/2</a:t>
+              <a:t>2019/12/3</a:t>
             </a:fld>
             <a:endParaRPr lang="zh-CN" altLang="en-US"/>
           </a:p>
@@ -5859,7 +5952,7 @@
               <a:pPr>
                 <a:defRPr/>
               </a:pPr>
-              <a:t>2019/12/2</a:t>
+              <a:t>2019/12/3</a:t>
             </a:fld>
             <a:endParaRPr lang="zh-CN" altLang="en-US"/>
           </a:p>
@@ -6852,7 +6945,7 @@
             <a:fld id="{79B3DEAC-C6E9-4E5A-BF92-8A2A909A8AE4}" type="datetimeFigureOut">
               <a:rPr lang="zh-CN" altLang="en-US" smtClean="0"/>
               <a:pPr/>
-              <a:t>2019/12/2</a:t>
+              <a:t>2019/12/3</a:t>
             </a:fld>
             <a:endParaRPr lang="zh-CN" altLang="en-US"/>
           </a:p>
@@ -7241,3188 +7334,7 @@
 </p:sld>
 </file>
 
-<file path=ppt/slides/slide2.xml><?xml version="1.0" encoding="utf-8"?>
-<p:sld xmlns:a="http://schemas.openxmlformats.org/drawingml/2006/main" xmlns:r="http://schemas.openxmlformats.org/officeDocument/2006/relationships" xmlns:p="http://schemas.openxmlformats.org/presentationml/2006/main">
-  <p:cSld>
-    <p:spTree>
-      <p:nvGrpSpPr>
-        <p:cNvPr id="1" name=""/>
-        <p:cNvGrpSpPr/>
-        <p:nvPr/>
-      </p:nvGrpSpPr>
-      <p:grpSpPr>
-        <a:xfrm>
-          <a:off x="0" y="0"/>
-          <a:ext cx="0" cy="0"/>
-          <a:chOff x="0" y="0"/>
-          <a:chExt cx="0" cy="0"/>
-        </a:xfrm>
-      </p:grpSpPr>
-      <p:sp>
-        <p:nvSpPr>
-          <p:cNvPr id="3" name="文本框 2"/>
-          <p:cNvSpPr txBox="1"/>
-          <p:nvPr/>
-        </p:nvSpPr>
-        <p:spPr>
-          <a:xfrm>
-            <a:off x="554559" y="332656"/>
-            <a:ext cx="3686587" cy="523220"/>
-          </a:xfrm>
-          <a:prstGeom prst="rect">
-            <a:avLst/>
-          </a:prstGeom>
-          <a:noFill/>
-        </p:spPr>
-        <p:txBody>
-          <a:bodyPr wrap="none" rtlCol="0">
-            <a:spAutoFit/>
-          </a:bodyPr>
-          <a:lstStyle/>
-          <a:p>
-            <a:r>
-              <a:rPr lang="en-US" altLang="zh-CN" sz="2800" b="1" dirty="0" smtClean="0">
-                <a:solidFill>
-                  <a:schemeClr val="tx1">
-                    <a:lumMod val="65000"/>
-                    <a:lumOff val="35000"/>
-                  </a:schemeClr>
-                </a:solidFill>
-                <a:latin typeface="Trebuchet MS" panose="020B0603020202020204" pitchFamily="34" charset="0"/>
-                <a:cs typeface="Calibri" panose="020F0502020204030204" pitchFamily="34" charset="0"/>
-              </a:rPr>
-              <a:t>STATIC COMPONENTS</a:t>
-            </a:r>
-            <a:endParaRPr lang="zh-CN" altLang="en-US" sz="2800" b="1" dirty="0">
-              <a:solidFill>
-                <a:schemeClr val="tx1">
-                  <a:lumMod val="65000"/>
-                  <a:lumOff val="35000"/>
-                </a:schemeClr>
-              </a:solidFill>
-              <a:latin typeface="Trebuchet MS" panose="020B0603020202020204" pitchFamily="34" charset="0"/>
-              <a:cs typeface="Calibri" panose="020F0502020204030204" pitchFamily="34" charset="0"/>
-            </a:endParaRPr>
-          </a:p>
-        </p:txBody>
-      </p:sp>
-      <p:sp>
-        <p:nvSpPr>
-          <p:cNvPr id="4" name="文本框 3"/>
-          <p:cNvSpPr txBox="1"/>
-          <p:nvPr/>
-        </p:nvSpPr>
-        <p:spPr>
-          <a:xfrm>
-            <a:off x="554559" y="1340768"/>
-            <a:ext cx="2204450" cy="369332"/>
-          </a:xfrm>
-          <a:prstGeom prst="rect">
-            <a:avLst/>
-          </a:prstGeom>
-          <a:noFill/>
-        </p:spPr>
-        <p:txBody>
-          <a:bodyPr wrap="none" rtlCol="0">
-            <a:spAutoFit/>
-          </a:bodyPr>
-          <a:lstStyle/>
-          <a:p>
-            <a:pPr marL="285750" indent="-285750">
-              <a:buFont typeface="Wingdings" panose="05000000000000000000" pitchFamily="2" charset="2"/>
-              <a:buChar char="Ø"/>
-            </a:pPr>
-            <a:r>
-              <a:rPr lang="en-US" altLang="zh-CN" dirty="0" smtClean="0">
-                <a:solidFill>
-                  <a:schemeClr val="tx1">
-                    <a:lumMod val="50000"/>
-                    <a:lumOff val="50000"/>
-                  </a:schemeClr>
-                </a:solidFill>
-              </a:rPr>
-              <a:t>Used in template</a:t>
-            </a:r>
-          </a:p>
-        </p:txBody>
-      </p:sp>
-      <p:sp>
-        <p:nvSpPr>
-          <p:cNvPr id="5" name="文本框 4"/>
-          <p:cNvSpPr txBox="1"/>
-          <p:nvPr/>
-        </p:nvSpPr>
-        <p:spPr>
-          <a:xfrm>
-            <a:off x="554559" y="1916832"/>
-            <a:ext cx="3435556" cy="369332"/>
-          </a:xfrm>
-          <a:prstGeom prst="rect">
-            <a:avLst/>
-          </a:prstGeom>
-          <a:noFill/>
-        </p:spPr>
-        <p:txBody>
-          <a:bodyPr wrap="none" rtlCol="0">
-            <a:spAutoFit/>
-          </a:bodyPr>
-          <a:lstStyle/>
-          <a:p>
-            <a:pPr marL="285750" indent="-285750">
-              <a:buFont typeface="Wingdings" panose="05000000000000000000" pitchFamily="2" charset="2"/>
-              <a:buChar char="Ø"/>
-            </a:pPr>
-            <a:r>
-              <a:rPr lang="en-US" altLang="zh-CN" dirty="0" smtClean="0">
-                <a:solidFill>
-                  <a:schemeClr val="tx1">
-                    <a:lumMod val="50000"/>
-                    <a:lumOff val="50000"/>
-                  </a:schemeClr>
-                </a:solidFill>
-              </a:rPr>
-              <a:t>Known in development time</a:t>
-            </a:r>
-          </a:p>
-        </p:txBody>
-      </p:sp>
-      <p:sp>
-        <p:nvSpPr>
-          <p:cNvPr id="6" name="文本框 5"/>
-          <p:cNvSpPr txBox="1"/>
-          <p:nvPr/>
-        </p:nvSpPr>
-        <p:spPr>
-          <a:xfrm>
-            <a:off x="560795" y="2492896"/>
-            <a:ext cx="1896673" cy="369332"/>
-          </a:xfrm>
-          <a:prstGeom prst="rect">
-            <a:avLst/>
-          </a:prstGeom>
-          <a:noFill/>
-        </p:spPr>
-        <p:txBody>
-          <a:bodyPr wrap="none" rtlCol="0">
-            <a:spAutoFit/>
-          </a:bodyPr>
-          <a:lstStyle/>
-          <a:p>
-            <a:pPr marL="285750" indent="-285750">
-              <a:buFont typeface="Wingdings" panose="05000000000000000000" pitchFamily="2" charset="2"/>
-              <a:buChar char="Ø"/>
-            </a:pPr>
-            <a:r>
-              <a:rPr lang="en-US" altLang="zh-CN" dirty="0" smtClean="0">
-                <a:solidFill>
-                  <a:schemeClr val="tx1">
-                    <a:lumMod val="50000"/>
-                    <a:lumOff val="50000"/>
-                  </a:schemeClr>
-                </a:solidFill>
-              </a:rPr>
-              <a:t>Fixed location</a:t>
-            </a:r>
-          </a:p>
-        </p:txBody>
-      </p:sp>
-      <p:sp>
-        <p:nvSpPr>
-          <p:cNvPr id="7" name="文本框 6"/>
-          <p:cNvSpPr txBox="1"/>
-          <p:nvPr/>
-        </p:nvSpPr>
-        <p:spPr>
-          <a:xfrm>
-            <a:off x="560795" y="3071982"/>
-            <a:ext cx="1678665" cy="369332"/>
-          </a:xfrm>
-          <a:prstGeom prst="rect">
-            <a:avLst/>
-          </a:prstGeom>
-          <a:noFill/>
-        </p:spPr>
-        <p:txBody>
-          <a:bodyPr wrap="none" rtlCol="0">
-            <a:spAutoFit/>
-          </a:bodyPr>
-          <a:lstStyle/>
-          <a:p>
-            <a:pPr marL="285750" indent="-285750">
-              <a:buFont typeface="Wingdings" panose="05000000000000000000" pitchFamily="2" charset="2"/>
-              <a:buChar char="Ø"/>
-            </a:pPr>
-            <a:r>
-              <a:rPr lang="en-US" altLang="zh-CN" dirty="0" smtClean="0">
-                <a:solidFill>
-                  <a:schemeClr val="tx1">
-                    <a:lumMod val="50000"/>
-                    <a:lumOff val="50000"/>
-                  </a:schemeClr>
-                </a:solidFill>
-              </a:rPr>
-              <a:t>Hard-coded</a:t>
-            </a:r>
-          </a:p>
-        </p:txBody>
-      </p:sp>
-      <p:sp>
-        <p:nvSpPr>
-          <p:cNvPr id="13" name="矩形 12"/>
-          <p:cNvSpPr/>
-          <p:nvPr/>
-        </p:nvSpPr>
-        <p:spPr>
-          <a:xfrm>
-            <a:off x="4212136" y="1412776"/>
-            <a:ext cx="7210105" cy="3960440"/>
-          </a:xfrm>
-          <a:prstGeom prst="rect">
-            <a:avLst/>
-          </a:prstGeom>
-          <a:solidFill>
-            <a:schemeClr val="tx1">
-              <a:lumMod val="85000"/>
-              <a:lumOff val="15000"/>
-            </a:schemeClr>
-          </a:solidFill>
-          <a:ln w="152400" cap="rnd">
-            <a:solidFill>
-              <a:schemeClr val="tx1">
-                <a:lumMod val="85000"/>
-                <a:lumOff val="15000"/>
-              </a:schemeClr>
-            </a:solidFill>
-          </a:ln>
-        </p:spPr>
-        <p:style>
-          <a:lnRef idx="2">
-            <a:schemeClr val="accent1">
-              <a:shade val="50000"/>
-            </a:schemeClr>
-          </a:lnRef>
-          <a:fillRef idx="1">
-            <a:schemeClr val="accent1"/>
-          </a:fillRef>
-          <a:effectRef idx="0">
-            <a:schemeClr val="accent1"/>
-          </a:effectRef>
-          <a:fontRef idx="minor">
-            <a:schemeClr val="lt1"/>
-          </a:fontRef>
-        </p:style>
-        <p:txBody>
-          <a:bodyPr rtlCol="0" anchor="ctr"/>
-          <a:lstStyle/>
-          <a:p>
-            <a:r>
-              <a:rPr lang="en-US" altLang="zh-CN" sz="1500" dirty="0">
-                <a:solidFill>
-                  <a:srgbClr val="93A1A1"/>
-                </a:solidFill>
-                <a:latin typeface="Consolas" panose="020B0609020204030204" pitchFamily="49" charset="0"/>
-              </a:rPr>
-              <a:t>&lt;</a:t>
-            </a:r>
-            <a:r>
-              <a:rPr lang="en-US" altLang="zh-CN" sz="1500" dirty="0">
-                <a:solidFill>
-                  <a:srgbClr val="268BD2"/>
-                </a:solidFill>
-                <a:latin typeface="Consolas" panose="020B0609020204030204" pitchFamily="49" charset="0"/>
-              </a:rPr>
-              <a:t>app-header</a:t>
-            </a:r>
-            <a:r>
-              <a:rPr lang="en-US" altLang="zh-CN" sz="1500" dirty="0">
-                <a:solidFill>
-                  <a:srgbClr val="93A1A1"/>
-                </a:solidFill>
-                <a:latin typeface="Consolas" panose="020B0609020204030204" pitchFamily="49" charset="0"/>
-              </a:rPr>
-              <a:t>&gt;&lt;/</a:t>
-            </a:r>
-            <a:r>
-              <a:rPr lang="en-US" altLang="zh-CN" sz="1500" dirty="0">
-                <a:solidFill>
-                  <a:srgbClr val="268BD2"/>
-                </a:solidFill>
-                <a:latin typeface="Consolas" panose="020B0609020204030204" pitchFamily="49" charset="0"/>
-              </a:rPr>
-              <a:t>app-header</a:t>
-            </a:r>
-            <a:r>
-              <a:rPr lang="en-US" altLang="zh-CN" sz="1500" dirty="0">
-                <a:solidFill>
-                  <a:srgbClr val="93A1A1"/>
-                </a:solidFill>
-                <a:latin typeface="Consolas" panose="020B0609020204030204" pitchFamily="49" charset="0"/>
-              </a:rPr>
-              <a:t>&gt;</a:t>
-            </a:r>
-            <a:endParaRPr lang="en-US" altLang="zh-CN" sz="1500" dirty="0">
-              <a:solidFill>
-                <a:srgbClr val="333333"/>
-              </a:solidFill>
-              <a:latin typeface="Consolas" panose="020B0609020204030204" pitchFamily="49" charset="0"/>
-            </a:endParaRPr>
-          </a:p>
-          <a:p>
-            <a:r>
-              <a:rPr lang="en-US" altLang="zh-CN" sz="1500" dirty="0">
-                <a:solidFill>
-                  <a:srgbClr val="333333"/>
-                </a:solidFill>
-                <a:latin typeface="Consolas" panose="020B0609020204030204" pitchFamily="49" charset="0"/>
-              </a:rPr>
-              <a:t/>
-            </a:r>
-            <a:br>
-              <a:rPr lang="en-US" altLang="zh-CN" sz="1500" dirty="0">
-                <a:solidFill>
-                  <a:srgbClr val="333333"/>
-                </a:solidFill>
-                <a:latin typeface="Consolas" panose="020B0609020204030204" pitchFamily="49" charset="0"/>
-              </a:rPr>
-            </a:br>
-            <a:r>
-              <a:rPr lang="en-US" altLang="zh-CN" sz="1500" dirty="0">
-                <a:solidFill>
-                  <a:srgbClr val="333333"/>
-                </a:solidFill>
-                <a:latin typeface="Consolas" panose="020B0609020204030204" pitchFamily="49" charset="0"/>
-              </a:rPr>
-              <a:t>    </a:t>
-            </a:r>
-            <a:r>
-              <a:rPr lang="en-US" altLang="zh-CN" sz="1500" dirty="0">
-                <a:solidFill>
-                  <a:srgbClr val="93A1A1"/>
-                </a:solidFill>
-                <a:latin typeface="Consolas" panose="020B0609020204030204" pitchFamily="49" charset="0"/>
-              </a:rPr>
-              <a:t>&lt;</a:t>
-            </a:r>
-            <a:r>
-              <a:rPr lang="en-US" altLang="zh-CN" sz="1500" dirty="0">
-                <a:solidFill>
-                  <a:srgbClr val="268BD2"/>
-                </a:solidFill>
-                <a:latin typeface="Consolas" panose="020B0609020204030204" pitchFamily="49" charset="0"/>
-              </a:rPr>
-              <a:t>app-breadcrumb</a:t>
-            </a:r>
-            <a:r>
-              <a:rPr lang="en-US" altLang="zh-CN" sz="1500" dirty="0">
-                <a:solidFill>
-                  <a:srgbClr val="93A1A1"/>
-                </a:solidFill>
-                <a:latin typeface="Consolas" panose="020B0609020204030204" pitchFamily="49" charset="0"/>
-              </a:rPr>
-              <a:t>&gt;&lt;/</a:t>
-            </a:r>
-            <a:r>
-              <a:rPr lang="en-US" altLang="zh-CN" sz="1500" dirty="0">
-                <a:solidFill>
-                  <a:srgbClr val="268BD2"/>
-                </a:solidFill>
-                <a:latin typeface="Consolas" panose="020B0609020204030204" pitchFamily="49" charset="0"/>
-              </a:rPr>
-              <a:t>app-breadcrumb</a:t>
-            </a:r>
-            <a:r>
-              <a:rPr lang="en-US" altLang="zh-CN" sz="1500" dirty="0">
-                <a:solidFill>
-                  <a:srgbClr val="93A1A1"/>
-                </a:solidFill>
-                <a:latin typeface="Consolas" panose="020B0609020204030204" pitchFamily="49" charset="0"/>
-              </a:rPr>
-              <a:t>&gt;</a:t>
-            </a:r>
-            <a:endParaRPr lang="en-US" altLang="zh-CN" sz="1500" dirty="0">
-              <a:solidFill>
-                <a:srgbClr val="333333"/>
-              </a:solidFill>
-              <a:latin typeface="Consolas" panose="020B0609020204030204" pitchFamily="49" charset="0"/>
-            </a:endParaRPr>
-          </a:p>
-          <a:p>
-            <a:r>
-              <a:rPr lang="en-US" altLang="zh-CN" sz="1500" dirty="0">
-                <a:solidFill>
-                  <a:srgbClr val="333333"/>
-                </a:solidFill>
-                <a:latin typeface="Consolas" panose="020B0609020204030204" pitchFamily="49" charset="0"/>
-              </a:rPr>
-              <a:t/>
-            </a:r>
-            <a:br>
-              <a:rPr lang="en-US" altLang="zh-CN" sz="1500" dirty="0">
-                <a:solidFill>
-                  <a:srgbClr val="333333"/>
-                </a:solidFill>
-                <a:latin typeface="Consolas" panose="020B0609020204030204" pitchFamily="49" charset="0"/>
-              </a:rPr>
-            </a:br>
-            <a:r>
-              <a:rPr lang="en-US" altLang="zh-CN" sz="1500" dirty="0">
-                <a:solidFill>
-                  <a:srgbClr val="333333"/>
-                </a:solidFill>
-                <a:latin typeface="Consolas" panose="020B0609020204030204" pitchFamily="49" charset="0"/>
-              </a:rPr>
-              <a:t>    </a:t>
-            </a:r>
-            <a:r>
-              <a:rPr lang="en-US" altLang="zh-CN" sz="1500" dirty="0">
-                <a:solidFill>
-                  <a:srgbClr val="93A1A1"/>
-                </a:solidFill>
-                <a:latin typeface="Consolas" panose="020B0609020204030204" pitchFamily="49" charset="0"/>
-              </a:rPr>
-              <a:t>&lt;</a:t>
-            </a:r>
-            <a:r>
-              <a:rPr lang="en-US" altLang="zh-CN" sz="1500" dirty="0">
-                <a:solidFill>
-                  <a:srgbClr val="268BD2"/>
-                </a:solidFill>
-                <a:latin typeface="Consolas" panose="020B0609020204030204" pitchFamily="49" charset="0"/>
-              </a:rPr>
-              <a:t>form</a:t>
-            </a:r>
-            <a:r>
-              <a:rPr lang="en-US" altLang="zh-CN" sz="1500" dirty="0">
-                <a:solidFill>
-                  <a:srgbClr val="333333"/>
-                </a:solidFill>
-                <a:latin typeface="Consolas" panose="020B0609020204030204" pitchFamily="49" charset="0"/>
-              </a:rPr>
-              <a:t> </a:t>
-            </a:r>
-            <a:r>
-              <a:rPr lang="en-US" altLang="zh-CN" sz="1500" dirty="0">
-                <a:solidFill>
-                  <a:srgbClr val="93A1A1"/>
-                </a:solidFill>
-                <a:latin typeface="Consolas" panose="020B0609020204030204" pitchFamily="49" charset="0"/>
-              </a:rPr>
-              <a:t>action</a:t>
-            </a:r>
-            <a:r>
-              <a:rPr lang="en-US" altLang="zh-CN" sz="1500" dirty="0">
-                <a:solidFill>
-                  <a:srgbClr val="333333"/>
-                </a:solidFill>
-                <a:latin typeface="Consolas" panose="020B0609020204030204" pitchFamily="49" charset="0"/>
-              </a:rPr>
-              <a:t>=</a:t>
-            </a:r>
-            <a:r>
-              <a:rPr lang="en-US" altLang="zh-CN" sz="1500" dirty="0">
-                <a:solidFill>
-                  <a:srgbClr val="2AA198"/>
-                </a:solidFill>
-                <a:latin typeface="Consolas" panose="020B0609020204030204" pitchFamily="49" charset="0"/>
-              </a:rPr>
-              <a:t>"/REST/someAPI"</a:t>
-            </a:r>
-            <a:r>
-              <a:rPr lang="en-US" altLang="zh-CN" sz="1500" dirty="0">
-                <a:solidFill>
-                  <a:srgbClr val="333333"/>
-                </a:solidFill>
-                <a:latin typeface="Consolas" panose="020B0609020204030204" pitchFamily="49" charset="0"/>
-              </a:rPr>
-              <a:t> </a:t>
-            </a:r>
-            <a:r>
-              <a:rPr lang="en-US" altLang="zh-CN" sz="1500" dirty="0">
-                <a:solidFill>
-                  <a:srgbClr val="93A1A1"/>
-                </a:solidFill>
-                <a:latin typeface="Consolas" panose="020B0609020204030204" pitchFamily="49" charset="0"/>
-              </a:rPr>
-              <a:t>method</a:t>
-            </a:r>
-            <a:r>
-              <a:rPr lang="en-US" altLang="zh-CN" sz="1500" dirty="0">
-                <a:solidFill>
-                  <a:srgbClr val="333333"/>
-                </a:solidFill>
-                <a:latin typeface="Consolas" panose="020B0609020204030204" pitchFamily="49" charset="0"/>
-              </a:rPr>
-              <a:t>=</a:t>
-            </a:r>
-            <a:r>
-              <a:rPr lang="en-US" altLang="zh-CN" sz="1500" dirty="0">
-                <a:solidFill>
-                  <a:srgbClr val="2AA198"/>
-                </a:solidFill>
-                <a:latin typeface="Consolas" panose="020B0609020204030204" pitchFamily="49" charset="0"/>
-              </a:rPr>
-              <a:t>"POST"</a:t>
-            </a:r>
-            <a:r>
-              <a:rPr lang="en-US" altLang="zh-CN" sz="1500" dirty="0">
-                <a:solidFill>
-                  <a:srgbClr val="93A1A1"/>
-                </a:solidFill>
-                <a:latin typeface="Consolas" panose="020B0609020204030204" pitchFamily="49" charset="0"/>
-              </a:rPr>
-              <a:t>&gt;</a:t>
-            </a:r>
-            <a:endParaRPr lang="en-US" altLang="zh-CN" sz="1500" dirty="0">
-              <a:solidFill>
-                <a:srgbClr val="333333"/>
-              </a:solidFill>
-              <a:latin typeface="Consolas" panose="020B0609020204030204" pitchFamily="49" charset="0"/>
-            </a:endParaRPr>
-          </a:p>
-          <a:p>
-            <a:r>
-              <a:rPr lang="en-US" altLang="zh-CN" sz="1500" dirty="0">
-                <a:solidFill>
-                  <a:srgbClr val="333333"/>
-                </a:solidFill>
-                <a:latin typeface="Consolas" panose="020B0609020204030204" pitchFamily="49" charset="0"/>
-              </a:rPr>
-              <a:t/>
-            </a:r>
-            <a:br>
-              <a:rPr lang="en-US" altLang="zh-CN" sz="1500" dirty="0">
-                <a:solidFill>
-                  <a:srgbClr val="333333"/>
-                </a:solidFill>
-                <a:latin typeface="Consolas" panose="020B0609020204030204" pitchFamily="49" charset="0"/>
-              </a:rPr>
-            </a:br>
-            <a:r>
-              <a:rPr lang="en-US" altLang="zh-CN" sz="1500" dirty="0">
-                <a:solidFill>
-                  <a:srgbClr val="333333"/>
-                </a:solidFill>
-                <a:latin typeface="Consolas" panose="020B0609020204030204" pitchFamily="49" charset="0"/>
-              </a:rPr>
-              <a:t>        </a:t>
-            </a:r>
-            <a:r>
-              <a:rPr lang="en-US" altLang="zh-CN" sz="1500" dirty="0">
-                <a:solidFill>
-                  <a:srgbClr val="93A1A1"/>
-                </a:solidFill>
-                <a:latin typeface="Consolas" panose="020B0609020204030204" pitchFamily="49" charset="0"/>
-              </a:rPr>
-              <a:t>&lt;</a:t>
-            </a:r>
-            <a:r>
-              <a:rPr lang="en-US" altLang="zh-CN" sz="1500" dirty="0">
-                <a:solidFill>
-                  <a:srgbClr val="268BD2"/>
-                </a:solidFill>
-                <a:latin typeface="Consolas" panose="020B0609020204030204" pitchFamily="49" charset="0"/>
-              </a:rPr>
-              <a:t>app-input</a:t>
-            </a:r>
-            <a:r>
-              <a:rPr lang="en-US" altLang="zh-CN" sz="1500" dirty="0">
-                <a:solidFill>
-                  <a:srgbClr val="333333"/>
-                </a:solidFill>
-                <a:latin typeface="Consolas" panose="020B0609020204030204" pitchFamily="49" charset="0"/>
-              </a:rPr>
-              <a:t> </a:t>
-            </a:r>
-            <a:r>
-              <a:rPr lang="en-US" altLang="zh-CN" sz="1500" dirty="0">
-                <a:solidFill>
-                  <a:srgbClr val="93A1A1"/>
-                </a:solidFill>
-                <a:latin typeface="Consolas" panose="020B0609020204030204" pitchFamily="49" charset="0"/>
-              </a:rPr>
-              <a:t>[validators]</a:t>
-            </a:r>
-            <a:r>
-              <a:rPr lang="en-US" altLang="zh-CN" sz="1500" dirty="0">
-                <a:solidFill>
-                  <a:srgbClr val="333333"/>
-                </a:solidFill>
-                <a:latin typeface="Consolas" panose="020B0609020204030204" pitchFamily="49" charset="0"/>
-              </a:rPr>
-              <a:t>=</a:t>
-            </a:r>
-            <a:r>
-              <a:rPr lang="en-US" altLang="zh-CN" sz="1500" dirty="0">
-                <a:solidFill>
-                  <a:srgbClr val="2AA198"/>
-                </a:solidFill>
-                <a:latin typeface="Consolas" panose="020B0609020204030204" pitchFamily="49" charset="0"/>
-              </a:rPr>
-              <a:t>"validators"</a:t>
-            </a:r>
-            <a:r>
-              <a:rPr lang="en-US" altLang="zh-CN" sz="1500" dirty="0">
-                <a:solidFill>
-                  <a:srgbClr val="93A1A1"/>
-                </a:solidFill>
-                <a:latin typeface="Consolas" panose="020B0609020204030204" pitchFamily="49" charset="0"/>
-              </a:rPr>
-              <a:t>&gt;&lt;/</a:t>
-            </a:r>
-            <a:r>
-              <a:rPr lang="en-US" altLang="zh-CN" sz="1500" dirty="0">
-                <a:solidFill>
-                  <a:srgbClr val="268BD2"/>
-                </a:solidFill>
-                <a:latin typeface="Consolas" panose="020B0609020204030204" pitchFamily="49" charset="0"/>
-              </a:rPr>
-              <a:t>app-input</a:t>
-            </a:r>
-            <a:r>
-              <a:rPr lang="en-US" altLang="zh-CN" sz="1500" dirty="0">
-                <a:solidFill>
-                  <a:srgbClr val="93A1A1"/>
-                </a:solidFill>
-                <a:latin typeface="Consolas" panose="020B0609020204030204" pitchFamily="49" charset="0"/>
-              </a:rPr>
-              <a:t>&gt;</a:t>
-            </a:r>
-            <a:endParaRPr lang="en-US" altLang="zh-CN" sz="1500" dirty="0">
-              <a:solidFill>
-                <a:srgbClr val="333333"/>
-              </a:solidFill>
-              <a:latin typeface="Consolas" panose="020B0609020204030204" pitchFamily="49" charset="0"/>
-            </a:endParaRPr>
-          </a:p>
-          <a:p>
-            <a:r>
-              <a:rPr lang="en-US" altLang="zh-CN" sz="1500" dirty="0">
-                <a:solidFill>
-                  <a:srgbClr val="333333"/>
-                </a:solidFill>
-                <a:latin typeface="Consolas" panose="020B0609020204030204" pitchFamily="49" charset="0"/>
-              </a:rPr>
-              <a:t>        </a:t>
-            </a:r>
-            <a:r>
-              <a:rPr lang="en-US" altLang="zh-CN" sz="1500" dirty="0">
-                <a:solidFill>
-                  <a:srgbClr val="93A1A1"/>
-                </a:solidFill>
-                <a:latin typeface="Consolas" panose="020B0609020204030204" pitchFamily="49" charset="0"/>
-              </a:rPr>
-              <a:t>&lt;</a:t>
-            </a:r>
-            <a:r>
-              <a:rPr lang="en-US" altLang="zh-CN" sz="1500" dirty="0">
-                <a:solidFill>
-                  <a:srgbClr val="268BD2"/>
-                </a:solidFill>
-                <a:latin typeface="Consolas" panose="020B0609020204030204" pitchFamily="49" charset="0"/>
-              </a:rPr>
-              <a:t>app-button</a:t>
-            </a:r>
-            <a:r>
-              <a:rPr lang="en-US" altLang="zh-CN" sz="1500" dirty="0">
-                <a:solidFill>
-                  <a:srgbClr val="333333"/>
-                </a:solidFill>
-                <a:latin typeface="Consolas" panose="020B0609020204030204" pitchFamily="49" charset="0"/>
-              </a:rPr>
-              <a:t> </a:t>
-            </a:r>
-            <a:r>
-              <a:rPr lang="en-US" altLang="zh-CN" sz="1500" dirty="0">
-                <a:solidFill>
-                  <a:srgbClr val="93A1A1"/>
-                </a:solidFill>
-                <a:latin typeface="Consolas" panose="020B0609020204030204" pitchFamily="49" charset="0"/>
-              </a:rPr>
-              <a:t>(click)</a:t>
-            </a:r>
-            <a:r>
-              <a:rPr lang="en-US" altLang="zh-CN" sz="1500" dirty="0">
-                <a:solidFill>
-                  <a:srgbClr val="333333"/>
-                </a:solidFill>
-                <a:latin typeface="Consolas" panose="020B0609020204030204" pitchFamily="49" charset="0"/>
-              </a:rPr>
-              <a:t>=</a:t>
-            </a:r>
-            <a:r>
-              <a:rPr lang="en-US" altLang="zh-CN" sz="1500" dirty="0">
-                <a:solidFill>
-                  <a:srgbClr val="2AA198"/>
-                </a:solidFill>
-                <a:latin typeface="Consolas" panose="020B0609020204030204" pitchFamily="49" charset="0"/>
-              </a:rPr>
-              <a:t>"submitForm($event)"</a:t>
-            </a:r>
-            <a:r>
-              <a:rPr lang="en-US" altLang="zh-CN" sz="1500" dirty="0">
-                <a:solidFill>
-                  <a:srgbClr val="93A1A1"/>
-                </a:solidFill>
-                <a:latin typeface="Consolas" panose="020B0609020204030204" pitchFamily="49" charset="0"/>
-              </a:rPr>
-              <a:t>&gt;&lt;/</a:t>
-            </a:r>
-            <a:r>
-              <a:rPr lang="en-US" altLang="zh-CN" sz="1500" dirty="0">
-                <a:solidFill>
-                  <a:srgbClr val="268BD2"/>
-                </a:solidFill>
-                <a:latin typeface="Consolas" panose="020B0609020204030204" pitchFamily="49" charset="0"/>
-              </a:rPr>
-              <a:t>app-button</a:t>
-            </a:r>
-            <a:r>
-              <a:rPr lang="en-US" altLang="zh-CN" sz="1500" dirty="0">
-                <a:solidFill>
-                  <a:srgbClr val="93A1A1"/>
-                </a:solidFill>
-                <a:latin typeface="Consolas" panose="020B0609020204030204" pitchFamily="49" charset="0"/>
-              </a:rPr>
-              <a:t>&gt;</a:t>
-            </a:r>
-            <a:endParaRPr lang="en-US" altLang="zh-CN" sz="1500" dirty="0">
-              <a:solidFill>
-                <a:srgbClr val="333333"/>
-              </a:solidFill>
-              <a:latin typeface="Consolas" panose="020B0609020204030204" pitchFamily="49" charset="0"/>
-            </a:endParaRPr>
-          </a:p>
-          <a:p>
-            <a:r>
-              <a:rPr lang="en-US" altLang="zh-CN" sz="1500" dirty="0">
-                <a:solidFill>
-                  <a:srgbClr val="333333"/>
-                </a:solidFill>
-                <a:latin typeface="Consolas" panose="020B0609020204030204" pitchFamily="49" charset="0"/>
-              </a:rPr>
-              <a:t/>
-            </a:r>
-            <a:br>
-              <a:rPr lang="en-US" altLang="zh-CN" sz="1500" dirty="0">
-                <a:solidFill>
-                  <a:srgbClr val="333333"/>
-                </a:solidFill>
-                <a:latin typeface="Consolas" panose="020B0609020204030204" pitchFamily="49" charset="0"/>
-              </a:rPr>
-            </a:br>
-            <a:r>
-              <a:rPr lang="en-US" altLang="zh-CN" sz="1500" dirty="0">
-                <a:solidFill>
-                  <a:srgbClr val="333333"/>
-                </a:solidFill>
-                <a:latin typeface="Consolas" panose="020B0609020204030204" pitchFamily="49" charset="0"/>
-              </a:rPr>
-              <a:t>    </a:t>
-            </a:r>
-            <a:r>
-              <a:rPr lang="en-US" altLang="zh-CN" sz="1500" dirty="0">
-                <a:solidFill>
-                  <a:srgbClr val="93A1A1"/>
-                </a:solidFill>
-                <a:latin typeface="Consolas" panose="020B0609020204030204" pitchFamily="49" charset="0"/>
-              </a:rPr>
-              <a:t>&lt;/</a:t>
-            </a:r>
-            <a:r>
-              <a:rPr lang="en-US" altLang="zh-CN" sz="1500" dirty="0">
-                <a:solidFill>
-                  <a:srgbClr val="268BD2"/>
-                </a:solidFill>
-                <a:latin typeface="Consolas" panose="020B0609020204030204" pitchFamily="49" charset="0"/>
-              </a:rPr>
-              <a:t>form</a:t>
-            </a:r>
-            <a:r>
-              <a:rPr lang="en-US" altLang="zh-CN" sz="1500" dirty="0">
-                <a:solidFill>
-                  <a:srgbClr val="93A1A1"/>
-                </a:solidFill>
-                <a:latin typeface="Consolas" panose="020B0609020204030204" pitchFamily="49" charset="0"/>
-              </a:rPr>
-              <a:t>&gt;</a:t>
-            </a:r>
-            <a:endParaRPr lang="en-US" altLang="zh-CN" sz="1500" dirty="0">
-              <a:solidFill>
-                <a:srgbClr val="333333"/>
-              </a:solidFill>
-              <a:latin typeface="Consolas" panose="020B0609020204030204" pitchFamily="49" charset="0"/>
-            </a:endParaRPr>
-          </a:p>
-          <a:p>
-            <a:r>
-              <a:rPr lang="en-US" altLang="zh-CN" sz="1500" dirty="0">
-                <a:solidFill>
-                  <a:srgbClr val="333333"/>
-                </a:solidFill>
-                <a:latin typeface="Consolas" panose="020B0609020204030204" pitchFamily="49" charset="0"/>
-              </a:rPr>
-              <a:t/>
-            </a:r>
-            <a:br>
-              <a:rPr lang="en-US" altLang="zh-CN" sz="1500" dirty="0">
-                <a:solidFill>
-                  <a:srgbClr val="333333"/>
-                </a:solidFill>
-                <a:latin typeface="Consolas" panose="020B0609020204030204" pitchFamily="49" charset="0"/>
-              </a:rPr>
-            </a:br>
-            <a:r>
-              <a:rPr lang="en-US" altLang="zh-CN" sz="1500" dirty="0">
-                <a:solidFill>
-                  <a:srgbClr val="333333"/>
-                </a:solidFill>
-                <a:latin typeface="Consolas" panose="020B0609020204030204" pitchFamily="49" charset="0"/>
-              </a:rPr>
-              <a:t>    </a:t>
-            </a:r>
-            <a:r>
-              <a:rPr lang="en-US" altLang="zh-CN" sz="1500" dirty="0">
-                <a:solidFill>
-                  <a:srgbClr val="93A1A1"/>
-                </a:solidFill>
-                <a:latin typeface="Consolas" panose="020B0609020204030204" pitchFamily="49" charset="0"/>
-              </a:rPr>
-              <a:t>&lt;</a:t>
-            </a:r>
-            <a:r>
-              <a:rPr lang="en-US" altLang="zh-CN" sz="1500" dirty="0">
-                <a:solidFill>
-                  <a:srgbClr val="268BD2"/>
-                </a:solidFill>
-                <a:latin typeface="Consolas" panose="020B0609020204030204" pitchFamily="49" charset="0"/>
-              </a:rPr>
-              <a:t>app-bottom-menu</a:t>
-            </a:r>
-            <a:r>
-              <a:rPr lang="en-US" altLang="zh-CN" sz="1500" dirty="0">
-                <a:solidFill>
-                  <a:srgbClr val="93A1A1"/>
-                </a:solidFill>
-                <a:latin typeface="Consolas" panose="020B0609020204030204" pitchFamily="49" charset="0"/>
-              </a:rPr>
-              <a:t>&gt;&lt;/</a:t>
-            </a:r>
-            <a:r>
-              <a:rPr lang="en-US" altLang="zh-CN" sz="1500" dirty="0">
-                <a:solidFill>
-                  <a:srgbClr val="268BD2"/>
-                </a:solidFill>
-                <a:latin typeface="Consolas" panose="020B0609020204030204" pitchFamily="49" charset="0"/>
-              </a:rPr>
-              <a:t>app-bottom-menu</a:t>
-            </a:r>
-            <a:r>
-              <a:rPr lang="en-US" altLang="zh-CN" sz="1500" dirty="0">
-                <a:solidFill>
-                  <a:srgbClr val="93A1A1"/>
-                </a:solidFill>
-                <a:latin typeface="Consolas" panose="020B0609020204030204" pitchFamily="49" charset="0"/>
-              </a:rPr>
-              <a:t>&gt;</a:t>
-            </a:r>
-            <a:endParaRPr lang="en-US" altLang="zh-CN" sz="1500" dirty="0">
-              <a:solidFill>
-                <a:srgbClr val="333333"/>
-              </a:solidFill>
-              <a:latin typeface="Consolas" panose="020B0609020204030204" pitchFamily="49" charset="0"/>
-            </a:endParaRPr>
-          </a:p>
-          <a:p>
-            <a:r>
-              <a:rPr lang="en-US" altLang="zh-CN" sz="1500" dirty="0">
-                <a:solidFill>
-                  <a:srgbClr val="333333"/>
-                </a:solidFill>
-                <a:latin typeface="Consolas" panose="020B0609020204030204" pitchFamily="49" charset="0"/>
-              </a:rPr>
-              <a:t>    </a:t>
-            </a:r>
-          </a:p>
-          <a:p>
-            <a:r>
-              <a:rPr lang="en-US" altLang="zh-CN" sz="1500" dirty="0">
-                <a:solidFill>
-                  <a:srgbClr val="93A1A1"/>
-                </a:solidFill>
-                <a:latin typeface="Consolas" panose="020B0609020204030204" pitchFamily="49" charset="0"/>
-              </a:rPr>
-              <a:t>&lt;</a:t>
-            </a:r>
-            <a:r>
-              <a:rPr lang="en-US" altLang="zh-CN" sz="1500" dirty="0">
-                <a:solidFill>
-                  <a:srgbClr val="268BD2"/>
-                </a:solidFill>
-                <a:latin typeface="Consolas" panose="020B0609020204030204" pitchFamily="49" charset="0"/>
-              </a:rPr>
-              <a:t>app-footer</a:t>
-            </a:r>
-            <a:r>
-              <a:rPr lang="en-US" altLang="zh-CN" sz="1500" dirty="0">
-                <a:solidFill>
-                  <a:srgbClr val="93A1A1"/>
-                </a:solidFill>
-                <a:latin typeface="Consolas" panose="020B0609020204030204" pitchFamily="49" charset="0"/>
-              </a:rPr>
-              <a:t>&gt;&lt;/</a:t>
-            </a:r>
-            <a:r>
-              <a:rPr lang="en-US" altLang="zh-CN" sz="1500" dirty="0">
-                <a:solidFill>
-                  <a:srgbClr val="268BD2"/>
-                </a:solidFill>
-                <a:latin typeface="Consolas" panose="020B0609020204030204" pitchFamily="49" charset="0"/>
-              </a:rPr>
-              <a:t>app-footer</a:t>
-            </a:r>
-            <a:r>
-              <a:rPr lang="en-US" altLang="zh-CN" sz="1500" dirty="0">
-                <a:solidFill>
-                  <a:srgbClr val="93A1A1"/>
-                </a:solidFill>
-                <a:latin typeface="Consolas" panose="020B0609020204030204" pitchFamily="49" charset="0"/>
-              </a:rPr>
-              <a:t>&gt;</a:t>
-            </a:r>
-            <a:endParaRPr lang="en-US" altLang="zh-CN" sz="1500" dirty="0">
-              <a:solidFill>
-                <a:srgbClr val="333333"/>
-              </a:solidFill>
-              <a:latin typeface="Consolas" panose="020B0609020204030204" pitchFamily="49" charset="0"/>
-            </a:endParaRPr>
-          </a:p>
-        </p:txBody>
-      </p:sp>
-    </p:spTree>
-    <p:extLst>
-      <p:ext uri="{BB962C8B-B14F-4D97-AF65-F5344CB8AC3E}">
-        <p14:creationId xmlns:p14="http://schemas.microsoft.com/office/powerpoint/2010/main" val="2119872340"/>
-      </p:ext>
-    </p:extLst>
-  </p:cSld>
-  <p:clrMapOvr>
-    <a:masterClrMapping/>
-  </p:clrMapOvr>
-  <p:timing>
-    <p:tnLst>
-      <p:par>
-        <p:cTn id="1" dur="indefinite" restart="never" nodeType="tmRoot"/>
-      </p:par>
-    </p:tnLst>
-  </p:timing>
-</p:sld>
-</file>
-
-<file path=ppt/slides/slide3.xml><?xml version="1.0" encoding="utf-8"?>
-<p:sld xmlns:a="http://schemas.openxmlformats.org/drawingml/2006/main" xmlns:r="http://schemas.openxmlformats.org/officeDocument/2006/relationships" xmlns:p="http://schemas.openxmlformats.org/presentationml/2006/main">
-  <p:cSld>
-    <p:spTree>
-      <p:nvGrpSpPr>
-        <p:cNvPr id="1" name=""/>
-        <p:cNvGrpSpPr/>
-        <p:nvPr/>
-      </p:nvGrpSpPr>
-      <p:grpSpPr>
-        <a:xfrm>
-          <a:off x="0" y="0"/>
-          <a:ext cx="0" cy="0"/>
-          <a:chOff x="0" y="0"/>
-          <a:chExt cx="0" cy="0"/>
-        </a:xfrm>
-      </p:grpSpPr>
-      <p:sp>
-        <p:nvSpPr>
-          <p:cNvPr id="3" name="文本框 2"/>
-          <p:cNvSpPr txBox="1"/>
-          <p:nvPr/>
-        </p:nvSpPr>
-        <p:spPr>
-          <a:xfrm>
-            <a:off x="554559" y="332656"/>
-            <a:ext cx="3686587" cy="523220"/>
-          </a:xfrm>
-          <a:prstGeom prst="rect">
-            <a:avLst/>
-          </a:prstGeom>
-          <a:noFill/>
-        </p:spPr>
-        <p:txBody>
-          <a:bodyPr wrap="none" rtlCol="0">
-            <a:spAutoFit/>
-          </a:bodyPr>
-          <a:lstStyle/>
-          <a:p>
-            <a:r>
-              <a:rPr lang="en-US" altLang="zh-CN" sz="2800" b="1" dirty="0" smtClean="0">
-                <a:solidFill>
-                  <a:schemeClr val="tx1">
-                    <a:lumMod val="65000"/>
-                    <a:lumOff val="35000"/>
-                  </a:schemeClr>
-                </a:solidFill>
-                <a:latin typeface="Trebuchet MS" panose="020B0603020202020204" pitchFamily="34" charset="0"/>
-                <a:cs typeface="Calibri" panose="020F0502020204030204" pitchFamily="34" charset="0"/>
-              </a:rPr>
-              <a:t>STATIC COMPONENTS</a:t>
-            </a:r>
-            <a:endParaRPr lang="zh-CN" altLang="en-US" sz="2800" b="1" dirty="0">
-              <a:solidFill>
-                <a:schemeClr val="tx1">
-                  <a:lumMod val="65000"/>
-                  <a:lumOff val="35000"/>
-                </a:schemeClr>
-              </a:solidFill>
-              <a:latin typeface="Trebuchet MS" panose="020B0603020202020204" pitchFamily="34" charset="0"/>
-              <a:cs typeface="Calibri" panose="020F0502020204030204" pitchFamily="34" charset="0"/>
-            </a:endParaRPr>
-          </a:p>
-        </p:txBody>
-      </p:sp>
-      <p:sp>
-        <p:nvSpPr>
-          <p:cNvPr id="4" name="文本框 3"/>
-          <p:cNvSpPr txBox="1"/>
-          <p:nvPr/>
-        </p:nvSpPr>
-        <p:spPr>
-          <a:xfrm>
-            <a:off x="554559" y="1340768"/>
-            <a:ext cx="2204450" cy="369332"/>
-          </a:xfrm>
-          <a:prstGeom prst="rect">
-            <a:avLst/>
-          </a:prstGeom>
-          <a:noFill/>
-        </p:spPr>
-        <p:txBody>
-          <a:bodyPr wrap="none" rtlCol="0">
-            <a:spAutoFit/>
-          </a:bodyPr>
-          <a:lstStyle/>
-          <a:p>
-            <a:pPr marL="285750" indent="-285750">
-              <a:buFont typeface="Wingdings" panose="05000000000000000000" pitchFamily="2" charset="2"/>
-              <a:buChar char="Ø"/>
-            </a:pPr>
-            <a:r>
-              <a:rPr lang="en-US" altLang="zh-CN" dirty="0" smtClean="0">
-                <a:solidFill>
-                  <a:schemeClr val="tx1">
-                    <a:lumMod val="50000"/>
-                    <a:lumOff val="50000"/>
-                  </a:schemeClr>
-                </a:solidFill>
-              </a:rPr>
-              <a:t>Used in template</a:t>
-            </a:r>
-          </a:p>
-        </p:txBody>
-      </p:sp>
-      <p:sp>
-        <p:nvSpPr>
-          <p:cNvPr id="5" name="文本框 4"/>
-          <p:cNvSpPr txBox="1"/>
-          <p:nvPr/>
-        </p:nvSpPr>
-        <p:spPr>
-          <a:xfrm>
-            <a:off x="554559" y="1916832"/>
-            <a:ext cx="3435556" cy="369332"/>
-          </a:xfrm>
-          <a:prstGeom prst="rect">
-            <a:avLst/>
-          </a:prstGeom>
-          <a:noFill/>
-        </p:spPr>
-        <p:txBody>
-          <a:bodyPr wrap="none" rtlCol="0">
-            <a:spAutoFit/>
-          </a:bodyPr>
-          <a:lstStyle/>
-          <a:p>
-            <a:pPr marL="285750" indent="-285750">
-              <a:buFont typeface="Wingdings" panose="05000000000000000000" pitchFamily="2" charset="2"/>
-              <a:buChar char="Ø"/>
-            </a:pPr>
-            <a:r>
-              <a:rPr lang="en-US" altLang="zh-CN" dirty="0" smtClean="0">
-                <a:solidFill>
-                  <a:schemeClr val="tx1">
-                    <a:lumMod val="50000"/>
-                    <a:lumOff val="50000"/>
-                  </a:schemeClr>
-                </a:solidFill>
-              </a:rPr>
-              <a:t>Known in development time</a:t>
-            </a:r>
-          </a:p>
-        </p:txBody>
-      </p:sp>
-      <p:sp>
-        <p:nvSpPr>
-          <p:cNvPr id="6" name="文本框 5"/>
-          <p:cNvSpPr txBox="1"/>
-          <p:nvPr/>
-        </p:nvSpPr>
-        <p:spPr>
-          <a:xfrm>
-            <a:off x="560795" y="2492896"/>
-            <a:ext cx="1896673" cy="369332"/>
-          </a:xfrm>
-          <a:prstGeom prst="rect">
-            <a:avLst/>
-          </a:prstGeom>
-          <a:noFill/>
-        </p:spPr>
-        <p:txBody>
-          <a:bodyPr wrap="none" rtlCol="0">
-            <a:spAutoFit/>
-          </a:bodyPr>
-          <a:lstStyle/>
-          <a:p>
-            <a:pPr marL="285750" indent="-285750">
-              <a:buFont typeface="Wingdings" panose="05000000000000000000" pitchFamily="2" charset="2"/>
-              <a:buChar char="Ø"/>
-            </a:pPr>
-            <a:r>
-              <a:rPr lang="en-US" altLang="zh-CN" dirty="0" smtClean="0">
-                <a:solidFill>
-                  <a:schemeClr val="tx1">
-                    <a:lumMod val="50000"/>
-                    <a:lumOff val="50000"/>
-                  </a:schemeClr>
-                </a:solidFill>
-              </a:rPr>
-              <a:t>Fixed location</a:t>
-            </a:r>
-          </a:p>
-        </p:txBody>
-      </p:sp>
-      <p:sp>
-        <p:nvSpPr>
-          <p:cNvPr id="7" name="文本框 6"/>
-          <p:cNvSpPr txBox="1"/>
-          <p:nvPr/>
-        </p:nvSpPr>
-        <p:spPr>
-          <a:xfrm>
-            <a:off x="560795" y="3071982"/>
-            <a:ext cx="1678665" cy="369332"/>
-          </a:xfrm>
-          <a:prstGeom prst="rect">
-            <a:avLst/>
-          </a:prstGeom>
-          <a:noFill/>
-        </p:spPr>
-        <p:txBody>
-          <a:bodyPr wrap="none" rtlCol="0">
-            <a:spAutoFit/>
-          </a:bodyPr>
-          <a:lstStyle/>
-          <a:p>
-            <a:pPr marL="285750" indent="-285750">
-              <a:buFont typeface="Wingdings" panose="05000000000000000000" pitchFamily="2" charset="2"/>
-              <a:buChar char="Ø"/>
-            </a:pPr>
-            <a:r>
-              <a:rPr lang="en-US" altLang="zh-CN" dirty="0" smtClean="0">
-                <a:solidFill>
-                  <a:schemeClr val="tx1">
-                    <a:lumMod val="50000"/>
-                    <a:lumOff val="50000"/>
-                  </a:schemeClr>
-                </a:solidFill>
-              </a:rPr>
-              <a:t>Hard-coded</a:t>
-            </a:r>
-          </a:p>
-        </p:txBody>
-      </p:sp>
-      <p:sp>
-        <p:nvSpPr>
-          <p:cNvPr id="13" name="矩形 12"/>
-          <p:cNvSpPr/>
-          <p:nvPr/>
-        </p:nvSpPr>
-        <p:spPr>
-          <a:xfrm>
-            <a:off x="4241146" y="1412776"/>
-            <a:ext cx="7186621" cy="4752528"/>
-          </a:xfrm>
-          <a:prstGeom prst="rect">
-            <a:avLst/>
-          </a:prstGeom>
-          <a:solidFill>
-            <a:schemeClr val="tx1">
-              <a:lumMod val="85000"/>
-              <a:lumOff val="15000"/>
-            </a:schemeClr>
-          </a:solidFill>
-          <a:ln w="152400" cap="rnd">
-            <a:solidFill>
-              <a:schemeClr val="tx1">
-                <a:lumMod val="85000"/>
-                <a:lumOff val="15000"/>
-              </a:schemeClr>
-            </a:solidFill>
-          </a:ln>
-        </p:spPr>
-        <p:style>
-          <a:lnRef idx="2">
-            <a:schemeClr val="accent1">
-              <a:shade val="50000"/>
-            </a:schemeClr>
-          </a:lnRef>
-          <a:fillRef idx="1">
-            <a:schemeClr val="accent1"/>
-          </a:fillRef>
-          <a:effectRef idx="0">
-            <a:schemeClr val="accent1"/>
-          </a:effectRef>
-          <a:fontRef idx="minor">
-            <a:schemeClr val="lt1"/>
-          </a:fontRef>
-        </p:style>
-        <p:txBody>
-          <a:bodyPr rtlCol="0" anchor="ctr"/>
-          <a:lstStyle/>
-          <a:p>
-            <a:r>
-              <a:rPr lang="en-US" altLang="zh-CN" sz="1500" dirty="0">
-                <a:solidFill>
-                  <a:srgbClr val="6089B4"/>
-                </a:solidFill>
-                <a:latin typeface="Consolas" panose="020B0609020204030204" pitchFamily="49" charset="0"/>
-              </a:rPr>
-              <a:t>&lt;div</a:t>
-            </a:r>
-            <a:r>
-              <a:rPr lang="en-US" altLang="zh-CN" sz="1500" dirty="0">
-                <a:solidFill>
-                  <a:srgbClr val="D0B344"/>
-                </a:solidFill>
-                <a:latin typeface="Consolas" panose="020B0609020204030204" pitchFamily="49" charset="0"/>
-              </a:rPr>
-              <a:t> *ngSwitch=</a:t>
-            </a:r>
-            <a:r>
-              <a:rPr lang="en-US" altLang="zh-CN" sz="1500" dirty="0">
-                <a:solidFill>
-                  <a:srgbClr val="9AA83A"/>
-                </a:solidFill>
-                <a:latin typeface="Consolas" panose="020B0609020204030204" pitchFamily="49" charset="0"/>
-              </a:rPr>
-              <a:t>"component.type"</a:t>
-            </a:r>
-            <a:r>
-              <a:rPr lang="en-US" altLang="zh-CN" sz="1500" dirty="0">
-                <a:solidFill>
-                  <a:srgbClr val="6089B4"/>
-                </a:solidFill>
-                <a:latin typeface="Consolas" panose="020B0609020204030204" pitchFamily="49" charset="0"/>
-              </a:rPr>
-              <a:t>&gt;</a:t>
-            </a:r>
-            <a:endParaRPr lang="en-US" altLang="zh-CN" sz="1500" dirty="0">
-              <a:solidFill>
-                <a:srgbClr val="C5C8C6"/>
-              </a:solidFill>
-              <a:latin typeface="Consolas" panose="020B0609020204030204" pitchFamily="49" charset="0"/>
-            </a:endParaRPr>
-          </a:p>
-          <a:p>
-            <a:r>
-              <a:rPr lang="en-US" altLang="zh-CN" sz="1500" dirty="0">
-                <a:solidFill>
-                  <a:srgbClr val="C5C8C6"/>
-                </a:solidFill>
-                <a:latin typeface="Consolas" panose="020B0609020204030204" pitchFamily="49" charset="0"/>
-              </a:rPr>
-              <a:t/>
-            </a:r>
-            <a:br>
-              <a:rPr lang="en-US" altLang="zh-CN" sz="1500" dirty="0">
-                <a:solidFill>
-                  <a:srgbClr val="C5C8C6"/>
-                </a:solidFill>
-                <a:latin typeface="Consolas" panose="020B0609020204030204" pitchFamily="49" charset="0"/>
-              </a:rPr>
-            </a:br>
-            <a:r>
-              <a:rPr lang="en-US" altLang="zh-CN" sz="1500" dirty="0">
-                <a:solidFill>
-                  <a:srgbClr val="C5C8C6"/>
-                </a:solidFill>
-                <a:latin typeface="Consolas" panose="020B0609020204030204" pitchFamily="49" charset="0"/>
-              </a:rPr>
-              <a:t>    </a:t>
-            </a:r>
-            <a:r>
-              <a:rPr lang="en-US" altLang="zh-CN" sz="1500" dirty="0">
-                <a:solidFill>
-                  <a:srgbClr val="6089B4"/>
-                </a:solidFill>
-                <a:latin typeface="Consolas" panose="020B0609020204030204" pitchFamily="49" charset="0"/>
-              </a:rPr>
-              <a:t>&lt;app-profile</a:t>
-            </a:r>
-            <a:r>
-              <a:rPr lang="en-US" altLang="zh-CN" sz="1500" dirty="0">
-                <a:solidFill>
-                  <a:srgbClr val="D0B344"/>
-                </a:solidFill>
-                <a:latin typeface="Consolas" panose="020B0609020204030204" pitchFamily="49" charset="0"/>
-              </a:rPr>
-              <a:t> *ngSwitchCase=</a:t>
-            </a:r>
-            <a:r>
-              <a:rPr lang="en-US" altLang="zh-CN" sz="1500" dirty="0">
-                <a:solidFill>
-                  <a:srgbClr val="9AA83A"/>
-                </a:solidFill>
-                <a:latin typeface="Consolas" panose="020B0609020204030204" pitchFamily="49" charset="0"/>
-              </a:rPr>
-              <a:t>"profile"</a:t>
-            </a:r>
-            <a:r>
-              <a:rPr lang="en-US" altLang="zh-CN" sz="1500" dirty="0">
-                <a:solidFill>
-                  <a:srgbClr val="D0B344"/>
-                </a:solidFill>
-                <a:latin typeface="Consolas" panose="020B0609020204030204" pitchFamily="49" charset="0"/>
-              </a:rPr>
-              <a:t> [data]=</a:t>
-            </a:r>
-            <a:r>
-              <a:rPr lang="en-US" altLang="zh-CN" sz="1500" dirty="0">
-                <a:solidFill>
-                  <a:srgbClr val="9AA83A"/>
-                </a:solidFill>
-                <a:latin typeface="Consolas" panose="020B0609020204030204" pitchFamily="49" charset="0"/>
-              </a:rPr>
-              <a:t>"component.data"</a:t>
-            </a:r>
-            <a:r>
-              <a:rPr lang="en-US" altLang="zh-CN" sz="1500" dirty="0">
-                <a:solidFill>
-                  <a:srgbClr val="6089B4"/>
-                </a:solidFill>
-                <a:latin typeface="Consolas" panose="020B0609020204030204" pitchFamily="49" charset="0"/>
-              </a:rPr>
-              <a:t>&gt;</a:t>
-            </a:r>
-            <a:endParaRPr lang="en-US" altLang="zh-CN" sz="1500" dirty="0">
-              <a:solidFill>
-                <a:srgbClr val="C5C8C6"/>
-              </a:solidFill>
-              <a:latin typeface="Consolas" panose="020B0609020204030204" pitchFamily="49" charset="0"/>
-            </a:endParaRPr>
-          </a:p>
-          <a:p>
-            <a:r>
-              <a:rPr lang="en-US" altLang="zh-CN" sz="1500" dirty="0">
-                <a:solidFill>
-                  <a:srgbClr val="C5C8C6"/>
-                </a:solidFill>
-                <a:latin typeface="Consolas" panose="020B0609020204030204" pitchFamily="49" charset="0"/>
-              </a:rPr>
-              <a:t>    </a:t>
-            </a:r>
-            <a:r>
-              <a:rPr lang="en-US" altLang="zh-CN" sz="1500" dirty="0">
-                <a:solidFill>
-                  <a:srgbClr val="6089B4"/>
-                </a:solidFill>
-                <a:latin typeface="Consolas" panose="020B0609020204030204" pitchFamily="49" charset="0"/>
-              </a:rPr>
-              <a:t>&lt;/app-profile&gt;</a:t>
-            </a:r>
-            <a:endParaRPr lang="en-US" altLang="zh-CN" sz="1500" dirty="0">
-              <a:solidFill>
-                <a:srgbClr val="C5C8C6"/>
-              </a:solidFill>
-              <a:latin typeface="Consolas" panose="020B0609020204030204" pitchFamily="49" charset="0"/>
-            </a:endParaRPr>
-          </a:p>
-          <a:p>
-            <a:r>
-              <a:rPr lang="en-US" altLang="zh-CN" sz="1500" dirty="0">
-                <a:solidFill>
-                  <a:srgbClr val="C5C8C6"/>
-                </a:solidFill>
-                <a:latin typeface="Consolas" panose="020B0609020204030204" pitchFamily="49" charset="0"/>
-              </a:rPr>
-              <a:t/>
-            </a:r>
-            <a:br>
-              <a:rPr lang="en-US" altLang="zh-CN" sz="1500" dirty="0">
-                <a:solidFill>
-                  <a:srgbClr val="C5C8C6"/>
-                </a:solidFill>
-                <a:latin typeface="Consolas" panose="020B0609020204030204" pitchFamily="49" charset="0"/>
-              </a:rPr>
-            </a:br>
-            <a:r>
-              <a:rPr lang="en-US" altLang="zh-CN" sz="1500" dirty="0">
-                <a:solidFill>
-                  <a:srgbClr val="C5C8C6"/>
-                </a:solidFill>
-                <a:latin typeface="Consolas" panose="020B0609020204030204" pitchFamily="49" charset="0"/>
-              </a:rPr>
-              <a:t>    </a:t>
-            </a:r>
-            <a:r>
-              <a:rPr lang="en-US" altLang="zh-CN" sz="1500" dirty="0">
-                <a:solidFill>
-                  <a:srgbClr val="6089B4"/>
-                </a:solidFill>
-                <a:latin typeface="Consolas" panose="020B0609020204030204" pitchFamily="49" charset="0"/>
-              </a:rPr>
-              <a:t>&lt;app-card</a:t>
-            </a:r>
-            <a:r>
-              <a:rPr lang="en-US" altLang="zh-CN" sz="1500" dirty="0">
-                <a:solidFill>
-                  <a:srgbClr val="D0B344"/>
-                </a:solidFill>
-                <a:latin typeface="Consolas" panose="020B0609020204030204" pitchFamily="49" charset="0"/>
-              </a:rPr>
-              <a:t> *ngSwitchCase=</a:t>
-            </a:r>
-            <a:r>
-              <a:rPr lang="en-US" altLang="zh-CN" sz="1500" dirty="0">
-                <a:solidFill>
-                  <a:srgbClr val="9AA83A"/>
-                </a:solidFill>
-                <a:latin typeface="Consolas" panose="020B0609020204030204" pitchFamily="49" charset="0"/>
-              </a:rPr>
-              <a:t>"card"</a:t>
-            </a:r>
-            <a:r>
-              <a:rPr lang="en-US" altLang="zh-CN" sz="1500" dirty="0">
-                <a:solidFill>
-                  <a:srgbClr val="D0B344"/>
-                </a:solidFill>
-                <a:latin typeface="Consolas" panose="020B0609020204030204" pitchFamily="49" charset="0"/>
-              </a:rPr>
-              <a:t> [data]=</a:t>
-            </a:r>
-            <a:r>
-              <a:rPr lang="en-US" altLang="zh-CN" sz="1500" dirty="0">
-                <a:solidFill>
-                  <a:srgbClr val="9AA83A"/>
-                </a:solidFill>
-                <a:latin typeface="Consolas" panose="020B0609020204030204" pitchFamily="49" charset="0"/>
-              </a:rPr>
-              <a:t>"component.data"</a:t>
-            </a:r>
-            <a:r>
-              <a:rPr lang="en-US" altLang="zh-CN" sz="1500" dirty="0">
-                <a:solidFill>
-                  <a:srgbClr val="6089B4"/>
-                </a:solidFill>
-                <a:latin typeface="Consolas" panose="020B0609020204030204" pitchFamily="49" charset="0"/>
-              </a:rPr>
-              <a:t>&gt;</a:t>
-            </a:r>
-            <a:endParaRPr lang="en-US" altLang="zh-CN" sz="1500" dirty="0">
-              <a:solidFill>
-                <a:srgbClr val="C5C8C6"/>
-              </a:solidFill>
-              <a:latin typeface="Consolas" panose="020B0609020204030204" pitchFamily="49" charset="0"/>
-            </a:endParaRPr>
-          </a:p>
-          <a:p>
-            <a:r>
-              <a:rPr lang="en-US" altLang="zh-CN" sz="1500" dirty="0">
-                <a:solidFill>
-                  <a:srgbClr val="C5C8C6"/>
-                </a:solidFill>
-                <a:latin typeface="Consolas" panose="020B0609020204030204" pitchFamily="49" charset="0"/>
-              </a:rPr>
-              <a:t>    </a:t>
-            </a:r>
-            <a:r>
-              <a:rPr lang="en-US" altLang="zh-CN" sz="1500" dirty="0">
-                <a:solidFill>
-                  <a:srgbClr val="6089B4"/>
-                </a:solidFill>
-                <a:latin typeface="Consolas" panose="020B0609020204030204" pitchFamily="49" charset="0"/>
-              </a:rPr>
-              <a:t>&lt;/app-card&gt;</a:t>
-            </a:r>
-            <a:endParaRPr lang="en-US" altLang="zh-CN" sz="1500" dirty="0">
-              <a:solidFill>
-                <a:srgbClr val="C5C8C6"/>
-              </a:solidFill>
-              <a:latin typeface="Consolas" panose="020B0609020204030204" pitchFamily="49" charset="0"/>
-            </a:endParaRPr>
-          </a:p>
-          <a:p>
-            <a:r>
-              <a:rPr lang="en-US" altLang="zh-CN" sz="1500" dirty="0">
-                <a:solidFill>
-                  <a:srgbClr val="C5C8C6"/>
-                </a:solidFill>
-                <a:latin typeface="Consolas" panose="020B0609020204030204" pitchFamily="49" charset="0"/>
-              </a:rPr>
-              <a:t/>
-            </a:r>
-            <a:br>
-              <a:rPr lang="en-US" altLang="zh-CN" sz="1500" dirty="0">
-                <a:solidFill>
-                  <a:srgbClr val="C5C8C6"/>
-                </a:solidFill>
-                <a:latin typeface="Consolas" panose="020B0609020204030204" pitchFamily="49" charset="0"/>
-              </a:rPr>
-            </a:br>
-            <a:r>
-              <a:rPr lang="en-US" altLang="zh-CN" sz="1500" dirty="0">
-                <a:solidFill>
-                  <a:srgbClr val="C5C8C6"/>
-                </a:solidFill>
-                <a:latin typeface="Consolas" panose="020B0609020204030204" pitchFamily="49" charset="0"/>
-              </a:rPr>
-              <a:t>    </a:t>
-            </a:r>
-            <a:r>
-              <a:rPr lang="en-US" altLang="zh-CN" sz="1500" dirty="0">
-                <a:solidFill>
-                  <a:srgbClr val="6089B4"/>
-                </a:solidFill>
-                <a:latin typeface="Consolas" panose="020B0609020204030204" pitchFamily="49" charset="0"/>
-              </a:rPr>
-              <a:t>&lt;app-input</a:t>
-            </a:r>
-            <a:r>
-              <a:rPr lang="en-US" altLang="zh-CN" sz="1500" dirty="0">
-                <a:solidFill>
-                  <a:srgbClr val="D0B344"/>
-                </a:solidFill>
-                <a:latin typeface="Consolas" panose="020B0609020204030204" pitchFamily="49" charset="0"/>
-              </a:rPr>
-              <a:t> *ngSwitchCase=</a:t>
-            </a:r>
-            <a:r>
-              <a:rPr lang="en-US" altLang="zh-CN" sz="1500" dirty="0">
-                <a:solidFill>
-                  <a:srgbClr val="9AA83A"/>
-                </a:solidFill>
-                <a:latin typeface="Consolas" panose="020B0609020204030204" pitchFamily="49" charset="0"/>
-              </a:rPr>
-              <a:t>"input"</a:t>
-            </a:r>
-            <a:r>
-              <a:rPr lang="en-US" altLang="zh-CN" sz="1500" dirty="0">
-                <a:solidFill>
-                  <a:srgbClr val="D0B344"/>
-                </a:solidFill>
-                <a:latin typeface="Consolas" panose="020B0609020204030204" pitchFamily="49" charset="0"/>
-              </a:rPr>
-              <a:t> [data]=</a:t>
-            </a:r>
-            <a:r>
-              <a:rPr lang="en-US" altLang="zh-CN" sz="1500" dirty="0">
-                <a:solidFill>
-                  <a:srgbClr val="9AA83A"/>
-                </a:solidFill>
-                <a:latin typeface="Consolas" panose="020B0609020204030204" pitchFamily="49" charset="0"/>
-              </a:rPr>
-              <a:t>"component.data"</a:t>
-            </a:r>
-            <a:r>
-              <a:rPr lang="en-US" altLang="zh-CN" sz="1500" dirty="0">
-                <a:solidFill>
-                  <a:srgbClr val="6089B4"/>
-                </a:solidFill>
-                <a:latin typeface="Consolas" panose="020B0609020204030204" pitchFamily="49" charset="0"/>
-              </a:rPr>
-              <a:t>&gt;</a:t>
-            </a:r>
-            <a:endParaRPr lang="en-US" altLang="zh-CN" sz="1500" dirty="0">
-              <a:solidFill>
-                <a:srgbClr val="C5C8C6"/>
-              </a:solidFill>
-              <a:latin typeface="Consolas" panose="020B0609020204030204" pitchFamily="49" charset="0"/>
-            </a:endParaRPr>
-          </a:p>
-          <a:p>
-            <a:r>
-              <a:rPr lang="en-US" altLang="zh-CN" sz="1500" dirty="0">
-                <a:solidFill>
-                  <a:srgbClr val="C5C8C6"/>
-                </a:solidFill>
-                <a:latin typeface="Consolas" panose="020B0609020204030204" pitchFamily="49" charset="0"/>
-              </a:rPr>
-              <a:t>    </a:t>
-            </a:r>
-            <a:r>
-              <a:rPr lang="en-US" altLang="zh-CN" sz="1500" dirty="0">
-                <a:solidFill>
-                  <a:srgbClr val="6089B4"/>
-                </a:solidFill>
-                <a:latin typeface="Consolas" panose="020B0609020204030204" pitchFamily="49" charset="0"/>
-              </a:rPr>
-              <a:t>&lt;/app-input&gt;</a:t>
-            </a:r>
-            <a:endParaRPr lang="en-US" altLang="zh-CN" sz="1500" dirty="0">
-              <a:solidFill>
-                <a:srgbClr val="C5C8C6"/>
-              </a:solidFill>
-              <a:latin typeface="Consolas" panose="020B0609020204030204" pitchFamily="49" charset="0"/>
-            </a:endParaRPr>
-          </a:p>
-          <a:p>
-            <a:r>
-              <a:rPr lang="en-US" altLang="zh-CN" sz="1500" dirty="0">
-                <a:solidFill>
-                  <a:srgbClr val="C5C8C6"/>
-                </a:solidFill>
-                <a:latin typeface="Consolas" panose="020B0609020204030204" pitchFamily="49" charset="0"/>
-              </a:rPr>
-              <a:t/>
-            </a:r>
-            <a:br>
-              <a:rPr lang="en-US" altLang="zh-CN" sz="1500" dirty="0">
-                <a:solidFill>
-                  <a:srgbClr val="C5C8C6"/>
-                </a:solidFill>
-                <a:latin typeface="Consolas" panose="020B0609020204030204" pitchFamily="49" charset="0"/>
-              </a:rPr>
-            </a:br>
-            <a:r>
-              <a:rPr lang="en-US" altLang="zh-CN" sz="1500" dirty="0">
-                <a:solidFill>
-                  <a:srgbClr val="C5C8C6"/>
-                </a:solidFill>
-                <a:latin typeface="Consolas" panose="020B0609020204030204" pitchFamily="49" charset="0"/>
-              </a:rPr>
-              <a:t>    </a:t>
-            </a:r>
-            <a:r>
-              <a:rPr lang="en-US" altLang="zh-CN" sz="1500" dirty="0">
-                <a:solidFill>
-                  <a:srgbClr val="6089B4"/>
-                </a:solidFill>
-                <a:latin typeface="Consolas" panose="020B0609020204030204" pitchFamily="49" charset="0"/>
-              </a:rPr>
-              <a:t>&lt;app-button</a:t>
-            </a:r>
-            <a:r>
-              <a:rPr lang="en-US" altLang="zh-CN" sz="1500" dirty="0">
-                <a:solidFill>
-                  <a:srgbClr val="D0B344"/>
-                </a:solidFill>
-                <a:latin typeface="Consolas" panose="020B0609020204030204" pitchFamily="49" charset="0"/>
-              </a:rPr>
-              <a:t> *ngSwitchCase=</a:t>
-            </a:r>
-            <a:r>
-              <a:rPr lang="en-US" altLang="zh-CN" sz="1500" dirty="0">
-                <a:solidFill>
-                  <a:srgbClr val="9AA83A"/>
-                </a:solidFill>
-                <a:latin typeface="Consolas" panose="020B0609020204030204" pitchFamily="49" charset="0"/>
-              </a:rPr>
-              <a:t>"button"</a:t>
-            </a:r>
-            <a:r>
-              <a:rPr lang="en-US" altLang="zh-CN" sz="1500" dirty="0">
-                <a:solidFill>
-                  <a:srgbClr val="D0B344"/>
-                </a:solidFill>
-                <a:latin typeface="Consolas" panose="020B0609020204030204" pitchFamily="49" charset="0"/>
-              </a:rPr>
-              <a:t> [data]=</a:t>
-            </a:r>
-            <a:r>
-              <a:rPr lang="en-US" altLang="zh-CN" sz="1500" dirty="0">
-                <a:solidFill>
-                  <a:srgbClr val="9AA83A"/>
-                </a:solidFill>
-                <a:latin typeface="Consolas" panose="020B0609020204030204" pitchFamily="49" charset="0"/>
-              </a:rPr>
-              <a:t>"component.data"</a:t>
-            </a:r>
-            <a:r>
-              <a:rPr lang="en-US" altLang="zh-CN" sz="1500" dirty="0">
-                <a:solidFill>
-                  <a:srgbClr val="6089B4"/>
-                </a:solidFill>
-                <a:latin typeface="Consolas" panose="020B0609020204030204" pitchFamily="49" charset="0"/>
-              </a:rPr>
-              <a:t>&gt;</a:t>
-            </a:r>
-            <a:endParaRPr lang="en-US" altLang="zh-CN" sz="1500" dirty="0">
-              <a:solidFill>
-                <a:srgbClr val="C5C8C6"/>
-              </a:solidFill>
-              <a:latin typeface="Consolas" panose="020B0609020204030204" pitchFamily="49" charset="0"/>
-            </a:endParaRPr>
-          </a:p>
-          <a:p>
-            <a:r>
-              <a:rPr lang="en-US" altLang="zh-CN" sz="1500" dirty="0">
-                <a:solidFill>
-                  <a:srgbClr val="C5C8C6"/>
-                </a:solidFill>
-                <a:latin typeface="Consolas" panose="020B0609020204030204" pitchFamily="49" charset="0"/>
-              </a:rPr>
-              <a:t>    </a:t>
-            </a:r>
-            <a:r>
-              <a:rPr lang="en-US" altLang="zh-CN" sz="1500" dirty="0">
-                <a:solidFill>
-                  <a:srgbClr val="6089B4"/>
-                </a:solidFill>
-                <a:latin typeface="Consolas" panose="020B0609020204030204" pitchFamily="49" charset="0"/>
-              </a:rPr>
-              <a:t>&lt;/app-button&gt;</a:t>
-            </a:r>
-            <a:endParaRPr lang="en-US" altLang="zh-CN" sz="1500" dirty="0">
-              <a:solidFill>
-                <a:srgbClr val="C5C8C6"/>
-              </a:solidFill>
-              <a:latin typeface="Consolas" panose="020B0609020204030204" pitchFamily="49" charset="0"/>
-            </a:endParaRPr>
-          </a:p>
-          <a:p>
-            <a:r>
-              <a:rPr lang="en-US" altLang="zh-CN" sz="1500" dirty="0">
-                <a:solidFill>
-                  <a:srgbClr val="C5C8C6"/>
-                </a:solidFill>
-                <a:latin typeface="Consolas" panose="020B0609020204030204" pitchFamily="49" charset="0"/>
-              </a:rPr>
-              <a:t>    ...</a:t>
-            </a:r>
-          </a:p>
-          <a:p>
-            <a:r>
-              <a:rPr lang="en-US" altLang="zh-CN" sz="1500" dirty="0">
-                <a:solidFill>
-                  <a:srgbClr val="C5C8C6"/>
-                </a:solidFill>
-                <a:latin typeface="Consolas" panose="020B0609020204030204" pitchFamily="49" charset="0"/>
-              </a:rPr>
-              <a:t>    ...</a:t>
-            </a:r>
-          </a:p>
-          <a:p>
-            <a:r>
-              <a:rPr lang="en-US" altLang="zh-CN" sz="1500" dirty="0">
-                <a:solidFill>
-                  <a:srgbClr val="C5C8C6"/>
-                </a:solidFill>
-                <a:latin typeface="Consolas" panose="020B0609020204030204" pitchFamily="49" charset="0"/>
-              </a:rPr>
-              <a:t>    ...</a:t>
-            </a:r>
-          </a:p>
-          <a:p>
-            <a:r>
-              <a:rPr lang="en-US" altLang="zh-CN" sz="1500" dirty="0">
-                <a:solidFill>
-                  <a:srgbClr val="C5C8C6"/>
-                </a:solidFill>
-                <a:latin typeface="Consolas" panose="020B0609020204030204" pitchFamily="49" charset="0"/>
-              </a:rPr>
-              <a:t/>
-            </a:r>
-            <a:br>
-              <a:rPr lang="en-US" altLang="zh-CN" sz="1500" dirty="0">
-                <a:solidFill>
-                  <a:srgbClr val="C5C8C6"/>
-                </a:solidFill>
-                <a:latin typeface="Consolas" panose="020B0609020204030204" pitchFamily="49" charset="0"/>
-              </a:rPr>
-            </a:br>
-            <a:r>
-              <a:rPr lang="en-US" altLang="zh-CN" sz="1500" dirty="0">
-                <a:solidFill>
-                  <a:srgbClr val="6089B4"/>
-                </a:solidFill>
-                <a:latin typeface="Consolas" panose="020B0609020204030204" pitchFamily="49" charset="0"/>
-              </a:rPr>
-              <a:t>&lt;/div&gt;</a:t>
-            </a:r>
-            <a:endParaRPr lang="en-US" altLang="zh-CN" sz="1500" b="0" dirty="0">
-              <a:solidFill>
-                <a:srgbClr val="C5C8C6"/>
-              </a:solidFill>
-              <a:effectLst/>
-              <a:latin typeface="Consolas" panose="020B0609020204030204" pitchFamily="49" charset="0"/>
-            </a:endParaRPr>
-          </a:p>
-        </p:txBody>
-      </p:sp>
-    </p:spTree>
-    <p:extLst>
-      <p:ext uri="{BB962C8B-B14F-4D97-AF65-F5344CB8AC3E}">
-        <p14:creationId xmlns:p14="http://schemas.microsoft.com/office/powerpoint/2010/main" val="941836490"/>
-      </p:ext>
-    </p:extLst>
-  </p:cSld>
-  <p:clrMapOvr>
-    <a:masterClrMapping/>
-  </p:clrMapOvr>
-  <p:timing>
-    <p:tnLst>
-      <p:par>
-        <p:cTn id="1" dur="indefinite" restart="never" nodeType="tmRoot"/>
-      </p:par>
-    </p:tnLst>
-  </p:timing>
-</p:sld>
-</file>
-
-<file path=ppt/slides/slide4.xml><?xml version="1.0" encoding="utf-8"?>
-<p:sld xmlns:a="http://schemas.openxmlformats.org/drawingml/2006/main" xmlns:r="http://schemas.openxmlformats.org/officeDocument/2006/relationships" xmlns:p="http://schemas.openxmlformats.org/presentationml/2006/main">
-  <p:cSld>
-    <p:spTree>
-      <p:nvGrpSpPr>
-        <p:cNvPr id="1" name=""/>
-        <p:cNvGrpSpPr/>
-        <p:nvPr/>
-      </p:nvGrpSpPr>
-      <p:grpSpPr>
-        <a:xfrm>
-          <a:off x="0" y="0"/>
-          <a:ext cx="0" cy="0"/>
-          <a:chOff x="0" y="0"/>
-          <a:chExt cx="0" cy="0"/>
-        </a:xfrm>
-      </p:grpSpPr>
-      <p:sp>
-        <p:nvSpPr>
-          <p:cNvPr id="3" name="文本框 2"/>
-          <p:cNvSpPr txBox="1"/>
-          <p:nvPr/>
-        </p:nvSpPr>
-        <p:spPr>
-          <a:xfrm>
-            <a:off x="554559" y="332656"/>
-            <a:ext cx="1957587" cy="523220"/>
-          </a:xfrm>
-          <a:prstGeom prst="rect">
-            <a:avLst/>
-          </a:prstGeom>
-          <a:noFill/>
-        </p:spPr>
-        <p:txBody>
-          <a:bodyPr wrap="none" rtlCol="0">
-            <a:spAutoFit/>
-          </a:bodyPr>
-          <a:lstStyle/>
-          <a:p>
-            <a:r>
-              <a:rPr lang="en-US" altLang="zh-CN" sz="2800" b="1" dirty="0" smtClean="0">
-                <a:solidFill>
-                  <a:schemeClr val="tx1">
-                    <a:lumMod val="65000"/>
-                    <a:lumOff val="35000"/>
-                  </a:schemeClr>
-                </a:solidFill>
-                <a:latin typeface="Trebuchet MS" panose="020B0603020202020204" pitchFamily="34" charset="0"/>
-                <a:cs typeface="Calibri" panose="020F0502020204030204" pitchFamily="34" charset="0"/>
-              </a:rPr>
-              <a:t>IMAGINE...</a:t>
-            </a:r>
-            <a:endParaRPr lang="zh-CN" altLang="en-US" sz="2800" b="1" dirty="0">
-              <a:solidFill>
-                <a:schemeClr val="tx1">
-                  <a:lumMod val="65000"/>
-                  <a:lumOff val="35000"/>
-                </a:schemeClr>
-              </a:solidFill>
-              <a:latin typeface="Trebuchet MS" panose="020B0603020202020204" pitchFamily="34" charset="0"/>
-              <a:cs typeface="Calibri" panose="020F0502020204030204" pitchFamily="34" charset="0"/>
-            </a:endParaRPr>
-          </a:p>
-        </p:txBody>
-      </p:sp>
-      <p:sp>
-        <p:nvSpPr>
-          <p:cNvPr id="13" name="矩形 12"/>
-          <p:cNvSpPr/>
-          <p:nvPr/>
-        </p:nvSpPr>
-        <p:spPr>
-          <a:xfrm>
-            <a:off x="3650903" y="1628800"/>
-            <a:ext cx="4896544" cy="3960440"/>
-          </a:xfrm>
-          <a:prstGeom prst="rect">
-            <a:avLst/>
-          </a:prstGeom>
-          <a:solidFill>
-            <a:schemeClr val="tx1">
-              <a:lumMod val="85000"/>
-              <a:lumOff val="15000"/>
-            </a:schemeClr>
-          </a:solidFill>
-          <a:ln w="152400" cap="rnd">
-            <a:solidFill>
-              <a:schemeClr val="tx1">
-                <a:lumMod val="85000"/>
-                <a:lumOff val="15000"/>
-              </a:schemeClr>
-            </a:solidFill>
-          </a:ln>
-        </p:spPr>
-        <p:style>
-          <a:lnRef idx="2">
-            <a:schemeClr val="accent1">
-              <a:shade val="50000"/>
-            </a:schemeClr>
-          </a:lnRef>
-          <a:fillRef idx="1">
-            <a:schemeClr val="accent1"/>
-          </a:fillRef>
-          <a:effectRef idx="0">
-            <a:schemeClr val="accent1"/>
-          </a:effectRef>
-          <a:fontRef idx="minor">
-            <a:schemeClr val="lt1"/>
-          </a:fontRef>
-        </p:style>
-        <p:txBody>
-          <a:bodyPr rtlCol="0" anchor="ctr"/>
-          <a:lstStyle/>
-          <a:p>
-            <a:pPr algn="ctr"/>
-            <a:r>
-              <a:rPr lang="en-US" altLang="zh-CN" sz="1500" dirty="0">
-                <a:solidFill>
-                  <a:srgbClr val="6089B4"/>
-                </a:solidFill>
-                <a:latin typeface="Consolas" panose="020B0609020204030204" pitchFamily="49" charset="0"/>
-              </a:rPr>
-              <a:t>&lt;div</a:t>
-            </a:r>
-            <a:r>
-              <a:rPr lang="en-US" altLang="zh-CN" sz="1500" dirty="0">
-                <a:solidFill>
-                  <a:srgbClr val="D0B344"/>
-                </a:solidFill>
-                <a:latin typeface="Consolas" panose="020B0609020204030204" pitchFamily="49" charset="0"/>
-              </a:rPr>
-              <a:t> </a:t>
-            </a:r>
-            <a:r>
-              <a:rPr lang="en-US" altLang="zh-CN" sz="1500" dirty="0" smtClean="0">
-                <a:solidFill>
-                  <a:srgbClr val="D0B344"/>
-                </a:solidFill>
-                <a:latin typeface="Consolas" panose="020B0609020204030204" pitchFamily="49" charset="0"/>
-              </a:rPr>
-              <a:t>#viewcontainer</a:t>
-            </a:r>
-            <a:r>
-              <a:rPr lang="en-US" altLang="zh-CN" sz="1500" dirty="0" smtClean="0">
-                <a:solidFill>
-                  <a:srgbClr val="6089B4"/>
-                </a:solidFill>
-                <a:latin typeface="Consolas" panose="020B0609020204030204" pitchFamily="49" charset="0"/>
-              </a:rPr>
-              <a:t>&gt;&lt;/</a:t>
-            </a:r>
-            <a:r>
-              <a:rPr lang="en-US" altLang="zh-CN" sz="1500" dirty="0">
-                <a:solidFill>
-                  <a:srgbClr val="6089B4"/>
-                </a:solidFill>
-                <a:latin typeface="Consolas" panose="020B0609020204030204" pitchFamily="49" charset="0"/>
-              </a:rPr>
-              <a:t>div&gt;</a:t>
-            </a:r>
-            <a:endParaRPr lang="en-US" altLang="zh-CN" sz="1500" b="0" dirty="0">
-              <a:solidFill>
-                <a:srgbClr val="C5C8C6"/>
-              </a:solidFill>
-              <a:effectLst/>
-              <a:latin typeface="Consolas" panose="020B0609020204030204" pitchFamily="49" charset="0"/>
-            </a:endParaRPr>
-          </a:p>
-        </p:txBody>
-      </p:sp>
-    </p:spTree>
-    <p:extLst>
-      <p:ext uri="{BB962C8B-B14F-4D97-AF65-F5344CB8AC3E}">
-        <p14:creationId xmlns:p14="http://schemas.microsoft.com/office/powerpoint/2010/main" val="1716537356"/>
-      </p:ext>
-    </p:extLst>
-  </p:cSld>
-  <p:clrMapOvr>
-    <a:masterClrMapping/>
-  </p:clrMapOvr>
-  <p:timing>
-    <p:tnLst>
-      <p:par>
-        <p:cTn id="1" dur="indefinite" restart="never" nodeType="tmRoot"/>
-      </p:par>
-    </p:tnLst>
-  </p:timing>
-</p:sld>
-</file>
-
-<file path=ppt/slides/slide5.xml><?xml version="1.0" encoding="utf-8"?>
-<p:sld xmlns:a="http://schemas.openxmlformats.org/drawingml/2006/main" xmlns:r="http://schemas.openxmlformats.org/officeDocument/2006/relationships" xmlns:p="http://schemas.openxmlformats.org/presentationml/2006/main">
-  <p:cSld>
-    <p:spTree>
-      <p:nvGrpSpPr>
-        <p:cNvPr id="1" name=""/>
-        <p:cNvGrpSpPr/>
-        <p:nvPr/>
-      </p:nvGrpSpPr>
-      <p:grpSpPr>
-        <a:xfrm>
-          <a:off x="0" y="0"/>
-          <a:ext cx="0" cy="0"/>
-          <a:chOff x="0" y="0"/>
-          <a:chExt cx="0" cy="0"/>
-        </a:xfrm>
-      </p:grpSpPr>
-      <p:sp>
-        <p:nvSpPr>
-          <p:cNvPr id="3" name="文本框 2"/>
-          <p:cNvSpPr txBox="1"/>
-          <p:nvPr/>
-        </p:nvSpPr>
-        <p:spPr>
-          <a:xfrm>
-            <a:off x="554559" y="332656"/>
-            <a:ext cx="4089581" cy="523220"/>
-          </a:xfrm>
-          <a:prstGeom prst="rect">
-            <a:avLst/>
-          </a:prstGeom>
-          <a:noFill/>
-        </p:spPr>
-        <p:txBody>
-          <a:bodyPr wrap="none" rtlCol="0">
-            <a:spAutoFit/>
-          </a:bodyPr>
-          <a:lstStyle/>
-          <a:p>
-            <a:r>
-              <a:rPr lang="en-US" altLang="zh-CN" sz="2800" b="1" dirty="0" smtClean="0">
-                <a:solidFill>
-                  <a:schemeClr val="tx1">
-                    <a:lumMod val="65000"/>
-                    <a:lumOff val="35000"/>
-                  </a:schemeClr>
-                </a:solidFill>
-                <a:latin typeface="Trebuchet MS" panose="020B0603020202020204" pitchFamily="34" charset="0"/>
-                <a:cs typeface="Calibri" panose="020F0502020204030204" pitchFamily="34" charset="0"/>
-              </a:rPr>
-              <a:t>DYNAMIC COMPONENTS</a:t>
-            </a:r>
-            <a:endParaRPr lang="zh-CN" altLang="en-US" sz="2800" b="1" dirty="0">
-              <a:solidFill>
-                <a:schemeClr val="tx1">
-                  <a:lumMod val="65000"/>
-                  <a:lumOff val="35000"/>
-                </a:schemeClr>
-              </a:solidFill>
-              <a:latin typeface="Trebuchet MS" panose="020B0603020202020204" pitchFamily="34" charset="0"/>
-              <a:cs typeface="Calibri" panose="020F0502020204030204" pitchFamily="34" charset="0"/>
-            </a:endParaRPr>
-          </a:p>
-        </p:txBody>
-      </p:sp>
-      <p:sp>
-        <p:nvSpPr>
-          <p:cNvPr id="4" name="文本框 3"/>
-          <p:cNvSpPr txBox="1"/>
-          <p:nvPr/>
-        </p:nvSpPr>
-        <p:spPr>
-          <a:xfrm>
-            <a:off x="554559" y="1340768"/>
-            <a:ext cx="2281394" cy="369332"/>
-          </a:xfrm>
-          <a:prstGeom prst="rect">
-            <a:avLst/>
-          </a:prstGeom>
-          <a:noFill/>
-        </p:spPr>
-        <p:txBody>
-          <a:bodyPr wrap="none" rtlCol="0">
-            <a:spAutoFit/>
-          </a:bodyPr>
-          <a:lstStyle/>
-          <a:p>
-            <a:pPr marL="285750" indent="-285750">
-              <a:buFont typeface="Wingdings" panose="05000000000000000000" pitchFamily="2" charset="2"/>
-              <a:buChar char="Ø"/>
-            </a:pPr>
-            <a:r>
-              <a:rPr lang="en-US" altLang="zh-CN" dirty="0" smtClean="0">
-                <a:solidFill>
-                  <a:schemeClr val="tx1">
-                    <a:lumMod val="50000"/>
-                    <a:lumOff val="50000"/>
-                  </a:schemeClr>
-                </a:solidFill>
-              </a:rPr>
-              <a:t>Added in run time</a:t>
-            </a:r>
-          </a:p>
-        </p:txBody>
-      </p:sp>
-      <p:sp>
-        <p:nvSpPr>
-          <p:cNvPr id="5" name="文本框 4"/>
-          <p:cNvSpPr txBox="1"/>
-          <p:nvPr/>
-        </p:nvSpPr>
-        <p:spPr>
-          <a:xfrm>
-            <a:off x="554559" y="1916832"/>
-            <a:ext cx="3602268" cy="369332"/>
-          </a:xfrm>
-          <a:prstGeom prst="rect">
-            <a:avLst/>
-          </a:prstGeom>
-          <a:noFill/>
-        </p:spPr>
-        <p:txBody>
-          <a:bodyPr wrap="none" rtlCol="0">
-            <a:spAutoFit/>
-          </a:bodyPr>
-          <a:lstStyle/>
-          <a:p>
-            <a:pPr marL="285750" indent="-285750">
-              <a:buFont typeface="Wingdings" panose="05000000000000000000" pitchFamily="2" charset="2"/>
-              <a:buChar char="Ø"/>
-            </a:pPr>
-            <a:r>
-              <a:rPr lang="en-US" altLang="zh-CN" dirty="0" smtClean="0">
-                <a:solidFill>
-                  <a:schemeClr val="tx1">
-                    <a:lumMod val="50000"/>
-                    <a:lumOff val="50000"/>
-                  </a:schemeClr>
-                </a:solidFill>
-              </a:rPr>
-              <a:t>Load configuration from server</a:t>
-            </a:r>
-          </a:p>
-        </p:txBody>
-      </p:sp>
-      <p:sp>
-        <p:nvSpPr>
-          <p:cNvPr id="6" name="文本框 5"/>
-          <p:cNvSpPr txBox="1"/>
-          <p:nvPr/>
-        </p:nvSpPr>
-        <p:spPr>
-          <a:xfrm>
-            <a:off x="560795" y="2492896"/>
-            <a:ext cx="1717137" cy="369332"/>
-          </a:xfrm>
-          <a:prstGeom prst="rect">
-            <a:avLst/>
-          </a:prstGeom>
-          <a:noFill/>
-        </p:spPr>
-        <p:txBody>
-          <a:bodyPr wrap="none" rtlCol="0">
-            <a:spAutoFit/>
-          </a:bodyPr>
-          <a:lstStyle/>
-          <a:p>
-            <a:pPr marL="285750" indent="-285750">
-              <a:buFont typeface="Wingdings" panose="05000000000000000000" pitchFamily="2" charset="2"/>
-              <a:buChar char="Ø"/>
-            </a:pPr>
-            <a:r>
-              <a:rPr lang="en-US" altLang="zh-CN" dirty="0" smtClean="0">
-                <a:solidFill>
-                  <a:schemeClr val="tx1">
-                    <a:lumMod val="50000"/>
-                    <a:lumOff val="50000"/>
-                  </a:schemeClr>
-                </a:solidFill>
-              </a:rPr>
-              <a:t>Lazy loaded</a:t>
-            </a:r>
-          </a:p>
-        </p:txBody>
-      </p:sp>
-      <p:sp>
-        <p:nvSpPr>
-          <p:cNvPr id="13" name="矩形 12"/>
-          <p:cNvSpPr/>
-          <p:nvPr/>
-        </p:nvSpPr>
-        <p:spPr>
-          <a:xfrm>
-            <a:off x="4226967" y="2677562"/>
-            <a:ext cx="7344816" cy="3394248"/>
-          </a:xfrm>
-          <a:prstGeom prst="rect">
-            <a:avLst/>
-          </a:prstGeom>
-          <a:solidFill>
-            <a:schemeClr val="tx1">
-              <a:lumMod val="85000"/>
-              <a:lumOff val="15000"/>
-            </a:schemeClr>
-          </a:solidFill>
-          <a:ln w="152400" cap="rnd">
-            <a:solidFill>
-              <a:schemeClr val="tx1">
-                <a:lumMod val="85000"/>
-                <a:lumOff val="15000"/>
-              </a:schemeClr>
-            </a:solidFill>
-          </a:ln>
-        </p:spPr>
-        <p:style>
-          <a:lnRef idx="2">
-            <a:schemeClr val="accent1">
-              <a:shade val="50000"/>
-            </a:schemeClr>
-          </a:lnRef>
-          <a:fillRef idx="1">
-            <a:schemeClr val="accent1"/>
-          </a:fillRef>
-          <a:effectRef idx="0">
-            <a:schemeClr val="accent1"/>
-          </a:effectRef>
-          <a:fontRef idx="minor">
-            <a:schemeClr val="lt1"/>
-          </a:fontRef>
-        </p:style>
-        <p:txBody>
-          <a:bodyPr rtlCol="0" anchor="ctr"/>
-          <a:lstStyle/>
-          <a:p>
-            <a:pPr>
-              <a:lnSpc>
-                <a:spcPct val="200000"/>
-              </a:lnSpc>
-            </a:pPr>
-            <a:r>
-              <a:rPr lang="en-US" altLang="zh-CN" sz="1400" dirty="0">
-                <a:solidFill>
-                  <a:srgbClr val="6089B4"/>
-                </a:solidFill>
-                <a:latin typeface="Consolas" panose="020B0609020204030204" pitchFamily="49" charset="0"/>
-              </a:rPr>
-              <a:t>&lt;div</a:t>
-            </a:r>
-            <a:r>
-              <a:rPr lang="en-US" altLang="zh-CN" sz="1400" dirty="0">
-                <a:solidFill>
-                  <a:srgbClr val="D0B344"/>
-                </a:solidFill>
-                <a:latin typeface="Consolas" panose="020B0609020204030204" pitchFamily="49" charset="0"/>
-              </a:rPr>
-              <a:t> #viewcontainer</a:t>
-            </a:r>
-            <a:r>
-              <a:rPr lang="en-US" altLang="zh-CN" sz="1400" dirty="0">
-                <a:solidFill>
-                  <a:srgbClr val="6089B4"/>
-                </a:solidFill>
-                <a:latin typeface="Consolas" panose="020B0609020204030204" pitchFamily="49" charset="0"/>
-              </a:rPr>
-              <a:t>&gt;&lt;/div</a:t>
-            </a:r>
-            <a:r>
-              <a:rPr lang="en-US" altLang="zh-CN" sz="1400" dirty="0" smtClean="0">
-                <a:solidFill>
-                  <a:srgbClr val="6089B4"/>
-                </a:solidFill>
-                <a:latin typeface="Consolas" panose="020B0609020204030204" pitchFamily="49" charset="0"/>
-              </a:rPr>
-              <a:t>&gt;</a:t>
-            </a:r>
-          </a:p>
-          <a:p>
-            <a:pPr>
-              <a:lnSpc>
-                <a:spcPct val="200000"/>
-              </a:lnSpc>
-            </a:pPr>
-            <a:r>
-              <a:rPr lang="en-US" altLang="zh-CN" sz="1400" dirty="0">
-                <a:solidFill>
-                  <a:srgbClr val="C5C8C6"/>
-                </a:solidFill>
-                <a:latin typeface="Consolas" panose="020B0609020204030204" pitchFamily="49" charset="0"/>
-              </a:rPr>
-              <a:t>@</a:t>
-            </a:r>
-            <a:r>
-              <a:rPr lang="en-US" altLang="zh-CN" sz="1400" dirty="0" smtClean="0">
-                <a:solidFill>
-                  <a:srgbClr val="CE6700"/>
-                </a:solidFill>
-                <a:latin typeface="Consolas" panose="020B0609020204030204" pitchFamily="49" charset="0"/>
-              </a:rPr>
-              <a:t>ViewChild</a:t>
-            </a:r>
-            <a:r>
-              <a:rPr lang="en-US" altLang="zh-CN" sz="1400" dirty="0" smtClean="0">
-                <a:solidFill>
-                  <a:srgbClr val="C5C8C6"/>
-                </a:solidFill>
-                <a:latin typeface="Consolas" panose="020B0609020204030204" pitchFamily="49" charset="0"/>
-              </a:rPr>
-              <a:t>(</a:t>
-            </a:r>
-            <a:r>
-              <a:rPr lang="en-US" altLang="zh-CN" sz="1400" dirty="0" smtClean="0">
-                <a:solidFill>
-                  <a:srgbClr val="D0B344"/>
-                </a:solidFill>
-                <a:latin typeface="Consolas" panose="020B0609020204030204" pitchFamily="49" charset="0"/>
-              </a:rPr>
-              <a:t>viewcontainer</a:t>
-            </a:r>
-            <a:r>
-              <a:rPr lang="en-US" altLang="zh-CN" sz="1400" dirty="0" smtClean="0">
-                <a:solidFill>
-                  <a:srgbClr val="9AA83A"/>
-                </a:solidFill>
-                <a:latin typeface="Consolas" panose="020B0609020204030204" pitchFamily="49" charset="0"/>
-              </a:rPr>
-              <a:t>'</a:t>
-            </a:r>
-            <a:r>
-              <a:rPr lang="en-US" altLang="zh-CN" sz="1400" dirty="0" smtClean="0">
-                <a:solidFill>
-                  <a:srgbClr val="C5C8C6"/>
-                </a:solidFill>
-                <a:latin typeface="Consolas" panose="020B0609020204030204" pitchFamily="49" charset="0"/>
-              </a:rPr>
-              <a:t>,</a:t>
-            </a:r>
-            <a:r>
-              <a:rPr lang="en-US" altLang="zh-CN" sz="1400" dirty="0">
-                <a:solidFill>
-                  <a:srgbClr val="C5C8C6"/>
-                </a:solidFill>
-                <a:latin typeface="Consolas" panose="020B0609020204030204" pitchFamily="49" charset="0"/>
-              </a:rPr>
-              <a:t> { read: </a:t>
-            </a:r>
-            <a:r>
-              <a:rPr lang="en-US" altLang="zh-CN" sz="1400" dirty="0" smtClean="0">
-                <a:solidFill>
-                  <a:srgbClr val="6089B4"/>
-                </a:solidFill>
-                <a:latin typeface="Consolas" panose="020B0609020204030204" pitchFamily="49" charset="0"/>
-              </a:rPr>
-              <a:t>ViewContainerRef</a:t>
-            </a:r>
-            <a:r>
-              <a:rPr lang="en-US" altLang="zh-CN" sz="1400" dirty="0">
-                <a:solidFill>
-                  <a:srgbClr val="C5C8C6"/>
-                </a:solidFill>
-                <a:latin typeface="Consolas" panose="020B0609020204030204" pitchFamily="49" charset="0"/>
-              </a:rPr>
-              <a:t> }) </a:t>
-            </a:r>
-            <a:r>
-              <a:rPr lang="en-US" altLang="zh-CN" sz="1400" dirty="0" smtClean="0">
-                <a:solidFill>
-                  <a:srgbClr val="C5C8C6"/>
-                </a:solidFill>
-                <a:latin typeface="Consolas" panose="020B0609020204030204" pitchFamily="49" charset="0"/>
-              </a:rPr>
-              <a:t>vcr;</a:t>
-            </a:r>
-          </a:p>
-          <a:p>
-            <a:pPr>
-              <a:lnSpc>
-                <a:spcPct val="200000"/>
-              </a:lnSpc>
-            </a:pPr>
-            <a:r>
-              <a:rPr lang="en-US" altLang="zh-CN" sz="1400" dirty="0" smtClean="0">
-                <a:solidFill>
-                  <a:srgbClr val="9872A2"/>
-                </a:solidFill>
-                <a:latin typeface="Consolas" panose="020B0609020204030204" pitchFamily="49" charset="0"/>
-              </a:rPr>
-              <a:t>constructor</a:t>
-            </a:r>
-            <a:r>
-              <a:rPr lang="en-US" altLang="zh-CN" sz="1400" dirty="0" smtClean="0">
-                <a:solidFill>
-                  <a:srgbClr val="C5C8C6"/>
-                </a:solidFill>
-                <a:latin typeface="Consolas" panose="020B0609020204030204" pitchFamily="49" charset="0"/>
-              </a:rPr>
-              <a:t>(</a:t>
-            </a:r>
-            <a:r>
-              <a:rPr lang="en-US" altLang="zh-CN" sz="1400" dirty="0" smtClean="0">
-                <a:solidFill>
-                  <a:srgbClr val="9872A2"/>
-                </a:solidFill>
-                <a:latin typeface="Consolas" panose="020B0609020204030204" pitchFamily="49" charset="0"/>
-              </a:rPr>
-              <a:t>private</a:t>
-            </a:r>
-            <a:r>
-              <a:rPr lang="en-US" altLang="zh-CN" sz="1400" dirty="0">
-                <a:solidFill>
-                  <a:srgbClr val="C5C8C6"/>
-                </a:solidFill>
-                <a:latin typeface="Consolas" panose="020B0609020204030204" pitchFamily="49" charset="0"/>
-              </a:rPr>
-              <a:t> </a:t>
-            </a:r>
-            <a:r>
-              <a:rPr lang="en-US" altLang="zh-CN" sz="1400" dirty="0" smtClean="0">
-                <a:solidFill>
-                  <a:srgbClr val="6089B4"/>
-                </a:solidFill>
-                <a:latin typeface="Consolas" panose="020B0609020204030204" pitchFamily="49" charset="0"/>
-              </a:rPr>
-              <a:t>cfr</a:t>
-            </a:r>
-            <a:r>
-              <a:rPr lang="en-US" altLang="zh-CN" sz="1400" dirty="0" smtClean="0">
-                <a:solidFill>
-                  <a:srgbClr val="676867"/>
-                </a:solidFill>
-                <a:latin typeface="Consolas" panose="020B0609020204030204" pitchFamily="49" charset="0"/>
-              </a:rPr>
-              <a:t>:</a:t>
-            </a:r>
-            <a:r>
-              <a:rPr lang="en-US" altLang="zh-CN" sz="1400" dirty="0">
-                <a:solidFill>
-                  <a:srgbClr val="C5C8C6"/>
-                </a:solidFill>
-                <a:latin typeface="Consolas" panose="020B0609020204030204" pitchFamily="49" charset="0"/>
-              </a:rPr>
-              <a:t> </a:t>
-            </a:r>
-            <a:r>
-              <a:rPr lang="en-US" altLang="zh-CN" sz="1400" dirty="0">
-                <a:solidFill>
-                  <a:srgbClr val="CE6700"/>
-                </a:solidFill>
-                <a:latin typeface="Consolas" panose="020B0609020204030204" pitchFamily="49" charset="0"/>
-              </a:rPr>
-              <a:t>ComponentFactoryResolver</a:t>
-            </a:r>
-            <a:r>
-              <a:rPr lang="en-US" altLang="zh-CN" sz="1400" dirty="0">
-                <a:solidFill>
-                  <a:srgbClr val="C5C8C6"/>
-                </a:solidFill>
-                <a:latin typeface="Consolas" panose="020B0609020204030204" pitchFamily="49" charset="0"/>
-              </a:rPr>
-              <a:t>) { }</a:t>
-            </a:r>
-          </a:p>
-          <a:p>
-            <a:pPr>
-              <a:lnSpc>
-                <a:spcPct val="200000"/>
-              </a:lnSpc>
-            </a:pPr>
-            <a:r>
-              <a:rPr lang="en-US" altLang="zh-CN" sz="1400" dirty="0">
-                <a:solidFill>
-                  <a:srgbClr val="9872A2"/>
-                </a:solidFill>
-                <a:latin typeface="Consolas" panose="020B0609020204030204" pitchFamily="49" charset="0"/>
-              </a:rPr>
-              <a:t>const</a:t>
-            </a:r>
-            <a:r>
-              <a:rPr lang="en-US" altLang="zh-CN" sz="1400" dirty="0">
-                <a:solidFill>
-                  <a:srgbClr val="C5C8C6"/>
-                </a:solidFill>
-                <a:latin typeface="Consolas" panose="020B0609020204030204" pitchFamily="49" charset="0"/>
-              </a:rPr>
-              <a:t> </a:t>
-            </a:r>
-            <a:r>
-              <a:rPr lang="en-US" altLang="zh-CN" sz="1400" dirty="0">
-                <a:solidFill>
-                  <a:srgbClr val="6089B4"/>
-                </a:solidFill>
-                <a:latin typeface="Consolas" panose="020B0609020204030204" pitchFamily="49" charset="0"/>
-              </a:rPr>
-              <a:t>componentFactory</a:t>
-            </a:r>
-            <a:r>
-              <a:rPr lang="en-US" altLang="zh-CN" sz="1400" dirty="0">
-                <a:solidFill>
-                  <a:srgbClr val="C5C8C6"/>
-                </a:solidFill>
-                <a:latin typeface="Consolas" panose="020B0609020204030204" pitchFamily="49" charset="0"/>
-              </a:rPr>
-              <a:t> </a:t>
-            </a:r>
-            <a:r>
-              <a:rPr lang="en-US" altLang="zh-CN" sz="1400" dirty="0">
-                <a:solidFill>
-                  <a:srgbClr val="676867"/>
-                </a:solidFill>
-                <a:latin typeface="Consolas" panose="020B0609020204030204" pitchFamily="49" charset="0"/>
-              </a:rPr>
-              <a:t>=</a:t>
-            </a:r>
-            <a:r>
-              <a:rPr lang="en-US" altLang="zh-CN" sz="1400" dirty="0">
-                <a:solidFill>
-                  <a:srgbClr val="C5C8C6"/>
-                </a:solidFill>
-                <a:latin typeface="Consolas" panose="020B0609020204030204" pitchFamily="49" charset="0"/>
-              </a:rPr>
-              <a:t> </a:t>
-            </a:r>
-            <a:r>
-              <a:rPr lang="en-US" altLang="zh-CN" sz="1400" dirty="0">
-                <a:solidFill>
-                  <a:srgbClr val="C7444A"/>
-                </a:solidFill>
-                <a:latin typeface="Consolas" panose="020B0609020204030204" pitchFamily="49" charset="0"/>
-              </a:rPr>
-              <a:t>this</a:t>
-            </a:r>
-            <a:r>
-              <a:rPr lang="en-US" altLang="zh-CN" sz="1400" dirty="0" smtClean="0">
-                <a:solidFill>
-                  <a:srgbClr val="C5C8C6"/>
-                </a:solidFill>
-                <a:latin typeface="Consolas" panose="020B0609020204030204" pitchFamily="49" charset="0"/>
-              </a:rPr>
-              <a:t>.</a:t>
-            </a:r>
-            <a:r>
-              <a:rPr lang="en-US" altLang="zh-CN" sz="1400" dirty="0" smtClean="0">
-                <a:solidFill>
-                  <a:srgbClr val="6089B4"/>
-                </a:solidFill>
-                <a:latin typeface="Consolas" panose="020B0609020204030204" pitchFamily="49" charset="0"/>
-              </a:rPr>
-              <a:t> cfr</a:t>
-            </a:r>
-            <a:r>
-              <a:rPr lang="en-US" altLang="zh-CN" sz="1400" dirty="0" smtClean="0">
-                <a:solidFill>
-                  <a:srgbClr val="C5C8C6"/>
-                </a:solidFill>
-                <a:latin typeface="Consolas" panose="020B0609020204030204" pitchFamily="49" charset="0"/>
-              </a:rPr>
-              <a:t>.</a:t>
-            </a:r>
-            <a:r>
-              <a:rPr lang="en-US" altLang="zh-CN" sz="1400" dirty="0" smtClean="0">
-                <a:solidFill>
-                  <a:srgbClr val="CE6700"/>
-                </a:solidFill>
-                <a:latin typeface="Consolas" panose="020B0609020204030204" pitchFamily="49" charset="0"/>
-              </a:rPr>
-              <a:t>resolveComponentFactory</a:t>
-            </a:r>
-            <a:r>
-              <a:rPr lang="en-US" altLang="zh-CN" sz="1400" dirty="0" smtClean="0">
-                <a:solidFill>
-                  <a:srgbClr val="C5C8C6"/>
-                </a:solidFill>
-                <a:latin typeface="Consolas" panose="020B0609020204030204" pitchFamily="49" charset="0"/>
-              </a:rPr>
-              <a:t>(</a:t>
-            </a:r>
-            <a:r>
-              <a:rPr lang="en-US" altLang="zh-CN" sz="1400" dirty="0" smtClean="0">
-                <a:solidFill>
-                  <a:srgbClr val="6089B4"/>
-                </a:solidFill>
-                <a:latin typeface="Consolas" panose="020B0609020204030204" pitchFamily="49" charset="0"/>
-              </a:rPr>
-              <a:t>component</a:t>
-            </a:r>
-            <a:r>
-              <a:rPr lang="en-US" altLang="zh-CN" sz="1400" dirty="0">
-                <a:solidFill>
-                  <a:srgbClr val="C5C8C6"/>
-                </a:solidFill>
-                <a:latin typeface="Consolas" panose="020B0609020204030204" pitchFamily="49" charset="0"/>
-              </a:rPr>
-              <a:t>);</a:t>
-            </a:r>
-          </a:p>
-          <a:p>
-            <a:pPr>
-              <a:lnSpc>
-                <a:spcPct val="200000"/>
-              </a:lnSpc>
-            </a:pPr>
-            <a:r>
-              <a:rPr lang="en-US" altLang="zh-CN" sz="1400" dirty="0" smtClean="0">
-                <a:solidFill>
-                  <a:srgbClr val="9A9B99"/>
-                </a:solidFill>
-                <a:latin typeface="Consolas" panose="020B0609020204030204" pitchFamily="49" charset="0"/>
-              </a:rPr>
-              <a:t>//</a:t>
-            </a:r>
-            <a:r>
-              <a:rPr lang="en-US" altLang="zh-CN" sz="1400" dirty="0">
-                <a:solidFill>
-                  <a:srgbClr val="9A9B99"/>
-                </a:solidFill>
-                <a:latin typeface="Consolas" panose="020B0609020204030204" pitchFamily="49" charset="0"/>
-              </a:rPr>
-              <a:t> add the component to the view</a:t>
-            </a:r>
-            <a:endParaRPr lang="en-US" altLang="zh-CN" sz="1400" dirty="0">
-              <a:solidFill>
-                <a:srgbClr val="C5C8C6"/>
-              </a:solidFill>
-              <a:latin typeface="Consolas" panose="020B0609020204030204" pitchFamily="49" charset="0"/>
-            </a:endParaRPr>
-          </a:p>
-          <a:p>
-            <a:pPr>
-              <a:lnSpc>
-                <a:spcPct val="200000"/>
-              </a:lnSpc>
-            </a:pPr>
-            <a:r>
-              <a:rPr lang="en-US" altLang="zh-CN" sz="1400" dirty="0" smtClean="0">
-                <a:solidFill>
-                  <a:srgbClr val="9872A2"/>
-                </a:solidFill>
-                <a:latin typeface="Consolas" panose="020B0609020204030204" pitchFamily="49" charset="0"/>
-              </a:rPr>
-              <a:t>const</a:t>
-            </a:r>
-            <a:r>
-              <a:rPr lang="en-US" altLang="zh-CN" sz="1400" dirty="0">
-                <a:solidFill>
-                  <a:srgbClr val="C5C8C6"/>
-                </a:solidFill>
-                <a:latin typeface="Consolas" panose="020B0609020204030204" pitchFamily="49" charset="0"/>
-              </a:rPr>
-              <a:t> </a:t>
-            </a:r>
-            <a:r>
-              <a:rPr lang="en-US" altLang="zh-CN" sz="1400" dirty="0">
-                <a:solidFill>
-                  <a:srgbClr val="6089B4"/>
-                </a:solidFill>
-                <a:latin typeface="Consolas" panose="020B0609020204030204" pitchFamily="49" charset="0"/>
-              </a:rPr>
-              <a:t>componentRef</a:t>
-            </a:r>
-            <a:r>
-              <a:rPr lang="en-US" altLang="zh-CN" sz="1400" dirty="0">
-                <a:solidFill>
-                  <a:srgbClr val="C5C8C6"/>
-                </a:solidFill>
-                <a:latin typeface="Consolas" panose="020B0609020204030204" pitchFamily="49" charset="0"/>
-              </a:rPr>
-              <a:t> </a:t>
-            </a:r>
-            <a:r>
-              <a:rPr lang="en-US" altLang="zh-CN" sz="1400" dirty="0">
-                <a:solidFill>
-                  <a:srgbClr val="676867"/>
-                </a:solidFill>
-                <a:latin typeface="Consolas" panose="020B0609020204030204" pitchFamily="49" charset="0"/>
-              </a:rPr>
-              <a:t>=</a:t>
-            </a:r>
-            <a:r>
-              <a:rPr lang="en-US" altLang="zh-CN" sz="1400" dirty="0">
-                <a:solidFill>
-                  <a:srgbClr val="C5C8C6"/>
-                </a:solidFill>
-                <a:latin typeface="Consolas" panose="020B0609020204030204" pitchFamily="49" charset="0"/>
-              </a:rPr>
-              <a:t> </a:t>
-            </a:r>
-            <a:r>
-              <a:rPr lang="en-US" altLang="zh-CN" sz="1400" dirty="0">
-                <a:solidFill>
-                  <a:srgbClr val="C7444A"/>
-                </a:solidFill>
-                <a:latin typeface="Consolas" panose="020B0609020204030204" pitchFamily="49" charset="0"/>
-              </a:rPr>
-              <a:t>this</a:t>
-            </a:r>
-            <a:r>
-              <a:rPr lang="en-US" altLang="zh-CN" sz="1400" dirty="0">
-                <a:solidFill>
-                  <a:srgbClr val="C5C8C6"/>
-                </a:solidFill>
-                <a:latin typeface="Consolas" panose="020B0609020204030204" pitchFamily="49" charset="0"/>
-              </a:rPr>
-              <a:t>.</a:t>
-            </a:r>
-            <a:r>
-              <a:rPr lang="en-US" altLang="zh-CN" sz="1400" dirty="0">
-                <a:solidFill>
-                  <a:srgbClr val="6089B4"/>
-                </a:solidFill>
-                <a:latin typeface="Consolas" panose="020B0609020204030204" pitchFamily="49" charset="0"/>
-              </a:rPr>
-              <a:t>container</a:t>
-            </a:r>
-            <a:r>
-              <a:rPr lang="en-US" altLang="zh-CN" sz="1400" dirty="0">
-                <a:solidFill>
-                  <a:srgbClr val="C5C8C6"/>
-                </a:solidFill>
-                <a:latin typeface="Consolas" panose="020B0609020204030204" pitchFamily="49" charset="0"/>
-              </a:rPr>
-              <a:t>.</a:t>
-            </a:r>
-            <a:r>
-              <a:rPr lang="en-US" altLang="zh-CN" sz="1400" dirty="0">
-                <a:solidFill>
-                  <a:srgbClr val="CE6700"/>
-                </a:solidFill>
-                <a:latin typeface="Consolas" panose="020B0609020204030204" pitchFamily="49" charset="0"/>
-              </a:rPr>
-              <a:t>createComponent</a:t>
-            </a:r>
-            <a:r>
-              <a:rPr lang="en-US" altLang="zh-CN" sz="1400" dirty="0">
-                <a:solidFill>
-                  <a:srgbClr val="C5C8C6"/>
-                </a:solidFill>
-                <a:latin typeface="Consolas" panose="020B0609020204030204" pitchFamily="49" charset="0"/>
-              </a:rPr>
-              <a:t>(</a:t>
-            </a:r>
-            <a:r>
-              <a:rPr lang="en-US" altLang="zh-CN" sz="1400" dirty="0">
-                <a:solidFill>
-                  <a:srgbClr val="6089B4"/>
-                </a:solidFill>
-                <a:latin typeface="Consolas" panose="020B0609020204030204" pitchFamily="49" charset="0"/>
-              </a:rPr>
-              <a:t>componentFactory</a:t>
-            </a:r>
-            <a:r>
-              <a:rPr lang="en-US" altLang="zh-CN" sz="1400" dirty="0">
-                <a:solidFill>
-                  <a:srgbClr val="C5C8C6"/>
-                </a:solidFill>
-                <a:latin typeface="Consolas" panose="020B0609020204030204" pitchFamily="49" charset="0"/>
-              </a:rPr>
-              <a:t>);</a:t>
-            </a:r>
-          </a:p>
-          <a:p>
-            <a:endParaRPr lang="en-US" altLang="zh-CN" sz="1400" dirty="0" smtClean="0">
-              <a:solidFill>
-                <a:srgbClr val="C5C8C6"/>
-              </a:solidFill>
-              <a:latin typeface="Consolas" panose="020B0609020204030204" pitchFamily="49" charset="0"/>
-            </a:endParaRPr>
-          </a:p>
-          <a:p>
-            <a:pPr>
-              <a:lnSpc>
-                <a:spcPct val="150000"/>
-              </a:lnSpc>
-            </a:pPr>
-            <a:endParaRPr lang="en-US" altLang="zh-CN" sz="1400" dirty="0">
-              <a:solidFill>
-                <a:srgbClr val="C5C8C6"/>
-              </a:solidFill>
-              <a:latin typeface="Consolas" panose="020B0609020204030204" pitchFamily="49" charset="0"/>
-            </a:endParaRPr>
-          </a:p>
-        </p:txBody>
-      </p:sp>
-      <p:cxnSp>
-        <p:nvCxnSpPr>
-          <p:cNvPr id="8" name="直接连接符 7"/>
-          <p:cNvCxnSpPr/>
-          <p:nvPr/>
-        </p:nvCxnSpPr>
-        <p:spPr>
-          <a:xfrm>
-            <a:off x="4153091" y="3284984"/>
-            <a:ext cx="7490700" cy="0"/>
-          </a:xfrm>
-          <a:prstGeom prst="line">
-            <a:avLst/>
-          </a:prstGeom>
-          <a:ln w="25400">
-            <a:solidFill>
-              <a:schemeClr val="bg1">
-                <a:lumMod val="65000"/>
-              </a:schemeClr>
-            </a:solidFill>
-          </a:ln>
-        </p:spPr>
-        <p:style>
-          <a:lnRef idx="1">
-            <a:schemeClr val="accent1"/>
-          </a:lnRef>
-          <a:fillRef idx="0">
-            <a:schemeClr val="accent1"/>
-          </a:fillRef>
-          <a:effectRef idx="0">
-            <a:schemeClr val="accent1"/>
-          </a:effectRef>
-          <a:fontRef idx="minor">
-            <a:schemeClr val="tx1"/>
-          </a:fontRef>
-        </p:style>
-      </p:cxnSp>
-      <p:cxnSp>
-        <p:nvCxnSpPr>
-          <p:cNvPr id="12" name="直接连接符 11"/>
-          <p:cNvCxnSpPr/>
-          <p:nvPr/>
-        </p:nvCxnSpPr>
-        <p:spPr>
-          <a:xfrm>
-            <a:off x="4154025" y="3717032"/>
-            <a:ext cx="7490700" cy="0"/>
-          </a:xfrm>
-          <a:prstGeom prst="line">
-            <a:avLst/>
-          </a:prstGeom>
-          <a:ln w="25400">
-            <a:solidFill>
-              <a:schemeClr val="bg1">
-                <a:lumMod val="65000"/>
-              </a:schemeClr>
-            </a:solidFill>
-          </a:ln>
-        </p:spPr>
-        <p:style>
-          <a:lnRef idx="1">
-            <a:schemeClr val="accent1"/>
-          </a:lnRef>
-          <a:fillRef idx="0">
-            <a:schemeClr val="accent1"/>
-          </a:fillRef>
-          <a:effectRef idx="0">
-            <a:schemeClr val="accent1"/>
-          </a:effectRef>
-          <a:fontRef idx="minor">
-            <a:schemeClr val="tx1"/>
-          </a:fontRef>
-        </p:style>
-      </p:cxnSp>
-      <p:cxnSp>
-        <p:nvCxnSpPr>
-          <p:cNvPr id="14" name="直接连接符 13"/>
-          <p:cNvCxnSpPr/>
-          <p:nvPr/>
-        </p:nvCxnSpPr>
-        <p:spPr>
-          <a:xfrm>
-            <a:off x="4153091" y="4149080"/>
-            <a:ext cx="7490700" cy="0"/>
-          </a:xfrm>
-          <a:prstGeom prst="line">
-            <a:avLst/>
-          </a:prstGeom>
-          <a:ln w="25400">
-            <a:solidFill>
-              <a:schemeClr val="bg1">
-                <a:lumMod val="65000"/>
-              </a:schemeClr>
-            </a:solidFill>
-          </a:ln>
-        </p:spPr>
-        <p:style>
-          <a:lnRef idx="1">
-            <a:schemeClr val="accent1"/>
-          </a:lnRef>
-          <a:fillRef idx="0">
-            <a:schemeClr val="accent1"/>
-          </a:fillRef>
-          <a:effectRef idx="0">
-            <a:schemeClr val="accent1"/>
-          </a:effectRef>
-          <a:fontRef idx="minor">
-            <a:schemeClr val="tx1"/>
-          </a:fontRef>
-        </p:style>
-      </p:cxnSp>
-      <p:cxnSp>
-        <p:nvCxnSpPr>
-          <p:cNvPr id="15" name="直接连接符 14"/>
-          <p:cNvCxnSpPr/>
-          <p:nvPr/>
-        </p:nvCxnSpPr>
-        <p:spPr>
-          <a:xfrm>
-            <a:off x="4153091" y="4581128"/>
-            <a:ext cx="7490700" cy="0"/>
-          </a:xfrm>
-          <a:prstGeom prst="line">
-            <a:avLst/>
-          </a:prstGeom>
-          <a:ln w="25400">
-            <a:solidFill>
-              <a:schemeClr val="bg1">
-                <a:lumMod val="65000"/>
-              </a:schemeClr>
-            </a:solidFill>
-          </a:ln>
-        </p:spPr>
-        <p:style>
-          <a:lnRef idx="1">
-            <a:schemeClr val="accent1"/>
-          </a:lnRef>
-          <a:fillRef idx="0">
-            <a:schemeClr val="accent1"/>
-          </a:fillRef>
-          <a:effectRef idx="0">
-            <a:schemeClr val="accent1"/>
-          </a:effectRef>
-          <a:fontRef idx="minor">
-            <a:schemeClr val="tx1"/>
-          </a:fontRef>
-        </p:style>
-      </p:cxnSp>
-    </p:spTree>
-    <p:extLst>
-      <p:ext uri="{BB962C8B-B14F-4D97-AF65-F5344CB8AC3E}">
-        <p14:creationId xmlns:p14="http://schemas.microsoft.com/office/powerpoint/2010/main" val="2693801533"/>
-      </p:ext>
-    </p:extLst>
-  </p:cSld>
-  <p:clrMapOvr>
-    <a:masterClrMapping/>
-  </p:clrMapOvr>
-  <p:timing>
-    <p:tnLst>
-      <p:par>
-        <p:cTn id="1" dur="indefinite" restart="never" nodeType="tmRoot"/>
-      </p:par>
-    </p:tnLst>
-  </p:timing>
-</p:sld>
-</file>
-
-<file path=ppt/slides/slide6.xml><?xml version="1.0" encoding="utf-8"?>
-<p:sld xmlns:a="http://schemas.openxmlformats.org/drawingml/2006/main" xmlns:r="http://schemas.openxmlformats.org/officeDocument/2006/relationships" xmlns:p="http://schemas.openxmlformats.org/presentationml/2006/main">
-  <p:cSld>
-    <p:spTree>
-      <p:nvGrpSpPr>
-        <p:cNvPr id="1" name=""/>
-        <p:cNvGrpSpPr/>
-        <p:nvPr/>
-      </p:nvGrpSpPr>
-      <p:grpSpPr>
-        <a:xfrm>
-          <a:off x="0" y="0"/>
-          <a:ext cx="0" cy="0"/>
-          <a:chOff x="0" y="0"/>
-          <a:chExt cx="0" cy="0"/>
-        </a:xfrm>
-      </p:grpSpPr>
-      <p:sp>
-        <p:nvSpPr>
-          <p:cNvPr id="3" name="文本框 2"/>
-          <p:cNvSpPr txBox="1"/>
-          <p:nvPr/>
-        </p:nvSpPr>
-        <p:spPr>
-          <a:xfrm>
-            <a:off x="554559" y="332656"/>
-            <a:ext cx="4896790" cy="523220"/>
-          </a:xfrm>
-          <a:prstGeom prst="rect">
-            <a:avLst/>
-          </a:prstGeom>
-          <a:noFill/>
-        </p:spPr>
-        <p:txBody>
-          <a:bodyPr wrap="none" rtlCol="0">
-            <a:spAutoFit/>
-          </a:bodyPr>
-          <a:lstStyle/>
-          <a:p>
-            <a:r>
-              <a:rPr lang="en-US" altLang="zh-CN" sz="2800" b="1" dirty="0" smtClean="0">
-                <a:solidFill>
-                  <a:schemeClr val="tx1">
-                    <a:lumMod val="65000"/>
-                    <a:lumOff val="35000"/>
-                  </a:schemeClr>
-                </a:solidFill>
-                <a:latin typeface="Trebuchet MS" panose="020B0603020202020204" pitchFamily="34" charset="0"/>
-                <a:cs typeface="Calibri" panose="020F0502020204030204" pitchFamily="34" charset="0"/>
-              </a:rPr>
-              <a:t>COMPONENT INSTANTIATION</a:t>
-            </a:r>
-            <a:endParaRPr lang="zh-CN" altLang="en-US" sz="2800" b="1" dirty="0">
-              <a:solidFill>
-                <a:schemeClr val="tx1">
-                  <a:lumMod val="65000"/>
-                  <a:lumOff val="35000"/>
-                </a:schemeClr>
-              </a:solidFill>
-              <a:latin typeface="Trebuchet MS" panose="020B0603020202020204" pitchFamily="34" charset="0"/>
-              <a:cs typeface="Calibri" panose="020F0502020204030204" pitchFamily="34" charset="0"/>
-            </a:endParaRPr>
-          </a:p>
-        </p:txBody>
-      </p:sp>
-      <p:sp>
-        <p:nvSpPr>
-          <p:cNvPr id="4" name="文本框 3"/>
-          <p:cNvSpPr txBox="1"/>
-          <p:nvPr/>
-        </p:nvSpPr>
-        <p:spPr>
-          <a:xfrm>
-            <a:off x="554559" y="1340768"/>
-            <a:ext cx="1255472" cy="369332"/>
-          </a:xfrm>
-          <a:prstGeom prst="rect">
-            <a:avLst/>
-          </a:prstGeom>
-          <a:noFill/>
-        </p:spPr>
-        <p:txBody>
-          <a:bodyPr wrap="none" rtlCol="0">
-            <a:spAutoFit/>
-          </a:bodyPr>
-          <a:lstStyle/>
-          <a:p>
-            <a:pPr marL="285750" indent="-285750">
-              <a:buFont typeface="Wingdings" panose="05000000000000000000" pitchFamily="2" charset="2"/>
-              <a:buChar char="Ø"/>
-            </a:pPr>
-            <a:r>
-              <a:rPr lang="en-US" altLang="zh-CN" dirty="0" smtClean="0">
-                <a:solidFill>
-                  <a:schemeClr val="tx1">
-                    <a:lumMod val="50000"/>
-                    <a:lumOff val="50000"/>
-                  </a:schemeClr>
-                </a:solidFill>
-              </a:rPr>
-              <a:t>Popups</a:t>
-            </a:r>
-          </a:p>
-        </p:txBody>
-      </p:sp>
-      <p:sp>
-        <p:nvSpPr>
-          <p:cNvPr id="5" name="文本框 4"/>
-          <p:cNvSpPr txBox="1"/>
-          <p:nvPr/>
-        </p:nvSpPr>
-        <p:spPr>
-          <a:xfrm>
-            <a:off x="554559" y="1916832"/>
-            <a:ext cx="1717137" cy="369332"/>
-          </a:xfrm>
-          <a:prstGeom prst="rect">
-            <a:avLst/>
-          </a:prstGeom>
-          <a:noFill/>
-        </p:spPr>
-        <p:txBody>
-          <a:bodyPr wrap="none" rtlCol="0">
-            <a:spAutoFit/>
-          </a:bodyPr>
-          <a:lstStyle/>
-          <a:p>
-            <a:pPr marL="285750" indent="-285750">
-              <a:buFont typeface="Wingdings" panose="05000000000000000000" pitchFamily="2" charset="2"/>
-              <a:buChar char="Ø"/>
-            </a:pPr>
-            <a:r>
-              <a:rPr lang="en-US" altLang="zh-CN" dirty="0" smtClean="0">
-                <a:solidFill>
-                  <a:schemeClr val="tx1">
-                    <a:lumMod val="50000"/>
-                    <a:lumOff val="50000"/>
-                  </a:schemeClr>
-                </a:solidFill>
-              </a:rPr>
-              <a:t>Dashboards</a:t>
-            </a:r>
-          </a:p>
-        </p:txBody>
-      </p:sp>
-      <p:pic>
-        <p:nvPicPr>
-          <p:cNvPr id="2" name="图片 1"/>
-          <p:cNvPicPr>
-            <a:picLocks noChangeAspect="1"/>
-          </p:cNvPicPr>
-          <p:nvPr/>
-        </p:nvPicPr>
-        <p:blipFill>
-          <a:blip r:embed="rId2">
-            <a:extLst>
-              <a:ext uri="{28A0092B-C50C-407E-A947-70E740481C1C}">
-                <a14:useLocalDpi xmlns:a14="http://schemas.microsoft.com/office/drawing/2010/main" val="0"/>
-              </a:ext>
-            </a:extLst>
-          </a:blip>
-          <a:stretch>
-            <a:fillRect/>
-          </a:stretch>
-        </p:blipFill>
-        <p:spPr>
-          <a:xfrm>
-            <a:off x="6459215" y="1363840"/>
-            <a:ext cx="4986139" cy="3849989"/>
-          </a:xfrm>
-          <a:prstGeom prst="rect">
-            <a:avLst/>
-          </a:prstGeom>
-          <a:ln>
-            <a:solidFill>
-              <a:schemeClr val="bg1">
-                <a:lumMod val="65000"/>
-              </a:schemeClr>
-            </a:solidFill>
-          </a:ln>
-        </p:spPr>
-      </p:pic>
-    </p:spTree>
-    <p:extLst>
-      <p:ext uri="{BB962C8B-B14F-4D97-AF65-F5344CB8AC3E}">
-        <p14:creationId xmlns:p14="http://schemas.microsoft.com/office/powerpoint/2010/main" val="1893327512"/>
-      </p:ext>
-    </p:extLst>
-  </p:cSld>
-  <p:clrMapOvr>
-    <a:masterClrMapping/>
-  </p:clrMapOvr>
-  <p:timing>
-    <p:tnLst>
-      <p:par>
-        <p:cTn id="1" dur="indefinite" restart="never" nodeType="tmRoot"/>
-      </p:par>
-    </p:tnLst>
-  </p:timing>
-</p:sld>
-</file>
-
-<file path=ppt/slides/slide7.xml><?xml version="1.0" encoding="utf-8"?>
+<file path=ppt/slides/slide10.xml><?xml version="1.0" encoding="utf-8"?>
 <p:sld xmlns:a="http://schemas.openxmlformats.org/drawingml/2006/main" xmlns:r="http://schemas.openxmlformats.org/officeDocument/2006/relationships" xmlns:p="http://schemas.openxmlformats.org/presentationml/2006/main">
   <p:cSld>
     <p:spTree>
@@ -11464,7 +8376,7 @@
 </p:sld>
 </file>
 
-<file path=ppt/slides/slide8.xml><?xml version="1.0" encoding="utf-8"?>
+<file path=ppt/slides/slide11.xml><?xml version="1.0" encoding="utf-8"?>
 <p:sld xmlns:a="http://schemas.openxmlformats.org/drawingml/2006/main" xmlns:r="http://schemas.openxmlformats.org/officeDocument/2006/relationships" xmlns:p="http://schemas.openxmlformats.org/presentationml/2006/main">
   <p:cSld>
     <p:spTree>
@@ -12904,7 +9816,7 @@
 </p:sld>
 </file>
 
-<file path=ppt/slides/slide9.xml><?xml version="1.0" encoding="utf-8"?>
+<file path=ppt/slides/slide12.xml><?xml version="1.0" encoding="utf-8"?>
 <p:sld xmlns:a="http://schemas.openxmlformats.org/drawingml/2006/main" xmlns:r="http://schemas.openxmlformats.org/officeDocument/2006/relationships" xmlns:p="http://schemas.openxmlformats.org/presentationml/2006/main">
   <p:cSld>
     <p:spTree>
@@ -13216,6 +10128,4609 @@
       <p:bldP spid="3" grpId="0" animBg="1"/>
       <p:bldP spid="3" grpId="1" animBg="1"/>
     </p:bldLst>
+  </p:timing>
+</p:sld>
+</file>
+
+<file path=ppt/slides/slide2.xml><?xml version="1.0" encoding="utf-8"?>
+<p:sld xmlns:a="http://schemas.openxmlformats.org/drawingml/2006/main" xmlns:r="http://schemas.openxmlformats.org/officeDocument/2006/relationships" xmlns:p="http://schemas.openxmlformats.org/presentationml/2006/main">
+  <p:cSld>
+    <p:spTree>
+      <p:nvGrpSpPr>
+        <p:cNvPr id="1" name=""/>
+        <p:cNvGrpSpPr/>
+        <p:nvPr/>
+      </p:nvGrpSpPr>
+      <p:grpSpPr>
+        <a:xfrm>
+          <a:off x="0" y="0"/>
+          <a:ext cx="0" cy="0"/>
+          <a:chOff x="0" y="0"/>
+          <a:chExt cx="0" cy="0"/>
+        </a:xfrm>
+      </p:grpSpPr>
+      <p:sp>
+        <p:nvSpPr>
+          <p:cNvPr id="3" name="文本框 2"/>
+          <p:cNvSpPr txBox="1"/>
+          <p:nvPr/>
+        </p:nvSpPr>
+        <p:spPr>
+          <a:xfrm>
+            <a:off x="554559" y="332656"/>
+            <a:ext cx="5438989" cy="523220"/>
+          </a:xfrm>
+          <a:prstGeom prst="rect">
+            <a:avLst/>
+          </a:prstGeom>
+          <a:noFill/>
+        </p:spPr>
+        <p:txBody>
+          <a:bodyPr wrap="none" rtlCol="0">
+            <a:spAutoFit/>
+          </a:bodyPr>
+          <a:lstStyle/>
+          <a:p>
+            <a:r>
+              <a:rPr lang="en-US" altLang="zh-CN" sz="2800" b="1" dirty="0" smtClean="0">
+                <a:solidFill>
+                  <a:schemeClr val="tx1">
+                    <a:lumMod val="65000"/>
+                    <a:lumOff val="35000"/>
+                  </a:schemeClr>
+                </a:solidFill>
+                <a:latin typeface="Trebuchet MS" panose="020B0603020202020204" pitchFamily="34" charset="0"/>
+                <a:cs typeface="Calibri" panose="020F0502020204030204" pitchFamily="34" charset="0"/>
+              </a:rPr>
+              <a:t>WHAT</a:t>
+            </a:r>
+            <a:r>
+              <a:rPr lang="en-US" altLang="zh-CN" sz="2800" b="1" dirty="0" smtClean="0">
+                <a:solidFill>
+                  <a:schemeClr val="tx1">
+                    <a:lumMod val="65000"/>
+                    <a:lumOff val="35000"/>
+                  </a:schemeClr>
+                </a:solidFill>
+                <a:latin typeface="Trebuchet MS" panose="020B0603020202020204" pitchFamily="34" charset="0"/>
+                <a:cs typeface="Calibri" panose="020F0502020204030204" pitchFamily="34" charset="0"/>
+              </a:rPr>
+              <a:t>’</a:t>
+            </a:r>
+            <a:r>
+              <a:rPr lang="en-US" altLang="zh-CN" sz="2800" b="1" dirty="0" smtClean="0">
+                <a:solidFill>
+                  <a:schemeClr val="tx1">
+                    <a:lumMod val="65000"/>
+                    <a:lumOff val="35000"/>
+                  </a:schemeClr>
+                </a:solidFill>
+                <a:latin typeface="Trebuchet MS" panose="020B0603020202020204" pitchFamily="34" charset="0"/>
+                <a:cs typeface="Calibri" panose="020F0502020204030204" pitchFamily="34" charset="0"/>
+              </a:rPr>
+              <a:t>S DYNAMIC COMPONENTS</a:t>
+            </a:r>
+            <a:endParaRPr lang="zh-CN" altLang="en-US" sz="2800" b="1" dirty="0">
+              <a:solidFill>
+                <a:schemeClr val="tx1">
+                  <a:lumMod val="65000"/>
+                  <a:lumOff val="35000"/>
+                </a:schemeClr>
+              </a:solidFill>
+              <a:latin typeface="Trebuchet MS" panose="020B0603020202020204" pitchFamily="34" charset="0"/>
+              <a:cs typeface="Calibri" panose="020F0502020204030204" pitchFamily="34" charset="0"/>
+            </a:endParaRPr>
+          </a:p>
+        </p:txBody>
+      </p:sp>
+      <p:sp>
+        <p:nvSpPr>
+          <p:cNvPr id="4" name="文本框 3"/>
+          <p:cNvSpPr txBox="1"/>
+          <p:nvPr/>
+        </p:nvSpPr>
+        <p:spPr>
+          <a:xfrm>
+            <a:off x="532238" y="1268760"/>
+            <a:ext cx="11017224" cy="1200329"/>
+          </a:xfrm>
+          <a:prstGeom prst="rect">
+            <a:avLst/>
+          </a:prstGeom>
+          <a:noFill/>
+        </p:spPr>
+        <p:txBody>
+          <a:bodyPr wrap="square" rtlCol="0">
+            <a:spAutoFit/>
+          </a:bodyPr>
+          <a:lstStyle/>
+          <a:p>
+            <a:pPr>
+              <a:lnSpc>
+                <a:spcPct val="120000"/>
+              </a:lnSpc>
+            </a:pPr>
+            <a:r>
+              <a:rPr lang="en-US" altLang="zh-CN" sz="2000" i="1" dirty="0">
+                <a:solidFill>
+                  <a:schemeClr val="tx1">
+                    <a:lumMod val="50000"/>
+                    <a:lumOff val="50000"/>
+                  </a:schemeClr>
+                </a:solidFill>
+              </a:rPr>
+              <a:t>“A technique for adding a component to the DOM at run time. Requires that you exclude the component from compilation and then connect it to </a:t>
+            </a:r>
+            <a:r>
+              <a:rPr lang="en-US" altLang="zh-CN" sz="2000" i="1" dirty="0" smtClean="0">
+                <a:solidFill>
+                  <a:schemeClr val="tx1">
+                    <a:lumMod val="50000"/>
+                    <a:lumOff val="50000"/>
+                  </a:schemeClr>
+                </a:solidFill>
+              </a:rPr>
+              <a:t>Angular’s </a:t>
+            </a:r>
+            <a:r>
+              <a:rPr lang="en-US" altLang="zh-CN" sz="2000" i="1" dirty="0">
+                <a:solidFill>
+                  <a:schemeClr val="tx1">
+                    <a:lumMod val="50000"/>
+                    <a:lumOff val="50000"/>
+                  </a:schemeClr>
+                </a:solidFill>
+              </a:rPr>
+              <a:t>change-detection and event-handling framework when you add it to the DOM</a:t>
+            </a:r>
+            <a:r>
+              <a:rPr lang="en-US" altLang="zh-CN" sz="2000" i="1" dirty="0" smtClean="0">
+                <a:solidFill>
+                  <a:schemeClr val="tx1">
+                    <a:lumMod val="50000"/>
+                    <a:lumOff val="50000"/>
+                  </a:schemeClr>
+                </a:solidFill>
+              </a:rPr>
+              <a:t>.”  </a:t>
+            </a:r>
+            <a:r>
+              <a:rPr lang="en-US" altLang="zh-CN" sz="2000" dirty="0" smtClean="0">
+                <a:solidFill>
+                  <a:schemeClr val="tx1">
+                    <a:lumMod val="50000"/>
+                    <a:lumOff val="50000"/>
+                  </a:schemeClr>
+                </a:solidFill>
+              </a:rPr>
+              <a:t>—— </a:t>
+            </a:r>
+            <a:r>
+              <a:rPr lang="en-US" altLang="zh-CN" sz="2000" i="1" u="sng" dirty="0" smtClean="0">
+                <a:solidFill>
+                  <a:schemeClr val="tx1">
+                    <a:lumMod val="50000"/>
+                    <a:lumOff val="50000"/>
+                  </a:schemeClr>
+                </a:solidFill>
+              </a:rPr>
+              <a:t>angular.io</a:t>
+            </a:r>
+          </a:p>
+        </p:txBody>
+      </p:sp>
+      <p:pic>
+        <p:nvPicPr>
+          <p:cNvPr id="10" name="图片 9"/>
+          <p:cNvPicPr>
+            <a:picLocks noChangeAspect="1"/>
+          </p:cNvPicPr>
+          <p:nvPr/>
+        </p:nvPicPr>
+        <p:blipFill>
+          <a:blip r:embed="rId2">
+            <a:clrChange>
+              <a:clrFrom>
+                <a:srgbClr val="000000"/>
+              </a:clrFrom>
+              <a:clrTo>
+                <a:srgbClr val="000000">
+                  <a:alpha val="0"/>
+                </a:srgbClr>
+              </a:clrTo>
+            </a:clrChange>
+          </a:blip>
+          <a:stretch>
+            <a:fillRect/>
+          </a:stretch>
+        </p:blipFill>
+        <p:spPr>
+          <a:xfrm>
+            <a:off x="6364886" y="3406512"/>
+            <a:ext cx="5184576" cy="3038682"/>
+          </a:xfrm>
+          <a:prstGeom prst="rect">
+            <a:avLst/>
+          </a:prstGeom>
+          <a:noFill/>
+          <a:ln>
+            <a:noFill/>
+          </a:ln>
+        </p:spPr>
+      </p:pic>
+    </p:spTree>
+    <p:extLst>
+      <p:ext uri="{BB962C8B-B14F-4D97-AF65-F5344CB8AC3E}">
+        <p14:creationId xmlns:p14="http://schemas.microsoft.com/office/powerpoint/2010/main" val="2119872340"/>
+      </p:ext>
+    </p:extLst>
+  </p:cSld>
+  <p:clrMapOvr>
+    <a:masterClrMapping/>
+  </p:clrMapOvr>
+  <p:timing>
+    <p:tnLst>
+      <p:par>
+        <p:cTn id="1" dur="indefinite" restart="never" nodeType="tmRoot"/>
+      </p:par>
+    </p:tnLst>
+  </p:timing>
+</p:sld>
+</file>
+
+<file path=ppt/slides/slide3.xml><?xml version="1.0" encoding="utf-8"?>
+<p:sld xmlns:a="http://schemas.openxmlformats.org/drawingml/2006/main" xmlns:r="http://schemas.openxmlformats.org/officeDocument/2006/relationships" xmlns:p="http://schemas.openxmlformats.org/presentationml/2006/main">
+  <p:cSld>
+    <p:spTree>
+      <p:nvGrpSpPr>
+        <p:cNvPr id="1" name=""/>
+        <p:cNvGrpSpPr/>
+        <p:nvPr/>
+      </p:nvGrpSpPr>
+      <p:grpSpPr>
+        <a:xfrm>
+          <a:off x="0" y="0"/>
+          <a:ext cx="0" cy="0"/>
+          <a:chOff x="0" y="0"/>
+          <a:chExt cx="0" cy="0"/>
+        </a:xfrm>
+      </p:grpSpPr>
+      <p:sp>
+        <p:nvSpPr>
+          <p:cNvPr id="3" name="文本框 2"/>
+          <p:cNvSpPr txBox="1"/>
+          <p:nvPr/>
+        </p:nvSpPr>
+        <p:spPr>
+          <a:xfrm>
+            <a:off x="554559" y="332656"/>
+            <a:ext cx="3686587" cy="523220"/>
+          </a:xfrm>
+          <a:prstGeom prst="rect">
+            <a:avLst/>
+          </a:prstGeom>
+          <a:noFill/>
+        </p:spPr>
+        <p:txBody>
+          <a:bodyPr wrap="none" rtlCol="0">
+            <a:spAutoFit/>
+          </a:bodyPr>
+          <a:lstStyle/>
+          <a:p>
+            <a:r>
+              <a:rPr lang="en-US" altLang="zh-CN" sz="2800" b="1" dirty="0" smtClean="0">
+                <a:solidFill>
+                  <a:schemeClr val="tx1">
+                    <a:lumMod val="65000"/>
+                    <a:lumOff val="35000"/>
+                  </a:schemeClr>
+                </a:solidFill>
+                <a:latin typeface="Trebuchet MS" panose="020B0603020202020204" pitchFamily="34" charset="0"/>
+                <a:cs typeface="Calibri" panose="020F0502020204030204" pitchFamily="34" charset="0"/>
+              </a:rPr>
+              <a:t>STATIC COMPONENTS</a:t>
+            </a:r>
+            <a:endParaRPr lang="zh-CN" altLang="en-US" sz="2800" b="1" dirty="0">
+              <a:solidFill>
+                <a:schemeClr val="tx1">
+                  <a:lumMod val="65000"/>
+                  <a:lumOff val="35000"/>
+                </a:schemeClr>
+              </a:solidFill>
+              <a:latin typeface="Trebuchet MS" panose="020B0603020202020204" pitchFamily="34" charset="0"/>
+              <a:cs typeface="Calibri" panose="020F0502020204030204" pitchFamily="34" charset="0"/>
+            </a:endParaRPr>
+          </a:p>
+        </p:txBody>
+      </p:sp>
+      <p:sp>
+        <p:nvSpPr>
+          <p:cNvPr id="4" name="文本框 3"/>
+          <p:cNvSpPr txBox="1"/>
+          <p:nvPr/>
+        </p:nvSpPr>
+        <p:spPr>
+          <a:xfrm>
+            <a:off x="554559" y="1340768"/>
+            <a:ext cx="2204450" cy="369332"/>
+          </a:xfrm>
+          <a:prstGeom prst="rect">
+            <a:avLst/>
+          </a:prstGeom>
+          <a:noFill/>
+        </p:spPr>
+        <p:txBody>
+          <a:bodyPr wrap="none" rtlCol="0">
+            <a:spAutoFit/>
+          </a:bodyPr>
+          <a:lstStyle/>
+          <a:p>
+            <a:pPr marL="285750" indent="-285750">
+              <a:buFont typeface="Wingdings" panose="05000000000000000000" pitchFamily="2" charset="2"/>
+              <a:buChar char="Ø"/>
+            </a:pPr>
+            <a:r>
+              <a:rPr lang="en-US" altLang="zh-CN" dirty="0" smtClean="0">
+                <a:solidFill>
+                  <a:schemeClr val="tx1">
+                    <a:lumMod val="50000"/>
+                    <a:lumOff val="50000"/>
+                  </a:schemeClr>
+                </a:solidFill>
+              </a:rPr>
+              <a:t>Used in template</a:t>
+            </a:r>
+          </a:p>
+        </p:txBody>
+      </p:sp>
+      <p:sp>
+        <p:nvSpPr>
+          <p:cNvPr id="5" name="文本框 4"/>
+          <p:cNvSpPr txBox="1"/>
+          <p:nvPr/>
+        </p:nvSpPr>
+        <p:spPr>
+          <a:xfrm>
+            <a:off x="554559" y="1916832"/>
+            <a:ext cx="3435556" cy="369332"/>
+          </a:xfrm>
+          <a:prstGeom prst="rect">
+            <a:avLst/>
+          </a:prstGeom>
+          <a:noFill/>
+        </p:spPr>
+        <p:txBody>
+          <a:bodyPr wrap="none" rtlCol="0">
+            <a:spAutoFit/>
+          </a:bodyPr>
+          <a:lstStyle/>
+          <a:p>
+            <a:pPr marL="285750" indent="-285750">
+              <a:buFont typeface="Wingdings" panose="05000000000000000000" pitchFamily="2" charset="2"/>
+              <a:buChar char="Ø"/>
+            </a:pPr>
+            <a:r>
+              <a:rPr lang="en-US" altLang="zh-CN" dirty="0" smtClean="0">
+                <a:solidFill>
+                  <a:schemeClr val="tx1">
+                    <a:lumMod val="50000"/>
+                    <a:lumOff val="50000"/>
+                  </a:schemeClr>
+                </a:solidFill>
+              </a:rPr>
+              <a:t>Known in development time</a:t>
+            </a:r>
+          </a:p>
+        </p:txBody>
+      </p:sp>
+      <p:sp>
+        <p:nvSpPr>
+          <p:cNvPr id="6" name="文本框 5"/>
+          <p:cNvSpPr txBox="1"/>
+          <p:nvPr/>
+        </p:nvSpPr>
+        <p:spPr>
+          <a:xfrm>
+            <a:off x="560795" y="2492896"/>
+            <a:ext cx="1896673" cy="369332"/>
+          </a:xfrm>
+          <a:prstGeom prst="rect">
+            <a:avLst/>
+          </a:prstGeom>
+          <a:noFill/>
+        </p:spPr>
+        <p:txBody>
+          <a:bodyPr wrap="none" rtlCol="0">
+            <a:spAutoFit/>
+          </a:bodyPr>
+          <a:lstStyle/>
+          <a:p>
+            <a:pPr marL="285750" indent="-285750">
+              <a:buFont typeface="Wingdings" panose="05000000000000000000" pitchFamily="2" charset="2"/>
+              <a:buChar char="Ø"/>
+            </a:pPr>
+            <a:r>
+              <a:rPr lang="en-US" altLang="zh-CN" dirty="0" smtClean="0">
+                <a:solidFill>
+                  <a:schemeClr val="tx1">
+                    <a:lumMod val="50000"/>
+                    <a:lumOff val="50000"/>
+                  </a:schemeClr>
+                </a:solidFill>
+              </a:rPr>
+              <a:t>Fixed location</a:t>
+            </a:r>
+          </a:p>
+        </p:txBody>
+      </p:sp>
+      <p:sp>
+        <p:nvSpPr>
+          <p:cNvPr id="7" name="文本框 6"/>
+          <p:cNvSpPr txBox="1"/>
+          <p:nvPr/>
+        </p:nvSpPr>
+        <p:spPr>
+          <a:xfrm>
+            <a:off x="560795" y="3071982"/>
+            <a:ext cx="1678665" cy="369332"/>
+          </a:xfrm>
+          <a:prstGeom prst="rect">
+            <a:avLst/>
+          </a:prstGeom>
+          <a:noFill/>
+        </p:spPr>
+        <p:txBody>
+          <a:bodyPr wrap="none" rtlCol="0">
+            <a:spAutoFit/>
+          </a:bodyPr>
+          <a:lstStyle/>
+          <a:p>
+            <a:pPr marL="285750" indent="-285750">
+              <a:buFont typeface="Wingdings" panose="05000000000000000000" pitchFamily="2" charset="2"/>
+              <a:buChar char="Ø"/>
+            </a:pPr>
+            <a:r>
+              <a:rPr lang="en-US" altLang="zh-CN" dirty="0" smtClean="0">
+                <a:solidFill>
+                  <a:schemeClr val="tx1">
+                    <a:lumMod val="50000"/>
+                    <a:lumOff val="50000"/>
+                  </a:schemeClr>
+                </a:solidFill>
+              </a:rPr>
+              <a:t>Hard-coded</a:t>
+            </a:r>
+          </a:p>
+        </p:txBody>
+      </p:sp>
+      <p:sp>
+        <p:nvSpPr>
+          <p:cNvPr id="13" name="矩形 12"/>
+          <p:cNvSpPr/>
+          <p:nvPr/>
+        </p:nvSpPr>
+        <p:spPr>
+          <a:xfrm>
+            <a:off x="4212136" y="1412776"/>
+            <a:ext cx="7210105" cy="3960440"/>
+          </a:xfrm>
+          <a:prstGeom prst="rect">
+            <a:avLst/>
+          </a:prstGeom>
+          <a:solidFill>
+            <a:schemeClr val="tx1">
+              <a:lumMod val="85000"/>
+              <a:lumOff val="15000"/>
+            </a:schemeClr>
+          </a:solidFill>
+          <a:ln w="152400" cap="rnd">
+            <a:solidFill>
+              <a:schemeClr val="tx1">
+                <a:lumMod val="85000"/>
+                <a:lumOff val="15000"/>
+              </a:schemeClr>
+            </a:solidFill>
+          </a:ln>
+        </p:spPr>
+        <p:style>
+          <a:lnRef idx="2">
+            <a:schemeClr val="accent1">
+              <a:shade val="50000"/>
+            </a:schemeClr>
+          </a:lnRef>
+          <a:fillRef idx="1">
+            <a:schemeClr val="accent1"/>
+          </a:fillRef>
+          <a:effectRef idx="0">
+            <a:schemeClr val="accent1"/>
+          </a:effectRef>
+          <a:fontRef idx="minor">
+            <a:schemeClr val="lt1"/>
+          </a:fontRef>
+        </p:style>
+        <p:txBody>
+          <a:bodyPr rtlCol="0" anchor="ctr"/>
+          <a:lstStyle/>
+          <a:p>
+            <a:r>
+              <a:rPr lang="en-US" altLang="zh-CN" sz="1500" dirty="0">
+                <a:solidFill>
+                  <a:srgbClr val="93A1A1"/>
+                </a:solidFill>
+                <a:latin typeface="Consolas" panose="020B0609020204030204" pitchFamily="49" charset="0"/>
+              </a:rPr>
+              <a:t>&lt;</a:t>
+            </a:r>
+            <a:r>
+              <a:rPr lang="en-US" altLang="zh-CN" sz="1500" dirty="0">
+                <a:solidFill>
+                  <a:srgbClr val="268BD2"/>
+                </a:solidFill>
+                <a:latin typeface="Consolas" panose="020B0609020204030204" pitchFamily="49" charset="0"/>
+              </a:rPr>
+              <a:t>app-header</a:t>
+            </a:r>
+            <a:r>
+              <a:rPr lang="en-US" altLang="zh-CN" sz="1500" dirty="0">
+                <a:solidFill>
+                  <a:srgbClr val="93A1A1"/>
+                </a:solidFill>
+                <a:latin typeface="Consolas" panose="020B0609020204030204" pitchFamily="49" charset="0"/>
+              </a:rPr>
+              <a:t>&gt;&lt;/</a:t>
+            </a:r>
+            <a:r>
+              <a:rPr lang="en-US" altLang="zh-CN" sz="1500" dirty="0">
+                <a:solidFill>
+                  <a:srgbClr val="268BD2"/>
+                </a:solidFill>
+                <a:latin typeface="Consolas" panose="020B0609020204030204" pitchFamily="49" charset="0"/>
+              </a:rPr>
+              <a:t>app-header</a:t>
+            </a:r>
+            <a:r>
+              <a:rPr lang="en-US" altLang="zh-CN" sz="1500" dirty="0">
+                <a:solidFill>
+                  <a:srgbClr val="93A1A1"/>
+                </a:solidFill>
+                <a:latin typeface="Consolas" panose="020B0609020204030204" pitchFamily="49" charset="0"/>
+              </a:rPr>
+              <a:t>&gt;</a:t>
+            </a:r>
+            <a:endParaRPr lang="en-US" altLang="zh-CN" sz="1500" dirty="0">
+              <a:solidFill>
+                <a:srgbClr val="333333"/>
+              </a:solidFill>
+              <a:latin typeface="Consolas" panose="020B0609020204030204" pitchFamily="49" charset="0"/>
+            </a:endParaRPr>
+          </a:p>
+          <a:p>
+            <a:r>
+              <a:rPr lang="en-US" altLang="zh-CN" sz="1500" dirty="0">
+                <a:solidFill>
+                  <a:srgbClr val="333333"/>
+                </a:solidFill>
+                <a:latin typeface="Consolas" panose="020B0609020204030204" pitchFamily="49" charset="0"/>
+              </a:rPr>
+              <a:t/>
+            </a:r>
+            <a:br>
+              <a:rPr lang="en-US" altLang="zh-CN" sz="1500" dirty="0">
+                <a:solidFill>
+                  <a:srgbClr val="333333"/>
+                </a:solidFill>
+                <a:latin typeface="Consolas" panose="020B0609020204030204" pitchFamily="49" charset="0"/>
+              </a:rPr>
+            </a:br>
+            <a:r>
+              <a:rPr lang="en-US" altLang="zh-CN" sz="1500" dirty="0">
+                <a:solidFill>
+                  <a:srgbClr val="333333"/>
+                </a:solidFill>
+                <a:latin typeface="Consolas" panose="020B0609020204030204" pitchFamily="49" charset="0"/>
+              </a:rPr>
+              <a:t>    </a:t>
+            </a:r>
+            <a:r>
+              <a:rPr lang="en-US" altLang="zh-CN" sz="1500" dirty="0">
+                <a:solidFill>
+                  <a:srgbClr val="93A1A1"/>
+                </a:solidFill>
+                <a:latin typeface="Consolas" panose="020B0609020204030204" pitchFamily="49" charset="0"/>
+              </a:rPr>
+              <a:t>&lt;</a:t>
+            </a:r>
+            <a:r>
+              <a:rPr lang="en-US" altLang="zh-CN" sz="1500" dirty="0">
+                <a:solidFill>
+                  <a:srgbClr val="268BD2"/>
+                </a:solidFill>
+                <a:latin typeface="Consolas" panose="020B0609020204030204" pitchFamily="49" charset="0"/>
+              </a:rPr>
+              <a:t>app-breadcrumb</a:t>
+            </a:r>
+            <a:r>
+              <a:rPr lang="en-US" altLang="zh-CN" sz="1500" dirty="0">
+                <a:solidFill>
+                  <a:srgbClr val="93A1A1"/>
+                </a:solidFill>
+                <a:latin typeface="Consolas" panose="020B0609020204030204" pitchFamily="49" charset="0"/>
+              </a:rPr>
+              <a:t>&gt;&lt;/</a:t>
+            </a:r>
+            <a:r>
+              <a:rPr lang="en-US" altLang="zh-CN" sz="1500" dirty="0">
+                <a:solidFill>
+                  <a:srgbClr val="268BD2"/>
+                </a:solidFill>
+                <a:latin typeface="Consolas" panose="020B0609020204030204" pitchFamily="49" charset="0"/>
+              </a:rPr>
+              <a:t>app-breadcrumb</a:t>
+            </a:r>
+            <a:r>
+              <a:rPr lang="en-US" altLang="zh-CN" sz="1500" dirty="0">
+                <a:solidFill>
+                  <a:srgbClr val="93A1A1"/>
+                </a:solidFill>
+                <a:latin typeface="Consolas" panose="020B0609020204030204" pitchFamily="49" charset="0"/>
+              </a:rPr>
+              <a:t>&gt;</a:t>
+            </a:r>
+            <a:endParaRPr lang="en-US" altLang="zh-CN" sz="1500" dirty="0">
+              <a:solidFill>
+                <a:srgbClr val="333333"/>
+              </a:solidFill>
+              <a:latin typeface="Consolas" panose="020B0609020204030204" pitchFamily="49" charset="0"/>
+            </a:endParaRPr>
+          </a:p>
+          <a:p>
+            <a:r>
+              <a:rPr lang="en-US" altLang="zh-CN" sz="1500" dirty="0">
+                <a:solidFill>
+                  <a:srgbClr val="333333"/>
+                </a:solidFill>
+                <a:latin typeface="Consolas" panose="020B0609020204030204" pitchFamily="49" charset="0"/>
+              </a:rPr>
+              <a:t/>
+            </a:r>
+            <a:br>
+              <a:rPr lang="en-US" altLang="zh-CN" sz="1500" dirty="0">
+                <a:solidFill>
+                  <a:srgbClr val="333333"/>
+                </a:solidFill>
+                <a:latin typeface="Consolas" panose="020B0609020204030204" pitchFamily="49" charset="0"/>
+              </a:rPr>
+            </a:br>
+            <a:r>
+              <a:rPr lang="en-US" altLang="zh-CN" sz="1500" dirty="0">
+                <a:solidFill>
+                  <a:srgbClr val="333333"/>
+                </a:solidFill>
+                <a:latin typeface="Consolas" panose="020B0609020204030204" pitchFamily="49" charset="0"/>
+              </a:rPr>
+              <a:t>    </a:t>
+            </a:r>
+            <a:r>
+              <a:rPr lang="en-US" altLang="zh-CN" sz="1500" dirty="0">
+                <a:solidFill>
+                  <a:srgbClr val="93A1A1"/>
+                </a:solidFill>
+                <a:latin typeface="Consolas" panose="020B0609020204030204" pitchFamily="49" charset="0"/>
+              </a:rPr>
+              <a:t>&lt;</a:t>
+            </a:r>
+            <a:r>
+              <a:rPr lang="en-US" altLang="zh-CN" sz="1500" dirty="0">
+                <a:solidFill>
+                  <a:srgbClr val="268BD2"/>
+                </a:solidFill>
+                <a:latin typeface="Consolas" panose="020B0609020204030204" pitchFamily="49" charset="0"/>
+              </a:rPr>
+              <a:t>form</a:t>
+            </a:r>
+            <a:r>
+              <a:rPr lang="en-US" altLang="zh-CN" sz="1500" dirty="0">
+                <a:solidFill>
+                  <a:srgbClr val="333333"/>
+                </a:solidFill>
+                <a:latin typeface="Consolas" panose="020B0609020204030204" pitchFamily="49" charset="0"/>
+              </a:rPr>
+              <a:t> </a:t>
+            </a:r>
+            <a:r>
+              <a:rPr lang="en-US" altLang="zh-CN" sz="1500" dirty="0">
+                <a:solidFill>
+                  <a:schemeClr val="accent6"/>
+                </a:solidFill>
+                <a:latin typeface="Consolas" panose="020B0609020204030204" pitchFamily="49" charset="0"/>
+              </a:rPr>
+              <a:t>action=</a:t>
+            </a:r>
+            <a:r>
+              <a:rPr lang="en-US" altLang="zh-CN" sz="1500" dirty="0">
+                <a:solidFill>
+                  <a:srgbClr val="2AA198"/>
+                </a:solidFill>
+                <a:latin typeface="Consolas" panose="020B0609020204030204" pitchFamily="49" charset="0"/>
+              </a:rPr>
+              <a:t>"/REST/someAPI"</a:t>
+            </a:r>
+            <a:r>
+              <a:rPr lang="en-US" altLang="zh-CN" sz="1500" dirty="0">
+                <a:solidFill>
+                  <a:schemeClr val="accent6"/>
+                </a:solidFill>
+                <a:latin typeface="Consolas" panose="020B0609020204030204" pitchFamily="49" charset="0"/>
+              </a:rPr>
+              <a:t> method=</a:t>
+            </a:r>
+            <a:r>
+              <a:rPr lang="en-US" altLang="zh-CN" sz="1500" dirty="0">
+                <a:solidFill>
+                  <a:srgbClr val="2AA198"/>
+                </a:solidFill>
+                <a:latin typeface="Consolas" panose="020B0609020204030204" pitchFamily="49" charset="0"/>
+              </a:rPr>
+              <a:t>"POST"</a:t>
+            </a:r>
+            <a:r>
+              <a:rPr lang="en-US" altLang="zh-CN" sz="1500" dirty="0">
+                <a:solidFill>
+                  <a:srgbClr val="93A1A1"/>
+                </a:solidFill>
+                <a:latin typeface="Consolas" panose="020B0609020204030204" pitchFamily="49" charset="0"/>
+              </a:rPr>
+              <a:t>&gt;</a:t>
+            </a:r>
+            <a:endParaRPr lang="en-US" altLang="zh-CN" sz="1500" dirty="0">
+              <a:solidFill>
+                <a:srgbClr val="333333"/>
+              </a:solidFill>
+              <a:latin typeface="Consolas" panose="020B0609020204030204" pitchFamily="49" charset="0"/>
+            </a:endParaRPr>
+          </a:p>
+          <a:p>
+            <a:r>
+              <a:rPr lang="en-US" altLang="zh-CN" sz="1500" dirty="0">
+                <a:solidFill>
+                  <a:srgbClr val="333333"/>
+                </a:solidFill>
+                <a:latin typeface="Consolas" panose="020B0609020204030204" pitchFamily="49" charset="0"/>
+              </a:rPr>
+              <a:t/>
+            </a:r>
+            <a:br>
+              <a:rPr lang="en-US" altLang="zh-CN" sz="1500" dirty="0">
+                <a:solidFill>
+                  <a:srgbClr val="333333"/>
+                </a:solidFill>
+                <a:latin typeface="Consolas" panose="020B0609020204030204" pitchFamily="49" charset="0"/>
+              </a:rPr>
+            </a:br>
+            <a:r>
+              <a:rPr lang="en-US" altLang="zh-CN" sz="1500" dirty="0">
+                <a:solidFill>
+                  <a:srgbClr val="333333"/>
+                </a:solidFill>
+                <a:latin typeface="Consolas" panose="020B0609020204030204" pitchFamily="49" charset="0"/>
+              </a:rPr>
+              <a:t>        </a:t>
+            </a:r>
+            <a:r>
+              <a:rPr lang="en-US" altLang="zh-CN" sz="1500" dirty="0">
+                <a:solidFill>
+                  <a:srgbClr val="93A1A1"/>
+                </a:solidFill>
+                <a:latin typeface="Consolas" panose="020B0609020204030204" pitchFamily="49" charset="0"/>
+              </a:rPr>
+              <a:t>&lt;</a:t>
+            </a:r>
+            <a:r>
+              <a:rPr lang="en-US" altLang="zh-CN" sz="1500" dirty="0">
+                <a:solidFill>
+                  <a:srgbClr val="268BD2"/>
+                </a:solidFill>
+                <a:latin typeface="Consolas" panose="020B0609020204030204" pitchFamily="49" charset="0"/>
+              </a:rPr>
+              <a:t>app-input</a:t>
+            </a:r>
+            <a:r>
+              <a:rPr lang="en-US" altLang="zh-CN" sz="1500" dirty="0">
+                <a:solidFill>
+                  <a:srgbClr val="333333"/>
+                </a:solidFill>
+                <a:latin typeface="Consolas" panose="020B0609020204030204" pitchFamily="49" charset="0"/>
+              </a:rPr>
+              <a:t> </a:t>
+            </a:r>
+            <a:r>
+              <a:rPr lang="en-US" altLang="zh-CN" sz="1500" dirty="0">
+                <a:solidFill>
+                  <a:schemeClr val="accent6"/>
+                </a:solidFill>
+                <a:latin typeface="Consolas" panose="020B0609020204030204" pitchFamily="49" charset="0"/>
+              </a:rPr>
+              <a:t>[validators]=</a:t>
+            </a:r>
+            <a:r>
+              <a:rPr lang="en-US" altLang="zh-CN" sz="1500" dirty="0">
+                <a:solidFill>
+                  <a:srgbClr val="2AA198"/>
+                </a:solidFill>
+                <a:latin typeface="Consolas" panose="020B0609020204030204" pitchFamily="49" charset="0"/>
+              </a:rPr>
+              <a:t>"validators"</a:t>
+            </a:r>
+            <a:r>
+              <a:rPr lang="en-US" altLang="zh-CN" sz="1500" dirty="0">
+                <a:solidFill>
+                  <a:srgbClr val="93A1A1"/>
+                </a:solidFill>
+                <a:latin typeface="Consolas" panose="020B0609020204030204" pitchFamily="49" charset="0"/>
+              </a:rPr>
+              <a:t>&gt;&lt;/</a:t>
+            </a:r>
+            <a:r>
+              <a:rPr lang="en-US" altLang="zh-CN" sz="1500" dirty="0">
+                <a:solidFill>
+                  <a:srgbClr val="268BD2"/>
+                </a:solidFill>
+                <a:latin typeface="Consolas" panose="020B0609020204030204" pitchFamily="49" charset="0"/>
+              </a:rPr>
+              <a:t>app-input</a:t>
+            </a:r>
+            <a:r>
+              <a:rPr lang="en-US" altLang="zh-CN" sz="1500" dirty="0">
+                <a:solidFill>
+                  <a:srgbClr val="93A1A1"/>
+                </a:solidFill>
+                <a:latin typeface="Consolas" panose="020B0609020204030204" pitchFamily="49" charset="0"/>
+              </a:rPr>
+              <a:t>&gt;</a:t>
+            </a:r>
+            <a:endParaRPr lang="en-US" altLang="zh-CN" sz="1500" dirty="0">
+              <a:solidFill>
+                <a:srgbClr val="333333"/>
+              </a:solidFill>
+              <a:latin typeface="Consolas" panose="020B0609020204030204" pitchFamily="49" charset="0"/>
+            </a:endParaRPr>
+          </a:p>
+          <a:p>
+            <a:r>
+              <a:rPr lang="en-US" altLang="zh-CN" sz="1500" dirty="0">
+                <a:solidFill>
+                  <a:srgbClr val="333333"/>
+                </a:solidFill>
+                <a:latin typeface="Consolas" panose="020B0609020204030204" pitchFamily="49" charset="0"/>
+              </a:rPr>
+              <a:t>        </a:t>
+            </a:r>
+            <a:r>
+              <a:rPr lang="en-US" altLang="zh-CN" sz="1500" dirty="0">
+                <a:solidFill>
+                  <a:srgbClr val="93A1A1"/>
+                </a:solidFill>
+                <a:latin typeface="Consolas" panose="020B0609020204030204" pitchFamily="49" charset="0"/>
+              </a:rPr>
+              <a:t>&lt;</a:t>
+            </a:r>
+            <a:r>
+              <a:rPr lang="en-US" altLang="zh-CN" sz="1500" dirty="0">
+                <a:solidFill>
+                  <a:srgbClr val="268BD2"/>
+                </a:solidFill>
+                <a:latin typeface="Consolas" panose="020B0609020204030204" pitchFamily="49" charset="0"/>
+              </a:rPr>
+              <a:t>app-button</a:t>
+            </a:r>
+            <a:r>
+              <a:rPr lang="en-US" altLang="zh-CN" sz="1500" dirty="0">
+                <a:solidFill>
+                  <a:srgbClr val="333333"/>
+                </a:solidFill>
+                <a:latin typeface="Consolas" panose="020B0609020204030204" pitchFamily="49" charset="0"/>
+              </a:rPr>
+              <a:t> </a:t>
+            </a:r>
+            <a:r>
+              <a:rPr lang="en-US" altLang="zh-CN" sz="1500" dirty="0">
+                <a:solidFill>
+                  <a:schemeClr val="accent6"/>
+                </a:solidFill>
+                <a:latin typeface="Consolas" panose="020B0609020204030204" pitchFamily="49" charset="0"/>
+              </a:rPr>
+              <a:t>(click)=</a:t>
+            </a:r>
+            <a:r>
+              <a:rPr lang="en-US" altLang="zh-CN" sz="1500" dirty="0">
+                <a:solidFill>
+                  <a:srgbClr val="2AA198"/>
+                </a:solidFill>
+                <a:latin typeface="Consolas" panose="020B0609020204030204" pitchFamily="49" charset="0"/>
+              </a:rPr>
+              <a:t>"submitForm($event)"</a:t>
+            </a:r>
+            <a:r>
+              <a:rPr lang="en-US" altLang="zh-CN" sz="1500" dirty="0">
+                <a:solidFill>
+                  <a:srgbClr val="93A1A1"/>
+                </a:solidFill>
+                <a:latin typeface="Consolas" panose="020B0609020204030204" pitchFamily="49" charset="0"/>
+              </a:rPr>
+              <a:t>&gt;&lt;/</a:t>
+            </a:r>
+            <a:r>
+              <a:rPr lang="en-US" altLang="zh-CN" sz="1500" dirty="0">
+                <a:solidFill>
+                  <a:srgbClr val="268BD2"/>
+                </a:solidFill>
+                <a:latin typeface="Consolas" panose="020B0609020204030204" pitchFamily="49" charset="0"/>
+              </a:rPr>
+              <a:t>app-button</a:t>
+            </a:r>
+            <a:r>
+              <a:rPr lang="en-US" altLang="zh-CN" sz="1500" dirty="0">
+                <a:solidFill>
+                  <a:srgbClr val="93A1A1"/>
+                </a:solidFill>
+                <a:latin typeface="Consolas" panose="020B0609020204030204" pitchFamily="49" charset="0"/>
+              </a:rPr>
+              <a:t>&gt;</a:t>
+            </a:r>
+            <a:endParaRPr lang="en-US" altLang="zh-CN" sz="1500" dirty="0">
+              <a:solidFill>
+                <a:srgbClr val="333333"/>
+              </a:solidFill>
+              <a:latin typeface="Consolas" panose="020B0609020204030204" pitchFamily="49" charset="0"/>
+            </a:endParaRPr>
+          </a:p>
+          <a:p>
+            <a:r>
+              <a:rPr lang="en-US" altLang="zh-CN" sz="1500" dirty="0">
+                <a:solidFill>
+                  <a:srgbClr val="333333"/>
+                </a:solidFill>
+                <a:latin typeface="Consolas" panose="020B0609020204030204" pitchFamily="49" charset="0"/>
+              </a:rPr>
+              <a:t/>
+            </a:r>
+            <a:br>
+              <a:rPr lang="en-US" altLang="zh-CN" sz="1500" dirty="0">
+                <a:solidFill>
+                  <a:srgbClr val="333333"/>
+                </a:solidFill>
+                <a:latin typeface="Consolas" panose="020B0609020204030204" pitchFamily="49" charset="0"/>
+              </a:rPr>
+            </a:br>
+            <a:r>
+              <a:rPr lang="en-US" altLang="zh-CN" sz="1500" dirty="0">
+                <a:solidFill>
+                  <a:srgbClr val="333333"/>
+                </a:solidFill>
+                <a:latin typeface="Consolas" panose="020B0609020204030204" pitchFamily="49" charset="0"/>
+              </a:rPr>
+              <a:t>    </a:t>
+            </a:r>
+            <a:r>
+              <a:rPr lang="en-US" altLang="zh-CN" sz="1500" dirty="0">
+                <a:solidFill>
+                  <a:srgbClr val="93A1A1"/>
+                </a:solidFill>
+                <a:latin typeface="Consolas" panose="020B0609020204030204" pitchFamily="49" charset="0"/>
+              </a:rPr>
+              <a:t>&lt;/</a:t>
+            </a:r>
+            <a:r>
+              <a:rPr lang="en-US" altLang="zh-CN" sz="1500" dirty="0">
+                <a:solidFill>
+                  <a:srgbClr val="268BD2"/>
+                </a:solidFill>
+                <a:latin typeface="Consolas" panose="020B0609020204030204" pitchFamily="49" charset="0"/>
+              </a:rPr>
+              <a:t>form</a:t>
+            </a:r>
+            <a:r>
+              <a:rPr lang="en-US" altLang="zh-CN" sz="1500" dirty="0">
+                <a:solidFill>
+                  <a:srgbClr val="93A1A1"/>
+                </a:solidFill>
+                <a:latin typeface="Consolas" panose="020B0609020204030204" pitchFamily="49" charset="0"/>
+              </a:rPr>
+              <a:t>&gt;</a:t>
+            </a:r>
+            <a:endParaRPr lang="en-US" altLang="zh-CN" sz="1500" dirty="0">
+              <a:solidFill>
+                <a:srgbClr val="333333"/>
+              </a:solidFill>
+              <a:latin typeface="Consolas" panose="020B0609020204030204" pitchFamily="49" charset="0"/>
+            </a:endParaRPr>
+          </a:p>
+          <a:p>
+            <a:r>
+              <a:rPr lang="en-US" altLang="zh-CN" sz="1500" dirty="0">
+                <a:solidFill>
+                  <a:srgbClr val="333333"/>
+                </a:solidFill>
+                <a:latin typeface="Consolas" panose="020B0609020204030204" pitchFamily="49" charset="0"/>
+              </a:rPr>
+              <a:t/>
+            </a:r>
+            <a:br>
+              <a:rPr lang="en-US" altLang="zh-CN" sz="1500" dirty="0">
+                <a:solidFill>
+                  <a:srgbClr val="333333"/>
+                </a:solidFill>
+                <a:latin typeface="Consolas" panose="020B0609020204030204" pitchFamily="49" charset="0"/>
+              </a:rPr>
+            </a:br>
+            <a:r>
+              <a:rPr lang="en-US" altLang="zh-CN" sz="1500" dirty="0">
+                <a:solidFill>
+                  <a:srgbClr val="333333"/>
+                </a:solidFill>
+                <a:latin typeface="Consolas" panose="020B0609020204030204" pitchFamily="49" charset="0"/>
+              </a:rPr>
+              <a:t>    </a:t>
+            </a:r>
+            <a:r>
+              <a:rPr lang="en-US" altLang="zh-CN" sz="1500" dirty="0">
+                <a:solidFill>
+                  <a:srgbClr val="93A1A1"/>
+                </a:solidFill>
+                <a:latin typeface="Consolas" panose="020B0609020204030204" pitchFamily="49" charset="0"/>
+              </a:rPr>
+              <a:t>&lt;</a:t>
+            </a:r>
+            <a:r>
+              <a:rPr lang="en-US" altLang="zh-CN" sz="1500" dirty="0">
+                <a:solidFill>
+                  <a:srgbClr val="268BD2"/>
+                </a:solidFill>
+                <a:latin typeface="Consolas" panose="020B0609020204030204" pitchFamily="49" charset="0"/>
+              </a:rPr>
+              <a:t>app-bottom-menu</a:t>
+            </a:r>
+            <a:r>
+              <a:rPr lang="en-US" altLang="zh-CN" sz="1500" dirty="0">
+                <a:solidFill>
+                  <a:srgbClr val="93A1A1"/>
+                </a:solidFill>
+                <a:latin typeface="Consolas" panose="020B0609020204030204" pitchFamily="49" charset="0"/>
+              </a:rPr>
+              <a:t>&gt;&lt;/</a:t>
+            </a:r>
+            <a:r>
+              <a:rPr lang="en-US" altLang="zh-CN" sz="1500" dirty="0">
+                <a:solidFill>
+                  <a:srgbClr val="268BD2"/>
+                </a:solidFill>
+                <a:latin typeface="Consolas" panose="020B0609020204030204" pitchFamily="49" charset="0"/>
+              </a:rPr>
+              <a:t>app-bottom-menu</a:t>
+            </a:r>
+            <a:r>
+              <a:rPr lang="en-US" altLang="zh-CN" sz="1500" dirty="0">
+                <a:solidFill>
+                  <a:srgbClr val="93A1A1"/>
+                </a:solidFill>
+                <a:latin typeface="Consolas" panose="020B0609020204030204" pitchFamily="49" charset="0"/>
+              </a:rPr>
+              <a:t>&gt;</a:t>
+            </a:r>
+            <a:endParaRPr lang="en-US" altLang="zh-CN" sz="1500" dirty="0">
+              <a:solidFill>
+                <a:srgbClr val="333333"/>
+              </a:solidFill>
+              <a:latin typeface="Consolas" panose="020B0609020204030204" pitchFamily="49" charset="0"/>
+            </a:endParaRPr>
+          </a:p>
+          <a:p>
+            <a:r>
+              <a:rPr lang="en-US" altLang="zh-CN" sz="1500" dirty="0">
+                <a:solidFill>
+                  <a:srgbClr val="333333"/>
+                </a:solidFill>
+                <a:latin typeface="Consolas" panose="020B0609020204030204" pitchFamily="49" charset="0"/>
+              </a:rPr>
+              <a:t>    </a:t>
+            </a:r>
+          </a:p>
+          <a:p>
+            <a:r>
+              <a:rPr lang="en-US" altLang="zh-CN" sz="1500" dirty="0">
+                <a:solidFill>
+                  <a:srgbClr val="93A1A1"/>
+                </a:solidFill>
+                <a:latin typeface="Consolas" panose="020B0609020204030204" pitchFamily="49" charset="0"/>
+              </a:rPr>
+              <a:t>&lt;</a:t>
+            </a:r>
+            <a:r>
+              <a:rPr lang="en-US" altLang="zh-CN" sz="1500" dirty="0">
+                <a:solidFill>
+                  <a:srgbClr val="268BD2"/>
+                </a:solidFill>
+                <a:latin typeface="Consolas" panose="020B0609020204030204" pitchFamily="49" charset="0"/>
+              </a:rPr>
+              <a:t>app-footer</a:t>
+            </a:r>
+            <a:r>
+              <a:rPr lang="en-US" altLang="zh-CN" sz="1500" dirty="0">
+                <a:solidFill>
+                  <a:srgbClr val="93A1A1"/>
+                </a:solidFill>
+                <a:latin typeface="Consolas" panose="020B0609020204030204" pitchFamily="49" charset="0"/>
+              </a:rPr>
+              <a:t>&gt;&lt;/</a:t>
+            </a:r>
+            <a:r>
+              <a:rPr lang="en-US" altLang="zh-CN" sz="1500" dirty="0">
+                <a:solidFill>
+                  <a:srgbClr val="268BD2"/>
+                </a:solidFill>
+                <a:latin typeface="Consolas" panose="020B0609020204030204" pitchFamily="49" charset="0"/>
+              </a:rPr>
+              <a:t>app-footer</a:t>
+            </a:r>
+            <a:r>
+              <a:rPr lang="en-US" altLang="zh-CN" sz="1500" dirty="0">
+                <a:solidFill>
+                  <a:srgbClr val="93A1A1"/>
+                </a:solidFill>
+                <a:latin typeface="Consolas" panose="020B0609020204030204" pitchFamily="49" charset="0"/>
+              </a:rPr>
+              <a:t>&gt;</a:t>
+            </a:r>
+            <a:endParaRPr lang="en-US" altLang="zh-CN" sz="1500" dirty="0">
+              <a:solidFill>
+                <a:srgbClr val="333333"/>
+              </a:solidFill>
+              <a:latin typeface="Consolas" panose="020B0609020204030204" pitchFamily="49" charset="0"/>
+            </a:endParaRPr>
+          </a:p>
+        </p:txBody>
+      </p:sp>
+    </p:spTree>
+    <p:extLst>
+      <p:ext uri="{BB962C8B-B14F-4D97-AF65-F5344CB8AC3E}">
+        <p14:creationId xmlns:p14="http://schemas.microsoft.com/office/powerpoint/2010/main" val="419742159"/>
+      </p:ext>
+    </p:extLst>
+  </p:cSld>
+  <p:clrMapOvr>
+    <a:masterClrMapping/>
+  </p:clrMapOvr>
+  <p:timing>
+    <p:tnLst>
+      <p:par>
+        <p:cTn id="1" dur="indefinite" restart="never" nodeType="tmRoot"/>
+      </p:par>
+    </p:tnLst>
+  </p:timing>
+</p:sld>
+</file>
+
+<file path=ppt/slides/slide4.xml><?xml version="1.0" encoding="utf-8"?>
+<p:sld xmlns:a="http://schemas.openxmlformats.org/drawingml/2006/main" xmlns:r="http://schemas.openxmlformats.org/officeDocument/2006/relationships" xmlns:p="http://schemas.openxmlformats.org/presentationml/2006/main">
+  <p:cSld>
+    <p:spTree>
+      <p:nvGrpSpPr>
+        <p:cNvPr id="1" name=""/>
+        <p:cNvGrpSpPr/>
+        <p:nvPr/>
+      </p:nvGrpSpPr>
+      <p:grpSpPr>
+        <a:xfrm>
+          <a:off x="0" y="0"/>
+          <a:ext cx="0" cy="0"/>
+          <a:chOff x="0" y="0"/>
+          <a:chExt cx="0" cy="0"/>
+        </a:xfrm>
+      </p:grpSpPr>
+      <p:sp>
+        <p:nvSpPr>
+          <p:cNvPr id="3" name="文本框 2"/>
+          <p:cNvSpPr txBox="1"/>
+          <p:nvPr/>
+        </p:nvSpPr>
+        <p:spPr>
+          <a:xfrm>
+            <a:off x="554559" y="332656"/>
+            <a:ext cx="3686587" cy="523220"/>
+          </a:xfrm>
+          <a:prstGeom prst="rect">
+            <a:avLst/>
+          </a:prstGeom>
+          <a:noFill/>
+        </p:spPr>
+        <p:txBody>
+          <a:bodyPr wrap="none" rtlCol="0">
+            <a:spAutoFit/>
+          </a:bodyPr>
+          <a:lstStyle/>
+          <a:p>
+            <a:r>
+              <a:rPr lang="en-US" altLang="zh-CN" sz="2800" b="1" dirty="0" smtClean="0">
+                <a:solidFill>
+                  <a:schemeClr val="tx1">
+                    <a:lumMod val="65000"/>
+                    <a:lumOff val="35000"/>
+                  </a:schemeClr>
+                </a:solidFill>
+                <a:latin typeface="Trebuchet MS" panose="020B0603020202020204" pitchFamily="34" charset="0"/>
+                <a:cs typeface="Calibri" panose="020F0502020204030204" pitchFamily="34" charset="0"/>
+              </a:rPr>
+              <a:t>STATIC COMPONENTS</a:t>
+            </a:r>
+            <a:endParaRPr lang="zh-CN" altLang="en-US" sz="2800" b="1" dirty="0">
+              <a:solidFill>
+                <a:schemeClr val="tx1">
+                  <a:lumMod val="65000"/>
+                  <a:lumOff val="35000"/>
+                </a:schemeClr>
+              </a:solidFill>
+              <a:latin typeface="Trebuchet MS" panose="020B0603020202020204" pitchFamily="34" charset="0"/>
+              <a:cs typeface="Calibri" panose="020F0502020204030204" pitchFamily="34" charset="0"/>
+            </a:endParaRPr>
+          </a:p>
+        </p:txBody>
+      </p:sp>
+      <p:sp>
+        <p:nvSpPr>
+          <p:cNvPr id="4" name="文本框 3"/>
+          <p:cNvSpPr txBox="1"/>
+          <p:nvPr/>
+        </p:nvSpPr>
+        <p:spPr>
+          <a:xfrm>
+            <a:off x="554559" y="1340768"/>
+            <a:ext cx="2204450" cy="369332"/>
+          </a:xfrm>
+          <a:prstGeom prst="rect">
+            <a:avLst/>
+          </a:prstGeom>
+          <a:noFill/>
+        </p:spPr>
+        <p:txBody>
+          <a:bodyPr wrap="none" rtlCol="0">
+            <a:spAutoFit/>
+          </a:bodyPr>
+          <a:lstStyle/>
+          <a:p>
+            <a:pPr marL="285750" indent="-285750">
+              <a:buFont typeface="Wingdings" panose="05000000000000000000" pitchFamily="2" charset="2"/>
+              <a:buChar char="Ø"/>
+            </a:pPr>
+            <a:r>
+              <a:rPr lang="en-US" altLang="zh-CN" dirty="0" smtClean="0">
+                <a:solidFill>
+                  <a:schemeClr val="tx1">
+                    <a:lumMod val="50000"/>
+                    <a:lumOff val="50000"/>
+                  </a:schemeClr>
+                </a:solidFill>
+              </a:rPr>
+              <a:t>Used in template</a:t>
+            </a:r>
+          </a:p>
+        </p:txBody>
+      </p:sp>
+      <p:sp>
+        <p:nvSpPr>
+          <p:cNvPr id="5" name="文本框 4"/>
+          <p:cNvSpPr txBox="1"/>
+          <p:nvPr/>
+        </p:nvSpPr>
+        <p:spPr>
+          <a:xfrm>
+            <a:off x="554559" y="1916832"/>
+            <a:ext cx="3435556" cy="369332"/>
+          </a:xfrm>
+          <a:prstGeom prst="rect">
+            <a:avLst/>
+          </a:prstGeom>
+          <a:noFill/>
+        </p:spPr>
+        <p:txBody>
+          <a:bodyPr wrap="none" rtlCol="0">
+            <a:spAutoFit/>
+          </a:bodyPr>
+          <a:lstStyle/>
+          <a:p>
+            <a:pPr marL="285750" indent="-285750">
+              <a:buFont typeface="Wingdings" panose="05000000000000000000" pitchFamily="2" charset="2"/>
+              <a:buChar char="Ø"/>
+            </a:pPr>
+            <a:r>
+              <a:rPr lang="en-US" altLang="zh-CN" dirty="0" smtClean="0">
+                <a:solidFill>
+                  <a:schemeClr val="tx1">
+                    <a:lumMod val="50000"/>
+                    <a:lumOff val="50000"/>
+                  </a:schemeClr>
+                </a:solidFill>
+              </a:rPr>
+              <a:t>Known in development time</a:t>
+            </a:r>
+          </a:p>
+        </p:txBody>
+      </p:sp>
+      <p:sp>
+        <p:nvSpPr>
+          <p:cNvPr id="6" name="文本框 5"/>
+          <p:cNvSpPr txBox="1"/>
+          <p:nvPr/>
+        </p:nvSpPr>
+        <p:spPr>
+          <a:xfrm>
+            <a:off x="560795" y="2492896"/>
+            <a:ext cx="1896673" cy="369332"/>
+          </a:xfrm>
+          <a:prstGeom prst="rect">
+            <a:avLst/>
+          </a:prstGeom>
+          <a:noFill/>
+        </p:spPr>
+        <p:txBody>
+          <a:bodyPr wrap="none" rtlCol="0">
+            <a:spAutoFit/>
+          </a:bodyPr>
+          <a:lstStyle/>
+          <a:p>
+            <a:pPr marL="285750" indent="-285750">
+              <a:buFont typeface="Wingdings" panose="05000000000000000000" pitchFamily="2" charset="2"/>
+              <a:buChar char="Ø"/>
+            </a:pPr>
+            <a:r>
+              <a:rPr lang="en-US" altLang="zh-CN" dirty="0" smtClean="0">
+                <a:solidFill>
+                  <a:schemeClr val="tx1">
+                    <a:lumMod val="50000"/>
+                    <a:lumOff val="50000"/>
+                  </a:schemeClr>
+                </a:solidFill>
+              </a:rPr>
+              <a:t>Fixed location</a:t>
+            </a:r>
+          </a:p>
+        </p:txBody>
+      </p:sp>
+      <p:sp>
+        <p:nvSpPr>
+          <p:cNvPr id="7" name="文本框 6"/>
+          <p:cNvSpPr txBox="1"/>
+          <p:nvPr/>
+        </p:nvSpPr>
+        <p:spPr>
+          <a:xfrm>
+            <a:off x="560795" y="3071982"/>
+            <a:ext cx="1678665" cy="369332"/>
+          </a:xfrm>
+          <a:prstGeom prst="rect">
+            <a:avLst/>
+          </a:prstGeom>
+          <a:noFill/>
+        </p:spPr>
+        <p:txBody>
+          <a:bodyPr wrap="none" rtlCol="0">
+            <a:spAutoFit/>
+          </a:bodyPr>
+          <a:lstStyle/>
+          <a:p>
+            <a:pPr marL="285750" indent="-285750">
+              <a:buFont typeface="Wingdings" panose="05000000000000000000" pitchFamily="2" charset="2"/>
+              <a:buChar char="Ø"/>
+            </a:pPr>
+            <a:r>
+              <a:rPr lang="en-US" altLang="zh-CN" dirty="0" smtClean="0">
+                <a:solidFill>
+                  <a:schemeClr val="tx1">
+                    <a:lumMod val="50000"/>
+                    <a:lumOff val="50000"/>
+                  </a:schemeClr>
+                </a:solidFill>
+              </a:rPr>
+              <a:t>Hard-coded</a:t>
+            </a:r>
+          </a:p>
+        </p:txBody>
+      </p:sp>
+      <p:sp>
+        <p:nvSpPr>
+          <p:cNvPr id="13" name="矩形 12"/>
+          <p:cNvSpPr/>
+          <p:nvPr/>
+        </p:nvSpPr>
+        <p:spPr>
+          <a:xfrm>
+            <a:off x="4241146" y="1412776"/>
+            <a:ext cx="7186621" cy="4752528"/>
+          </a:xfrm>
+          <a:prstGeom prst="rect">
+            <a:avLst/>
+          </a:prstGeom>
+          <a:solidFill>
+            <a:schemeClr val="tx1">
+              <a:lumMod val="85000"/>
+              <a:lumOff val="15000"/>
+            </a:schemeClr>
+          </a:solidFill>
+          <a:ln w="152400" cap="rnd">
+            <a:solidFill>
+              <a:schemeClr val="tx1">
+                <a:lumMod val="85000"/>
+                <a:lumOff val="15000"/>
+              </a:schemeClr>
+            </a:solidFill>
+          </a:ln>
+        </p:spPr>
+        <p:style>
+          <a:lnRef idx="2">
+            <a:schemeClr val="accent1">
+              <a:shade val="50000"/>
+            </a:schemeClr>
+          </a:lnRef>
+          <a:fillRef idx="1">
+            <a:schemeClr val="accent1"/>
+          </a:fillRef>
+          <a:effectRef idx="0">
+            <a:schemeClr val="accent1"/>
+          </a:effectRef>
+          <a:fontRef idx="minor">
+            <a:schemeClr val="lt1"/>
+          </a:fontRef>
+        </p:style>
+        <p:txBody>
+          <a:bodyPr rtlCol="0" anchor="ctr"/>
+          <a:lstStyle/>
+          <a:p>
+            <a:r>
+              <a:rPr lang="en-US" altLang="zh-CN" sz="1500" dirty="0">
+                <a:solidFill>
+                  <a:srgbClr val="6089B4"/>
+                </a:solidFill>
+                <a:latin typeface="Consolas" panose="020B0609020204030204" pitchFamily="49" charset="0"/>
+              </a:rPr>
+              <a:t>&lt;div</a:t>
+            </a:r>
+            <a:r>
+              <a:rPr lang="en-US" altLang="zh-CN" sz="1500" dirty="0">
+                <a:solidFill>
+                  <a:srgbClr val="D0B344"/>
+                </a:solidFill>
+                <a:latin typeface="Consolas" panose="020B0609020204030204" pitchFamily="49" charset="0"/>
+              </a:rPr>
+              <a:t> *ngSwitch=</a:t>
+            </a:r>
+            <a:r>
+              <a:rPr lang="en-US" altLang="zh-CN" sz="1500" dirty="0">
+                <a:solidFill>
+                  <a:srgbClr val="9AA83A"/>
+                </a:solidFill>
+                <a:latin typeface="Consolas" panose="020B0609020204030204" pitchFamily="49" charset="0"/>
+              </a:rPr>
+              <a:t>"component.type"</a:t>
+            </a:r>
+            <a:r>
+              <a:rPr lang="en-US" altLang="zh-CN" sz="1500" dirty="0">
+                <a:solidFill>
+                  <a:srgbClr val="6089B4"/>
+                </a:solidFill>
+                <a:latin typeface="Consolas" panose="020B0609020204030204" pitchFamily="49" charset="0"/>
+              </a:rPr>
+              <a:t>&gt;</a:t>
+            </a:r>
+            <a:endParaRPr lang="en-US" altLang="zh-CN" sz="1500" dirty="0">
+              <a:solidFill>
+                <a:srgbClr val="C5C8C6"/>
+              </a:solidFill>
+              <a:latin typeface="Consolas" panose="020B0609020204030204" pitchFamily="49" charset="0"/>
+            </a:endParaRPr>
+          </a:p>
+          <a:p>
+            <a:r>
+              <a:rPr lang="en-US" altLang="zh-CN" sz="1500" dirty="0">
+                <a:solidFill>
+                  <a:srgbClr val="C5C8C6"/>
+                </a:solidFill>
+                <a:latin typeface="Consolas" panose="020B0609020204030204" pitchFamily="49" charset="0"/>
+              </a:rPr>
+              <a:t/>
+            </a:r>
+            <a:br>
+              <a:rPr lang="en-US" altLang="zh-CN" sz="1500" dirty="0">
+                <a:solidFill>
+                  <a:srgbClr val="C5C8C6"/>
+                </a:solidFill>
+                <a:latin typeface="Consolas" panose="020B0609020204030204" pitchFamily="49" charset="0"/>
+              </a:rPr>
+            </a:br>
+            <a:r>
+              <a:rPr lang="en-US" altLang="zh-CN" sz="1500" dirty="0">
+                <a:solidFill>
+                  <a:srgbClr val="C5C8C6"/>
+                </a:solidFill>
+                <a:latin typeface="Consolas" panose="020B0609020204030204" pitchFamily="49" charset="0"/>
+              </a:rPr>
+              <a:t>    </a:t>
+            </a:r>
+            <a:r>
+              <a:rPr lang="en-US" altLang="zh-CN" sz="1500" dirty="0">
+                <a:solidFill>
+                  <a:srgbClr val="6089B4"/>
+                </a:solidFill>
+                <a:latin typeface="Consolas" panose="020B0609020204030204" pitchFamily="49" charset="0"/>
+              </a:rPr>
+              <a:t>&lt;app-profile</a:t>
+            </a:r>
+            <a:r>
+              <a:rPr lang="en-US" altLang="zh-CN" sz="1500" dirty="0">
+                <a:solidFill>
+                  <a:srgbClr val="D0B344"/>
+                </a:solidFill>
+                <a:latin typeface="Consolas" panose="020B0609020204030204" pitchFamily="49" charset="0"/>
+              </a:rPr>
+              <a:t> *ngSwitchCase=</a:t>
+            </a:r>
+            <a:r>
+              <a:rPr lang="en-US" altLang="zh-CN" sz="1500" dirty="0">
+                <a:solidFill>
+                  <a:srgbClr val="9AA83A"/>
+                </a:solidFill>
+                <a:latin typeface="Consolas" panose="020B0609020204030204" pitchFamily="49" charset="0"/>
+              </a:rPr>
+              <a:t>"profile"</a:t>
+            </a:r>
+            <a:r>
+              <a:rPr lang="en-US" altLang="zh-CN" sz="1500" dirty="0">
+                <a:solidFill>
+                  <a:srgbClr val="D0B344"/>
+                </a:solidFill>
+                <a:latin typeface="Consolas" panose="020B0609020204030204" pitchFamily="49" charset="0"/>
+              </a:rPr>
+              <a:t> [data]=</a:t>
+            </a:r>
+            <a:r>
+              <a:rPr lang="en-US" altLang="zh-CN" sz="1500" dirty="0">
+                <a:solidFill>
+                  <a:srgbClr val="9AA83A"/>
+                </a:solidFill>
+                <a:latin typeface="Consolas" panose="020B0609020204030204" pitchFamily="49" charset="0"/>
+              </a:rPr>
+              <a:t>"component.data"</a:t>
+            </a:r>
+            <a:r>
+              <a:rPr lang="en-US" altLang="zh-CN" sz="1500" dirty="0">
+                <a:solidFill>
+                  <a:srgbClr val="6089B4"/>
+                </a:solidFill>
+                <a:latin typeface="Consolas" panose="020B0609020204030204" pitchFamily="49" charset="0"/>
+              </a:rPr>
+              <a:t>&gt;</a:t>
+            </a:r>
+            <a:endParaRPr lang="en-US" altLang="zh-CN" sz="1500" dirty="0">
+              <a:solidFill>
+                <a:srgbClr val="C5C8C6"/>
+              </a:solidFill>
+              <a:latin typeface="Consolas" panose="020B0609020204030204" pitchFamily="49" charset="0"/>
+            </a:endParaRPr>
+          </a:p>
+          <a:p>
+            <a:r>
+              <a:rPr lang="en-US" altLang="zh-CN" sz="1500" dirty="0">
+                <a:solidFill>
+                  <a:srgbClr val="C5C8C6"/>
+                </a:solidFill>
+                <a:latin typeface="Consolas" panose="020B0609020204030204" pitchFamily="49" charset="0"/>
+              </a:rPr>
+              <a:t>    </a:t>
+            </a:r>
+            <a:r>
+              <a:rPr lang="en-US" altLang="zh-CN" sz="1500" dirty="0">
+                <a:solidFill>
+                  <a:srgbClr val="6089B4"/>
+                </a:solidFill>
+                <a:latin typeface="Consolas" panose="020B0609020204030204" pitchFamily="49" charset="0"/>
+              </a:rPr>
+              <a:t>&lt;/app-profile&gt;</a:t>
+            </a:r>
+            <a:endParaRPr lang="en-US" altLang="zh-CN" sz="1500" dirty="0">
+              <a:solidFill>
+                <a:srgbClr val="C5C8C6"/>
+              </a:solidFill>
+              <a:latin typeface="Consolas" panose="020B0609020204030204" pitchFamily="49" charset="0"/>
+            </a:endParaRPr>
+          </a:p>
+          <a:p>
+            <a:r>
+              <a:rPr lang="en-US" altLang="zh-CN" sz="1500" dirty="0">
+                <a:solidFill>
+                  <a:srgbClr val="C5C8C6"/>
+                </a:solidFill>
+                <a:latin typeface="Consolas" panose="020B0609020204030204" pitchFamily="49" charset="0"/>
+              </a:rPr>
+              <a:t/>
+            </a:r>
+            <a:br>
+              <a:rPr lang="en-US" altLang="zh-CN" sz="1500" dirty="0">
+                <a:solidFill>
+                  <a:srgbClr val="C5C8C6"/>
+                </a:solidFill>
+                <a:latin typeface="Consolas" panose="020B0609020204030204" pitchFamily="49" charset="0"/>
+              </a:rPr>
+            </a:br>
+            <a:r>
+              <a:rPr lang="en-US" altLang="zh-CN" sz="1500" dirty="0">
+                <a:solidFill>
+                  <a:srgbClr val="C5C8C6"/>
+                </a:solidFill>
+                <a:latin typeface="Consolas" panose="020B0609020204030204" pitchFamily="49" charset="0"/>
+              </a:rPr>
+              <a:t>    </a:t>
+            </a:r>
+            <a:r>
+              <a:rPr lang="en-US" altLang="zh-CN" sz="1500" dirty="0">
+                <a:solidFill>
+                  <a:srgbClr val="6089B4"/>
+                </a:solidFill>
+                <a:latin typeface="Consolas" panose="020B0609020204030204" pitchFamily="49" charset="0"/>
+              </a:rPr>
+              <a:t>&lt;app-card</a:t>
+            </a:r>
+            <a:r>
+              <a:rPr lang="en-US" altLang="zh-CN" sz="1500" dirty="0">
+                <a:solidFill>
+                  <a:srgbClr val="D0B344"/>
+                </a:solidFill>
+                <a:latin typeface="Consolas" panose="020B0609020204030204" pitchFamily="49" charset="0"/>
+              </a:rPr>
+              <a:t> *ngSwitchCase=</a:t>
+            </a:r>
+            <a:r>
+              <a:rPr lang="en-US" altLang="zh-CN" sz="1500" dirty="0">
+                <a:solidFill>
+                  <a:srgbClr val="9AA83A"/>
+                </a:solidFill>
+                <a:latin typeface="Consolas" panose="020B0609020204030204" pitchFamily="49" charset="0"/>
+              </a:rPr>
+              <a:t>"card"</a:t>
+            </a:r>
+            <a:r>
+              <a:rPr lang="en-US" altLang="zh-CN" sz="1500" dirty="0">
+                <a:solidFill>
+                  <a:srgbClr val="D0B344"/>
+                </a:solidFill>
+                <a:latin typeface="Consolas" panose="020B0609020204030204" pitchFamily="49" charset="0"/>
+              </a:rPr>
+              <a:t> [data]=</a:t>
+            </a:r>
+            <a:r>
+              <a:rPr lang="en-US" altLang="zh-CN" sz="1500" dirty="0">
+                <a:solidFill>
+                  <a:srgbClr val="9AA83A"/>
+                </a:solidFill>
+                <a:latin typeface="Consolas" panose="020B0609020204030204" pitchFamily="49" charset="0"/>
+              </a:rPr>
+              <a:t>"component.data"</a:t>
+            </a:r>
+            <a:r>
+              <a:rPr lang="en-US" altLang="zh-CN" sz="1500" dirty="0">
+                <a:solidFill>
+                  <a:srgbClr val="6089B4"/>
+                </a:solidFill>
+                <a:latin typeface="Consolas" panose="020B0609020204030204" pitchFamily="49" charset="0"/>
+              </a:rPr>
+              <a:t>&gt;</a:t>
+            </a:r>
+            <a:endParaRPr lang="en-US" altLang="zh-CN" sz="1500" dirty="0">
+              <a:solidFill>
+                <a:srgbClr val="C5C8C6"/>
+              </a:solidFill>
+              <a:latin typeface="Consolas" panose="020B0609020204030204" pitchFamily="49" charset="0"/>
+            </a:endParaRPr>
+          </a:p>
+          <a:p>
+            <a:r>
+              <a:rPr lang="en-US" altLang="zh-CN" sz="1500" dirty="0">
+                <a:solidFill>
+                  <a:srgbClr val="C5C8C6"/>
+                </a:solidFill>
+                <a:latin typeface="Consolas" panose="020B0609020204030204" pitchFamily="49" charset="0"/>
+              </a:rPr>
+              <a:t>    </a:t>
+            </a:r>
+            <a:r>
+              <a:rPr lang="en-US" altLang="zh-CN" sz="1500" dirty="0">
+                <a:solidFill>
+                  <a:srgbClr val="6089B4"/>
+                </a:solidFill>
+                <a:latin typeface="Consolas" panose="020B0609020204030204" pitchFamily="49" charset="0"/>
+              </a:rPr>
+              <a:t>&lt;/app-card&gt;</a:t>
+            </a:r>
+            <a:endParaRPr lang="en-US" altLang="zh-CN" sz="1500" dirty="0">
+              <a:solidFill>
+                <a:srgbClr val="C5C8C6"/>
+              </a:solidFill>
+              <a:latin typeface="Consolas" panose="020B0609020204030204" pitchFamily="49" charset="0"/>
+            </a:endParaRPr>
+          </a:p>
+          <a:p>
+            <a:r>
+              <a:rPr lang="en-US" altLang="zh-CN" sz="1500" dirty="0">
+                <a:solidFill>
+                  <a:srgbClr val="C5C8C6"/>
+                </a:solidFill>
+                <a:latin typeface="Consolas" panose="020B0609020204030204" pitchFamily="49" charset="0"/>
+              </a:rPr>
+              <a:t/>
+            </a:r>
+            <a:br>
+              <a:rPr lang="en-US" altLang="zh-CN" sz="1500" dirty="0">
+                <a:solidFill>
+                  <a:srgbClr val="C5C8C6"/>
+                </a:solidFill>
+                <a:latin typeface="Consolas" panose="020B0609020204030204" pitchFamily="49" charset="0"/>
+              </a:rPr>
+            </a:br>
+            <a:r>
+              <a:rPr lang="en-US" altLang="zh-CN" sz="1500" dirty="0">
+                <a:solidFill>
+                  <a:srgbClr val="C5C8C6"/>
+                </a:solidFill>
+                <a:latin typeface="Consolas" panose="020B0609020204030204" pitchFamily="49" charset="0"/>
+              </a:rPr>
+              <a:t>    </a:t>
+            </a:r>
+            <a:r>
+              <a:rPr lang="en-US" altLang="zh-CN" sz="1500" dirty="0">
+                <a:solidFill>
+                  <a:srgbClr val="6089B4"/>
+                </a:solidFill>
+                <a:latin typeface="Consolas" panose="020B0609020204030204" pitchFamily="49" charset="0"/>
+              </a:rPr>
+              <a:t>&lt;app-input</a:t>
+            </a:r>
+            <a:r>
+              <a:rPr lang="en-US" altLang="zh-CN" sz="1500" dirty="0">
+                <a:solidFill>
+                  <a:srgbClr val="D0B344"/>
+                </a:solidFill>
+                <a:latin typeface="Consolas" panose="020B0609020204030204" pitchFamily="49" charset="0"/>
+              </a:rPr>
+              <a:t> *ngSwitchCase=</a:t>
+            </a:r>
+            <a:r>
+              <a:rPr lang="en-US" altLang="zh-CN" sz="1500" dirty="0">
+                <a:solidFill>
+                  <a:srgbClr val="9AA83A"/>
+                </a:solidFill>
+                <a:latin typeface="Consolas" panose="020B0609020204030204" pitchFamily="49" charset="0"/>
+              </a:rPr>
+              <a:t>"input"</a:t>
+            </a:r>
+            <a:r>
+              <a:rPr lang="en-US" altLang="zh-CN" sz="1500" dirty="0">
+                <a:solidFill>
+                  <a:srgbClr val="D0B344"/>
+                </a:solidFill>
+                <a:latin typeface="Consolas" panose="020B0609020204030204" pitchFamily="49" charset="0"/>
+              </a:rPr>
+              <a:t> [data]=</a:t>
+            </a:r>
+            <a:r>
+              <a:rPr lang="en-US" altLang="zh-CN" sz="1500" dirty="0">
+                <a:solidFill>
+                  <a:srgbClr val="9AA83A"/>
+                </a:solidFill>
+                <a:latin typeface="Consolas" panose="020B0609020204030204" pitchFamily="49" charset="0"/>
+              </a:rPr>
+              <a:t>"component.data"</a:t>
+            </a:r>
+            <a:r>
+              <a:rPr lang="en-US" altLang="zh-CN" sz="1500" dirty="0">
+                <a:solidFill>
+                  <a:srgbClr val="6089B4"/>
+                </a:solidFill>
+                <a:latin typeface="Consolas" panose="020B0609020204030204" pitchFamily="49" charset="0"/>
+              </a:rPr>
+              <a:t>&gt;</a:t>
+            </a:r>
+            <a:endParaRPr lang="en-US" altLang="zh-CN" sz="1500" dirty="0">
+              <a:solidFill>
+                <a:srgbClr val="C5C8C6"/>
+              </a:solidFill>
+              <a:latin typeface="Consolas" panose="020B0609020204030204" pitchFamily="49" charset="0"/>
+            </a:endParaRPr>
+          </a:p>
+          <a:p>
+            <a:r>
+              <a:rPr lang="en-US" altLang="zh-CN" sz="1500" dirty="0">
+                <a:solidFill>
+                  <a:srgbClr val="C5C8C6"/>
+                </a:solidFill>
+                <a:latin typeface="Consolas" panose="020B0609020204030204" pitchFamily="49" charset="0"/>
+              </a:rPr>
+              <a:t>    </a:t>
+            </a:r>
+            <a:r>
+              <a:rPr lang="en-US" altLang="zh-CN" sz="1500" dirty="0">
+                <a:solidFill>
+                  <a:srgbClr val="6089B4"/>
+                </a:solidFill>
+                <a:latin typeface="Consolas" panose="020B0609020204030204" pitchFamily="49" charset="0"/>
+              </a:rPr>
+              <a:t>&lt;/app-input&gt;</a:t>
+            </a:r>
+            <a:endParaRPr lang="en-US" altLang="zh-CN" sz="1500" dirty="0">
+              <a:solidFill>
+                <a:srgbClr val="C5C8C6"/>
+              </a:solidFill>
+              <a:latin typeface="Consolas" panose="020B0609020204030204" pitchFamily="49" charset="0"/>
+            </a:endParaRPr>
+          </a:p>
+          <a:p>
+            <a:r>
+              <a:rPr lang="en-US" altLang="zh-CN" sz="1500" dirty="0">
+                <a:solidFill>
+                  <a:srgbClr val="C5C8C6"/>
+                </a:solidFill>
+                <a:latin typeface="Consolas" panose="020B0609020204030204" pitchFamily="49" charset="0"/>
+              </a:rPr>
+              <a:t/>
+            </a:r>
+            <a:br>
+              <a:rPr lang="en-US" altLang="zh-CN" sz="1500" dirty="0">
+                <a:solidFill>
+                  <a:srgbClr val="C5C8C6"/>
+                </a:solidFill>
+                <a:latin typeface="Consolas" panose="020B0609020204030204" pitchFamily="49" charset="0"/>
+              </a:rPr>
+            </a:br>
+            <a:r>
+              <a:rPr lang="en-US" altLang="zh-CN" sz="1500" dirty="0">
+                <a:solidFill>
+                  <a:srgbClr val="C5C8C6"/>
+                </a:solidFill>
+                <a:latin typeface="Consolas" panose="020B0609020204030204" pitchFamily="49" charset="0"/>
+              </a:rPr>
+              <a:t>    </a:t>
+            </a:r>
+            <a:r>
+              <a:rPr lang="en-US" altLang="zh-CN" sz="1500" dirty="0">
+                <a:solidFill>
+                  <a:srgbClr val="6089B4"/>
+                </a:solidFill>
+                <a:latin typeface="Consolas" panose="020B0609020204030204" pitchFamily="49" charset="0"/>
+              </a:rPr>
+              <a:t>&lt;app-button</a:t>
+            </a:r>
+            <a:r>
+              <a:rPr lang="en-US" altLang="zh-CN" sz="1500" dirty="0">
+                <a:solidFill>
+                  <a:srgbClr val="D0B344"/>
+                </a:solidFill>
+                <a:latin typeface="Consolas" panose="020B0609020204030204" pitchFamily="49" charset="0"/>
+              </a:rPr>
+              <a:t> *ngSwitchCase=</a:t>
+            </a:r>
+            <a:r>
+              <a:rPr lang="en-US" altLang="zh-CN" sz="1500" dirty="0">
+                <a:solidFill>
+                  <a:srgbClr val="9AA83A"/>
+                </a:solidFill>
+                <a:latin typeface="Consolas" panose="020B0609020204030204" pitchFamily="49" charset="0"/>
+              </a:rPr>
+              <a:t>"button"</a:t>
+            </a:r>
+            <a:r>
+              <a:rPr lang="en-US" altLang="zh-CN" sz="1500" dirty="0">
+                <a:solidFill>
+                  <a:srgbClr val="D0B344"/>
+                </a:solidFill>
+                <a:latin typeface="Consolas" panose="020B0609020204030204" pitchFamily="49" charset="0"/>
+              </a:rPr>
+              <a:t> [data]=</a:t>
+            </a:r>
+            <a:r>
+              <a:rPr lang="en-US" altLang="zh-CN" sz="1500" dirty="0">
+                <a:solidFill>
+                  <a:srgbClr val="9AA83A"/>
+                </a:solidFill>
+                <a:latin typeface="Consolas" panose="020B0609020204030204" pitchFamily="49" charset="0"/>
+              </a:rPr>
+              <a:t>"component.data"</a:t>
+            </a:r>
+            <a:r>
+              <a:rPr lang="en-US" altLang="zh-CN" sz="1500" dirty="0">
+                <a:solidFill>
+                  <a:srgbClr val="6089B4"/>
+                </a:solidFill>
+                <a:latin typeface="Consolas" panose="020B0609020204030204" pitchFamily="49" charset="0"/>
+              </a:rPr>
+              <a:t>&gt;</a:t>
+            </a:r>
+            <a:endParaRPr lang="en-US" altLang="zh-CN" sz="1500" dirty="0">
+              <a:solidFill>
+                <a:srgbClr val="C5C8C6"/>
+              </a:solidFill>
+              <a:latin typeface="Consolas" panose="020B0609020204030204" pitchFamily="49" charset="0"/>
+            </a:endParaRPr>
+          </a:p>
+          <a:p>
+            <a:r>
+              <a:rPr lang="en-US" altLang="zh-CN" sz="1500" dirty="0">
+                <a:solidFill>
+                  <a:srgbClr val="C5C8C6"/>
+                </a:solidFill>
+                <a:latin typeface="Consolas" panose="020B0609020204030204" pitchFamily="49" charset="0"/>
+              </a:rPr>
+              <a:t>    </a:t>
+            </a:r>
+            <a:r>
+              <a:rPr lang="en-US" altLang="zh-CN" sz="1500" dirty="0">
+                <a:solidFill>
+                  <a:srgbClr val="6089B4"/>
+                </a:solidFill>
+                <a:latin typeface="Consolas" panose="020B0609020204030204" pitchFamily="49" charset="0"/>
+              </a:rPr>
+              <a:t>&lt;/app-button&gt;</a:t>
+            </a:r>
+            <a:endParaRPr lang="en-US" altLang="zh-CN" sz="1500" dirty="0">
+              <a:solidFill>
+                <a:srgbClr val="C5C8C6"/>
+              </a:solidFill>
+              <a:latin typeface="Consolas" panose="020B0609020204030204" pitchFamily="49" charset="0"/>
+            </a:endParaRPr>
+          </a:p>
+          <a:p>
+            <a:r>
+              <a:rPr lang="en-US" altLang="zh-CN" sz="1500" dirty="0">
+                <a:solidFill>
+                  <a:srgbClr val="C5C8C6"/>
+                </a:solidFill>
+                <a:latin typeface="Consolas" panose="020B0609020204030204" pitchFamily="49" charset="0"/>
+              </a:rPr>
+              <a:t>    ...</a:t>
+            </a:r>
+          </a:p>
+          <a:p>
+            <a:r>
+              <a:rPr lang="en-US" altLang="zh-CN" sz="1500" dirty="0">
+                <a:solidFill>
+                  <a:srgbClr val="C5C8C6"/>
+                </a:solidFill>
+                <a:latin typeface="Consolas" panose="020B0609020204030204" pitchFamily="49" charset="0"/>
+              </a:rPr>
+              <a:t>    ...</a:t>
+            </a:r>
+          </a:p>
+          <a:p>
+            <a:r>
+              <a:rPr lang="en-US" altLang="zh-CN" sz="1500" dirty="0">
+                <a:solidFill>
+                  <a:srgbClr val="C5C8C6"/>
+                </a:solidFill>
+                <a:latin typeface="Consolas" panose="020B0609020204030204" pitchFamily="49" charset="0"/>
+              </a:rPr>
+              <a:t>    ...</a:t>
+            </a:r>
+          </a:p>
+          <a:p>
+            <a:r>
+              <a:rPr lang="en-US" altLang="zh-CN" sz="1500" dirty="0">
+                <a:solidFill>
+                  <a:srgbClr val="C5C8C6"/>
+                </a:solidFill>
+                <a:latin typeface="Consolas" panose="020B0609020204030204" pitchFamily="49" charset="0"/>
+              </a:rPr>
+              <a:t/>
+            </a:r>
+            <a:br>
+              <a:rPr lang="en-US" altLang="zh-CN" sz="1500" dirty="0">
+                <a:solidFill>
+                  <a:srgbClr val="C5C8C6"/>
+                </a:solidFill>
+                <a:latin typeface="Consolas" panose="020B0609020204030204" pitchFamily="49" charset="0"/>
+              </a:rPr>
+            </a:br>
+            <a:r>
+              <a:rPr lang="en-US" altLang="zh-CN" sz="1500" dirty="0">
+                <a:solidFill>
+                  <a:srgbClr val="6089B4"/>
+                </a:solidFill>
+                <a:latin typeface="Consolas" panose="020B0609020204030204" pitchFamily="49" charset="0"/>
+              </a:rPr>
+              <a:t>&lt;/div&gt;</a:t>
+            </a:r>
+            <a:endParaRPr lang="en-US" altLang="zh-CN" sz="1500" b="0" dirty="0">
+              <a:solidFill>
+                <a:srgbClr val="C5C8C6"/>
+              </a:solidFill>
+              <a:effectLst/>
+              <a:latin typeface="Consolas" panose="020B0609020204030204" pitchFamily="49" charset="0"/>
+            </a:endParaRPr>
+          </a:p>
+        </p:txBody>
+      </p:sp>
+    </p:spTree>
+    <p:extLst>
+      <p:ext uri="{BB962C8B-B14F-4D97-AF65-F5344CB8AC3E}">
+        <p14:creationId xmlns:p14="http://schemas.microsoft.com/office/powerpoint/2010/main" val="941836490"/>
+      </p:ext>
+    </p:extLst>
+  </p:cSld>
+  <p:clrMapOvr>
+    <a:masterClrMapping/>
+  </p:clrMapOvr>
+  <p:timing>
+    <p:tnLst>
+      <p:par>
+        <p:cTn id="1" dur="indefinite" restart="never" nodeType="tmRoot"/>
+      </p:par>
+    </p:tnLst>
+  </p:timing>
+</p:sld>
+</file>
+
+<file path=ppt/slides/slide5.xml><?xml version="1.0" encoding="utf-8"?>
+<p:sld xmlns:a="http://schemas.openxmlformats.org/drawingml/2006/main" xmlns:r="http://schemas.openxmlformats.org/officeDocument/2006/relationships" xmlns:p="http://schemas.openxmlformats.org/presentationml/2006/main">
+  <p:cSld>
+    <p:spTree>
+      <p:nvGrpSpPr>
+        <p:cNvPr id="1" name=""/>
+        <p:cNvGrpSpPr/>
+        <p:nvPr/>
+      </p:nvGrpSpPr>
+      <p:grpSpPr>
+        <a:xfrm>
+          <a:off x="0" y="0"/>
+          <a:ext cx="0" cy="0"/>
+          <a:chOff x="0" y="0"/>
+          <a:chExt cx="0" cy="0"/>
+        </a:xfrm>
+      </p:grpSpPr>
+      <p:sp>
+        <p:nvSpPr>
+          <p:cNvPr id="3" name="文本框 2"/>
+          <p:cNvSpPr txBox="1"/>
+          <p:nvPr/>
+        </p:nvSpPr>
+        <p:spPr>
+          <a:xfrm>
+            <a:off x="554559" y="332656"/>
+            <a:ext cx="1957587" cy="523220"/>
+          </a:xfrm>
+          <a:prstGeom prst="rect">
+            <a:avLst/>
+          </a:prstGeom>
+          <a:noFill/>
+        </p:spPr>
+        <p:txBody>
+          <a:bodyPr wrap="none" rtlCol="0">
+            <a:spAutoFit/>
+          </a:bodyPr>
+          <a:lstStyle/>
+          <a:p>
+            <a:r>
+              <a:rPr lang="en-US" altLang="zh-CN" sz="2800" b="1" dirty="0" smtClean="0">
+                <a:solidFill>
+                  <a:schemeClr val="tx1">
+                    <a:lumMod val="65000"/>
+                    <a:lumOff val="35000"/>
+                  </a:schemeClr>
+                </a:solidFill>
+                <a:latin typeface="Trebuchet MS" panose="020B0603020202020204" pitchFamily="34" charset="0"/>
+                <a:cs typeface="Calibri" panose="020F0502020204030204" pitchFamily="34" charset="0"/>
+              </a:rPr>
+              <a:t>IMAGINE...</a:t>
+            </a:r>
+            <a:endParaRPr lang="zh-CN" altLang="en-US" sz="2800" b="1" dirty="0">
+              <a:solidFill>
+                <a:schemeClr val="tx1">
+                  <a:lumMod val="65000"/>
+                  <a:lumOff val="35000"/>
+                </a:schemeClr>
+              </a:solidFill>
+              <a:latin typeface="Trebuchet MS" panose="020B0603020202020204" pitchFamily="34" charset="0"/>
+              <a:cs typeface="Calibri" panose="020F0502020204030204" pitchFamily="34" charset="0"/>
+            </a:endParaRPr>
+          </a:p>
+        </p:txBody>
+      </p:sp>
+      <p:sp>
+        <p:nvSpPr>
+          <p:cNvPr id="13" name="矩形 12"/>
+          <p:cNvSpPr/>
+          <p:nvPr/>
+        </p:nvSpPr>
+        <p:spPr>
+          <a:xfrm>
+            <a:off x="3650903" y="1628800"/>
+            <a:ext cx="4896544" cy="3960440"/>
+          </a:xfrm>
+          <a:prstGeom prst="rect">
+            <a:avLst/>
+          </a:prstGeom>
+          <a:solidFill>
+            <a:schemeClr val="tx1">
+              <a:lumMod val="85000"/>
+              <a:lumOff val="15000"/>
+            </a:schemeClr>
+          </a:solidFill>
+          <a:ln w="152400" cap="rnd">
+            <a:solidFill>
+              <a:schemeClr val="tx1">
+                <a:lumMod val="85000"/>
+                <a:lumOff val="15000"/>
+              </a:schemeClr>
+            </a:solidFill>
+          </a:ln>
+        </p:spPr>
+        <p:style>
+          <a:lnRef idx="2">
+            <a:schemeClr val="accent1">
+              <a:shade val="50000"/>
+            </a:schemeClr>
+          </a:lnRef>
+          <a:fillRef idx="1">
+            <a:schemeClr val="accent1"/>
+          </a:fillRef>
+          <a:effectRef idx="0">
+            <a:schemeClr val="accent1"/>
+          </a:effectRef>
+          <a:fontRef idx="minor">
+            <a:schemeClr val="lt1"/>
+          </a:fontRef>
+        </p:style>
+        <p:txBody>
+          <a:bodyPr rtlCol="0" anchor="ctr"/>
+          <a:lstStyle/>
+          <a:p>
+            <a:pPr algn="ctr"/>
+            <a:r>
+              <a:rPr lang="en-US" altLang="zh-CN" sz="1500" dirty="0">
+                <a:solidFill>
+                  <a:srgbClr val="6089B4"/>
+                </a:solidFill>
+                <a:latin typeface="Consolas" panose="020B0609020204030204" pitchFamily="49" charset="0"/>
+              </a:rPr>
+              <a:t>&lt;div</a:t>
+            </a:r>
+            <a:r>
+              <a:rPr lang="en-US" altLang="zh-CN" sz="1500" dirty="0">
+                <a:solidFill>
+                  <a:srgbClr val="D0B344"/>
+                </a:solidFill>
+                <a:latin typeface="Consolas" panose="020B0609020204030204" pitchFamily="49" charset="0"/>
+              </a:rPr>
+              <a:t> </a:t>
+            </a:r>
+            <a:r>
+              <a:rPr lang="en-US" altLang="zh-CN" sz="1500" dirty="0" smtClean="0">
+                <a:solidFill>
+                  <a:srgbClr val="D0B344"/>
+                </a:solidFill>
+                <a:latin typeface="Consolas" panose="020B0609020204030204" pitchFamily="49" charset="0"/>
+              </a:rPr>
+              <a:t>#viewcontainer</a:t>
+            </a:r>
+            <a:r>
+              <a:rPr lang="en-US" altLang="zh-CN" sz="1500" dirty="0" smtClean="0">
+                <a:solidFill>
+                  <a:srgbClr val="6089B4"/>
+                </a:solidFill>
+                <a:latin typeface="Consolas" panose="020B0609020204030204" pitchFamily="49" charset="0"/>
+              </a:rPr>
+              <a:t>&gt;&lt;/</a:t>
+            </a:r>
+            <a:r>
+              <a:rPr lang="en-US" altLang="zh-CN" sz="1500" dirty="0">
+                <a:solidFill>
+                  <a:srgbClr val="6089B4"/>
+                </a:solidFill>
+                <a:latin typeface="Consolas" panose="020B0609020204030204" pitchFamily="49" charset="0"/>
+              </a:rPr>
+              <a:t>div&gt;</a:t>
+            </a:r>
+            <a:endParaRPr lang="en-US" altLang="zh-CN" sz="1500" b="0" dirty="0">
+              <a:solidFill>
+                <a:srgbClr val="C5C8C6"/>
+              </a:solidFill>
+              <a:effectLst/>
+              <a:latin typeface="Consolas" panose="020B0609020204030204" pitchFamily="49" charset="0"/>
+            </a:endParaRPr>
+          </a:p>
+        </p:txBody>
+      </p:sp>
+    </p:spTree>
+    <p:extLst>
+      <p:ext uri="{BB962C8B-B14F-4D97-AF65-F5344CB8AC3E}">
+        <p14:creationId xmlns:p14="http://schemas.microsoft.com/office/powerpoint/2010/main" val="1716537356"/>
+      </p:ext>
+    </p:extLst>
+  </p:cSld>
+  <p:clrMapOvr>
+    <a:masterClrMapping/>
+  </p:clrMapOvr>
+  <p:timing>
+    <p:tnLst>
+      <p:par>
+        <p:cTn id="1" dur="indefinite" restart="never" nodeType="tmRoot"/>
+      </p:par>
+    </p:tnLst>
+  </p:timing>
+</p:sld>
+</file>
+
+<file path=ppt/slides/slide6.xml><?xml version="1.0" encoding="utf-8"?>
+<p:sld xmlns:a="http://schemas.openxmlformats.org/drawingml/2006/main" xmlns:r="http://schemas.openxmlformats.org/officeDocument/2006/relationships" xmlns:p="http://schemas.openxmlformats.org/presentationml/2006/main">
+  <p:cSld>
+    <p:spTree>
+      <p:nvGrpSpPr>
+        <p:cNvPr id="1" name=""/>
+        <p:cNvGrpSpPr/>
+        <p:nvPr/>
+      </p:nvGrpSpPr>
+      <p:grpSpPr>
+        <a:xfrm>
+          <a:off x="0" y="0"/>
+          <a:ext cx="0" cy="0"/>
+          <a:chOff x="0" y="0"/>
+          <a:chExt cx="0" cy="0"/>
+        </a:xfrm>
+      </p:grpSpPr>
+      <p:sp>
+        <p:nvSpPr>
+          <p:cNvPr id="3" name="文本框 2"/>
+          <p:cNvSpPr txBox="1"/>
+          <p:nvPr/>
+        </p:nvSpPr>
+        <p:spPr>
+          <a:xfrm>
+            <a:off x="554559" y="332656"/>
+            <a:ext cx="4089581" cy="523220"/>
+          </a:xfrm>
+          <a:prstGeom prst="rect">
+            <a:avLst/>
+          </a:prstGeom>
+          <a:noFill/>
+        </p:spPr>
+        <p:txBody>
+          <a:bodyPr wrap="none" rtlCol="0">
+            <a:spAutoFit/>
+          </a:bodyPr>
+          <a:lstStyle/>
+          <a:p>
+            <a:r>
+              <a:rPr lang="en-US" altLang="zh-CN" sz="2800" b="1" dirty="0" smtClean="0">
+                <a:solidFill>
+                  <a:schemeClr val="tx1">
+                    <a:lumMod val="65000"/>
+                    <a:lumOff val="35000"/>
+                  </a:schemeClr>
+                </a:solidFill>
+                <a:latin typeface="Trebuchet MS" panose="020B0603020202020204" pitchFamily="34" charset="0"/>
+                <a:cs typeface="Calibri" panose="020F0502020204030204" pitchFamily="34" charset="0"/>
+              </a:rPr>
+              <a:t>DYNAMIC COMPONENTS</a:t>
+            </a:r>
+            <a:endParaRPr lang="zh-CN" altLang="en-US" sz="2800" b="1" dirty="0">
+              <a:solidFill>
+                <a:schemeClr val="tx1">
+                  <a:lumMod val="65000"/>
+                  <a:lumOff val="35000"/>
+                </a:schemeClr>
+              </a:solidFill>
+              <a:latin typeface="Trebuchet MS" panose="020B0603020202020204" pitchFamily="34" charset="0"/>
+              <a:cs typeface="Calibri" panose="020F0502020204030204" pitchFamily="34" charset="0"/>
+            </a:endParaRPr>
+          </a:p>
+        </p:txBody>
+      </p:sp>
+      <p:sp>
+        <p:nvSpPr>
+          <p:cNvPr id="4" name="文本框 3"/>
+          <p:cNvSpPr txBox="1"/>
+          <p:nvPr/>
+        </p:nvSpPr>
+        <p:spPr>
+          <a:xfrm>
+            <a:off x="554559" y="1340768"/>
+            <a:ext cx="2281394" cy="369332"/>
+          </a:xfrm>
+          <a:prstGeom prst="rect">
+            <a:avLst/>
+          </a:prstGeom>
+          <a:noFill/>
+        </p:spPr>
+        <p:txBody>
+          <a:bodyPr wrap="none" rtlCol="0">
+            <a:spAutoFit/>
+          </a:bodyPr>
+          <a:lstStyle/>
+          <a:p>
+            <a:pPr marL="285750" indent="-285750">
+              <a:buFont typeface="Wingdings" panose="05000000000000000000" pitchFamily="2" charset="2"/>
+              <a:buChar char="Ø"/>
+            </a:pPr>
+            <a:r>
+              <a:rPr lang="en-US" altLang="zh-CN" dirty="0" smtClean="0">
+                <a:solidFill>
+                  <a:schemeClr val="tx1">
+                    <a:lumMod val="50000"/>
+                    <a:lumOff val="50000"/>
+                  </a:schemeClr>
+                </a:solidFill>
+              </a:rPr>
+              <a:t>Added in run time</a:t>
+            </a:r>
+          </a:p>
+        </p:txBody>
+      </p:sp>
+      <p:sp>
+        <p:nvSpPr>
+          <p:cNvPr id="5" name="文本框 4"/>
+          <p:cNvSpPr txBox="1"/>
+          <p:nvPr/>
+        </p:nvSpPr>
+        <p:spPr>
+          <a:xfrm>
+            <a:off x="554559" y="1916832"/>
+            <a:ext cx="3602268" cy="369332"/>
+          </a:xfrm>
+          <a:prstGeom prst="rect">
+            <a:avLst/>
+          </a:prstGeom>
+          <a:noFill/>
+        </p:spPr>
+        <p:txBody>
+          <a:bodyPr wrap="none" rtlCol="0">
+            <a:spAutoFit/>
+          </a:bodyPr>
+          <a:lstStyle/>
+          <a:p>
+            <a:pPr marL="285750" indent="-285750">
+              <a:buFont typeface="Wingdings" panose="05000000000000000000" pitchFamily="2" charset="2"/>
+              <a:buChar char="Ø"/>
+            </a:pPr>
+            <a:r>
+              <a:rPr lang="en-US" altLang="zh-CN" dirty="0" smtClean="0">
+                <a:solidFill>
+                  <a:schemeClr val="tx1">
+                    <a:lumMod val="50000"/>
+                    <a:lumOff val="50000"/>
+                  </a:schemeClr>
+                </a:solidFill>
+              </a:rPr>
+              <a:t>Load configuration from server</a:t>
+            </a:r>
+          </a:p>
+        </p:txBody>
+      </p:sp>
+      <p:sp>
+        <p:nvSpPr>
+          <p:cNvPr id="6" name="文本框 5"/>
+          <p:cNvSpPr txBox="1"/>
+          <p:nvPr/>
+        </p:nvSpPr>
+        <p:spPr>
+          <a:xfrm>
+            <a:off x="560795" y="2492896"/>
+            <a:ext cx="1717137" cy="369332"/>
+          </a:xfrm>
+          <a:prstGeom prst="rect">
+            <a:avLst/>
+          </a:prstGeom>
+          <a:noFill/>
+        </p:spPr>
+        <p:txBody>
+          <a:bodyPr wrap="none" rtlCol="0">
+            <a:spAutoFit/>
+          </a:bodyPr>
+          <a:lstStyle/>
+          <a:p>
+            <a:pPr marL="285750" indent="-285750">
+              <a:buFont typeface="Wingdings" panose="05000000000000000000" pitchFamily="2" charset="2"/>
+              <a:buChar char="Ø"/>
+            </a:pPr>
+            <a:r>
+              <a:rPr lang="en-US" altLang="zh-CN" dirty="0" smtClean="0">
+                <a:solidFill>
+                  <a:schemeClr val="tx1">
+                    <a:lumMod val="50000"/>
+                    <a:lumOff val="50000"/>
+                  </a:schemeClr>
+                </a:solidFill>
+              </a:rPr>
+              <a:t>Lazy loaded</a:t>
+            </a:r>
+          </a:p>
+        </p:txBody>
+      </p:sp>
+      <p:sp>
+        <p:nvSpPr>
+          <p:cNvPr id="13" name="矩形 12"/>
+          <p:cNvSpPr/>
+          <p:nvPr/>
+        </p:nvSpPr>
+        <p:spPr>
+          <a:xfrm>
+            <a:off x="4226967" y="2677562"/>
+            <a:ext cx="7344816" cy="3394248"/>
+          </a:xfrm>
+          <a:prstGeom prst="rect">
+            <a:avLst/>
+          </a:prstGeom>
+          <a:solidFill>
+            <a:schemeClr val="tx1">
+              <a:lumMod val="85000"/>
+              <a:lumOff val="15000"/>
+            </a:schemeClr>
+          </a:solidFill>
+          <a:ln w="152400" cap="rnd">
+            <a:solidFill>
+              <a:schemeClr val="tx1">
+                <a:lumMod val="85000"/>
+                <a:lumOff val="15000"/>
+              </a:schemeClr>
+            </a:solidFill>
+          </a:ln>
+        </p:spPr>
+        <p:style>
+          <a:lnRef idx="2">
+            <a:schemeClr val="accent1">
+              <a:shade val="50000"/>
+            </a:schemeClr>
+          </a:lnRef>
+          <a:fillRef idx="1">
+            <a:schemeClr val="accent1"/>
+          </a:fillRef>
+          <a:effectRef idx="0">
+            <a:schemeClr val="accent1"/>
+          </a:effectRef>
+          <a:fontRef idx="minor">
+            <a:schemeClr val="lt1"/>
+          </a:fontRef>
+        </p:style>
+        <p:txBody>
+          <a:bodyPr rtlCol="0" anchor="ctr"/>
+          <a:lstStyle/>
+          <a:p>
+            <a:pPr>
+              <a:lnSpc>
+                <a:spcPct val="200000"/>
+              </a:lnSpc>
+            </a:pPr>
+            <a:r>
+              <a:rPr lang="en-US" altLang="zh-CN" sz="1400" dirty="0">
+                <a:solidFill>
+                  <a:srgbClr val="6089B4"/>
+                </a:solidFill>
+                <a:latin typeface="Consolas" panose="020B0609020204030204" pitchFamily="49" charset="0"/>
+              </a:rPr>
+              <a:t>&lt;div</a:t>
+            </a:r>
+            <a:r>
+              <a:rPr lang="en-US" altLang="zh-CN" sz="1400" dirty="0">
+                <a:solidFill>
+                  <a:srgbClr val="D0B344"/>
+                </a:solidFill>
+                <a:latin typeface="Consolas" panose="020B0609020204030204" pitchFamily="49" charset="0"/>
+              </a:rPr>
+              <a:t> #viewcontainer</a:t>
+            </a:r>
+            <a:r>
+              <a:rPr lang="en-US" altLang="zh-CN" sz="1400" dirty="0">
+                <a:solidFill>
+                  <a:srgbClr val="6089B4"/>
+                </a:solidFill>
+                <a:latin typeface="Consolas" panose="020B0609020204030204" pitchFamily="49" charset="0"/>
+              </a:rPr>
+              <a:t>&gt;&lt;/div</a:t>
+            </a:r>
+            <a:r>
+              <a:rPr lang="en-US" altLang="zh-CN" sz="1400" dirty="0" smtClean="0">
+                <a:solidFill>
+                  <a:srgbClr val="6089B4"/>
+                </a:solidFill>
+                <a:latin typeface="Consolas" panose="020B0609020204030204" pitchFamily="49" charset="0"/>
+              </a:rPr>
+              <a:t>&gt;</a:t>
+            </a:r>
+          </a:p>
+          <a:p>
+            <a:pPr>
+              <a:lnSpc>
+                <a:spcPct val="200000"/>
+              </a:lnSpc>
+            </a:pPr>
+            <a:r>
+              <a:rPr lang="en-US" altLang="zh-CN" sz="1400" dirty="0">
+                <a:solidFill>
+                  <a:srgbClr val="C5C8C6"/>
+                </a:solidFill>
+                <a:latin typeface="Consolas" panose="020B0609020204030204" pitchFamily="49" charset="0"/>
+              </a:rPr>
+              <a:t>@</a:t>
+            </a:r>
+            <a:r>
+              <a:rPr lang="en-US" altLang="zh-CN" sz="1400" dirty="0" smtClean="0">
+                <a:solidFill>
+                  <a:srgbClr val="CE6700"/>
+                </a:solidFill>
+                <a:latin typeface="Consolas" panose="020B0609020204030204" pitchFamily="49" charset="0"/>
+              </a:rPr>
+              <a:t>ViewChild</a:t>
+            </a:r>
+            <a:r>
+              <a:rPr lang="en-US" altLang="zh-CN" sz="1400" dirty="0" smtClean="0">
+                <a:solidFill>
+                  <a:srgbClr val="C5C8C6"/>
+                </a:solidFill>
+                <a:latin typeface="Consolas" panose="020B0609020204030204" pitchFamily="49" charset="0"/>
+              </a:rPr>
+              <a:t>(</a:t>
+            </a:r>
+            <a:r>
+              <a:rPr lang="en-US" altLang="zh-CN" sz="1400" dirty="0" smtClean="0">
+                <a:solidFill>
+                  <a:srgbClr val="D0B344"/>
+                </a:solidFill>
+                <a:latin typeface="Consolas" panose="020B0609020204030204" pitchFamily="49" charset="0"/>
+              </a:rPr>
+              <a:t>viewcontainer</a:t>
+            </a:r>
+            <a:r>
+              <a:rPr lang="en-US" altLang="zh-CN" sz="1400" dirty="0" smtClean="0">
+                <a:solidFill>
+                  <a:srgbClr val="9AA83A"/>
+                </a:solidFill>
+                <a:latin typeface="Consolas" panose="020B0609020204030204" pitchFamily="49" charset="0"/>
+              </a:rPr>
+              <a:t>'</a:t>
+            </a:r>
+            <a:r>
+              <a:rPr lang="en-US" altLang="zh-CN" sz="1400" dirty="0" smtClean="0">
+                <a:solidFill>
+                  <a:srgbClr val="C5C8C6"/>
+                </a:solidFill>
+                <a:latin typeface="Consolas" panose="020B0609020204030204" pitchFamily="49" charset="0"/>
+              </a:rPr>
+              <a:t>,</a:t>
+            </a:r>
+            <a:r>
+              <a:rPr lang="en-US" altLang="zh-CN" sz="1400" dirty="0">
+                <a:solidFill>
+                  <a:srgbClr val="C5C8C6"/>
+                </a:solidFill>
+                <a:latin typeface="Consolas" panose="020B0609020204030204" pitchFamily="49" charset="0"/>
+              </a:rPr>
+              <a:t> { read: </a:t>
+            </a:r>
+            <a:r>
+              <a:rPr lang="en-US" altLang="zh-CN" sz="1400" dirty="0" smtClean="0">
+                <a:solidFill>
+                  <a:srgbClr val="6089B4"/>
+                </a:solidFill>
+                <a:latin typeface="Consolas" panose="020B0609020204030204" pitchFamily="49" charset="0"/>
+              </a:rPr>
+              <a:t>ViewContainerRef</a:t>
+            </a:r>
+            <a:r>
+              <a:rPr lang="en-US" altLang="zh-CN" sz="1400" dirty="0">
+                <a:solidFill>
+                  <a:srgbClr val="C5C8C6"/>
+                </a:solidFill>
+                <a:latin typeface="Consolas" panose="020B0609020204030204" pitchFamily="49" charset="0"/>
+              </a:rPr>
+              <a:t> }) </a:t>
+            </a:r>
+            <a:r>
+              <a:rPr lang="en-US" altLang="zh-CN" sz="1400" dirty="0" smtClean="0">
+                <a:solidFill>
+                  <a:srgbClr val="C5C8C6"/>
+                </a:solidFill>
+                <a:latin typeface="Consolas" panose="020B0609020204030204" pitchFamily="49" charset="0"/>
+              </a:rPr>
+              <a:t>vcr;</a:t>
+            </a:r>
+          </a:p>
+          <a:p>
+            <a:pPr>
+              <a:lnSpc>
+                <a:spcPct val="200000"/>
+              </a:lnSpc>
+            </a:pPr>
+            <a:r>
+              <a:rPr lang="en-US" altLang="zh-CN" sz="1400" dirty="0" smtClean="0">
+                <a:solidFill>
+                  <a:srgbClr val="9872A2"/>
+                </a:solidFill>
+                <a:latin typeface="Consolas" panose="020B0609020204030204" pitchFamily="49" charset="0"/>
+              </a:rPr>
+              <a:t>constructor</a:t>
+            </a:r>
+            <a:r>
+              <a:rPr lang="en-US" altLang="zh-CN" sz="1400" dirty="0" smtClean="0">
+                <a:solidFill>
+                  <a:srgbClr val="C5C8C6"/>
+                </a:solidFill>
+                <a:latin typeface="Consolas" panose="020B0609020204030204" pitchFamily="49" charset="0"/>
+              </a:rPr>
+              <a:t>(</a:t>
+            </a:r>
+            <a:r>
+              <a:rPr lang="en-US" altLang="zh-CN" sz="1400" dirty="0" smtClean="0">
+                <a:solidFill>
+                  <a:srgbClr val="9872A2"/>
+                </a:solidFill>
+                <a:latin typeface="Consolas" panose="020B0609020204030204" pitchFamily="49" charset="0"/>
+              </a:rPr>
+              <a:t>private</a:t>
+            </a:r>
+            <a:r>
+              <a:rPr lang="en-US" altLang="zh-CN" sz="1400" dirty="0">
+                <a:solidFill>
+                  <a:srgbClr val="C5C8C6"/>
+                </a:solidFill>
+                <a:latin typeface="Consolas" panose="020B0609020204030204" pitchFamily="49" charset="0"/>
+              </a:rPr>
+              <a:t> </a:t>
+            </a:r>
+            <a:r>
+              <a:rPr lang="en-US" altLang="zh-CN" sz="1400" dirty="0" smtClean="0">
+                <a:solidFill>
+                  <a:srgbClr val="6089B4"/>
+                </a:solidFill>
+                <a:latin typeface="Consolas" panose="020B0609020204030204" pitchFamily="49" charset="0"/>
+              </a:rPr>
+              <a:t>cfr</a:t>
+            </a:r>
+            <a:r>
+              <a:rPr lang="en-US" altLang="zh-CN" sz="1400" dirty="0" smtClean="0">
+                <a:solidFill>
+                  <a:srgbClr val="676867"/>
+                </a:solidFill>
+                <a:latin typeface="Consolas" panose="020B0609020204030204" pitchFamily="49" charset="0"/>
+              </a:rPr>
+              <a:t>:</a:t>
+            </a:r>
+            <a:r>
+              <a:rPr lang="en-US" altLang="zh-CN" sz="1400" dirty="0">
+                <a:solidFill>
+                  <a:srgbClr val="C5C8C6"/>
+                </a:solidFill>
+                <a:latin typeface="Consolas" panose="020B0609020204030204" pitchFamily="49" charset="0"/>
+              </a:rPr>
+              <a:t> </a:t>
+            </a:r>
+            <a:r>
+              <a:rPr lang="en-US" altLang="zh-CN" sz="1400" dirty="0">
+                <a:solidFill>
+                  <a:srgbClr val="CE6700"/>
+                </a:solidFill>
+                <a:latin typeface="Consolas" panose="020B0609020204030204" pitchFamily="49" charset="0"/>
+              </a:rPr>
+              <a:t>ComponentFactoryResolver</a:t>
+            </a:r>
+            <a:r>
+              <a:rPr lang="en-US" altLang="zh-CN" sz="1400" dirty="0">
+                <a:solidFill>
+                  <a:srgbClr val="C5C8C6"/>
+                </a:solidFill>
+                <a:latin typeface="Consolas" panose="020B0609020204030204" pitchFamily="49" charset="0"/>
+              </a:rPr>
+              <a:t>) { }</a:t>
+            </a:r>
+          </a:p>
+          <a:p>
+            <a:pPr>
+              <a:lnSpc>
+                <a:spcPct val="200000"/>
+              </a:lnSpc>
+            </a:pPr>
+            <a:r>
+              <a:rPr lang="en-US" altLang="zh-CN" sz="1400" dirty="0">
+                <a:solidFill>
+                  <a:srgbClr val="9872A2"/>
+                </a:solidFill>
+                <a:latin typeface="Consolas" panose="020B0609020204030204" pitchFamily="49" charset="0"/>
+              </a:rPr>
+              <a:t>const</a:t>
+            </a:r>
+            <a:r>
+              <a:rPr lang="en-US" altLang="zh-CN" sz="1400" dirty="0">
+                <a:solidFill>
+                  <a:srgbClr val="C5C8C6"/>
+                </a:solidFill>
+                <a:latin typeface="Consolas" panose="020B0609020204030204" pitchFamily="49" charset="0"/>
+              </a:rPr>
+              <a:t> </a:t>
+            </a:r>
+            <a:r>
+              <a:rPr lang="en-US" altLang="zh-CN" sz="1400" dirty="0">
+                <a:solidFill>
+                  <a:srgbClr val="6089B4"/>
+                </a:solidFill>
+                <a:latin typeface="Consolas" panose="020B0609020204030204" pitchFamily="49" charset="0"/>
+              </a:rPr>
+              <a:t>componentFactory</a:t>
+            </a:r>
+            <a:r>
+              <a:rPr lang="en-US" altLang="zh-CN" sz="1400" dirty="0">
+                <a:solidFill>
+                  <a:srgbClr val="C5C8C6"/>
+                </a:solidFill>
+                <a:latin typeface="Consolas" panose="020B0609020204030204" pitchFamily="49" charset="0"/>
+              </a:rPr>
+              <a:t> </a:t>
+            </a:r>
+            <a:r>
+              <a:rPr lang="en-US" altLang="zh-CN" sz="1400" dirty="0">
+                <a:solidFill>
+                  <a:srgbClr val="676867"/>
+                </a:solidFill>
+                <a:latin typeface="Consolas" panose="020B0609020204030204" pitchFamily="49" charset="0"/>
+              </a:rPr>
+              <a:t>=</a:t>
+            </a:r>
+            <a:r>
+              <a:rPr lang="en-US" altLang="zh-CN" sz="1400" dirty="0">
+                <a:solidFill>
+                  <a:srgbClr val="C5C8C6"/>
+                </a:solidFill>
+                <a:latin typeface="Consolas" panose="020B0609020204030204" pitchFamily="49" charset="0"/>
+              </a:rPr>
+              <a:t> </a:t>
+            </a:r>
+            <a:r>
+              <a:rPr lang="en-US" altLang="zh-CN" sz="1400" dirty="0">
+                <a:solidFill>
+                  <a:srgbClr val="C7444A"/>
+                </a:solidFill>
+                <a:latin typeface="Consolas" panose="020B0609020204030204" pitchFamily="49" charset="0"/>
+              </a:rPr>
+              <a:t>this</a:t>
+            </a:r>
+            <a:r>
+              <a:rPr lang="en-US" altLang="zh-CN" sz="1400" dirty="0" smtClean="0">
+                <a:solidFill>
+                  <a:srgbClr val="C5C8C6"/>
+                </a:solidFill>
+                <a:latin typeface="Consolas" panose="020B0609020204030204" pitchFamily="49" charset="0"/>
+              </a:rPr>
+              <a:t>.</a:t>
+            </a:r>
+            <a:r>
+              <a:rPr lang="en-US" altLang="zh-CN" sz="1400" dirty="0" smtClean="0">
+                <a:solidFill>
+                  <a:srgbClr val="6089B4"/>
+                </a:solidFill>
+                <a:latin typeface="Consolas" panose="020B0609020204030204" pitchFamily="49" charset="0"/>
+              </a:rPr>
+              <a:t> cfr</a:t>
+            </a:r>
+            <a:r>
+              <a:rPr lang="en-US" altLang="zh-CN" sz="1400" dirty="0" smtClean="0">
+                <a:solidFill>
+                  <a:srgbClr val="C5C8C6"/>
+                </a:solidFill>
+                <a:latin typeface="Consolas" panose="020B0609020204030204" pitchFamily="49" charset="0"/>
+              </a:rPr>
+              <a:t>.</a:t>
+            </a:r>
+            <a:r>
+              <a:rPr lang="en-US" altLang="zh-CN" sz="1400" dirty="0" smtClean="0">
+                <a:solidFill>
+                  <a:srgbClr val="CE6700"/>
+                </a:solidFill>
+                <a:latin typeface="Consolas" panose="020B0609020204030204" pitchFamily="49" charset="0"/>
+              </a:rPr>
+              <a:t>resolveComponentFactory</a:t>
+            </a:r>
+            <a:r>
+              <a:rPr lang="en-US" altLang="zh-CN" sz="1400" dirty="0" smtClean="0">
+                <a:solidFill>
+                  <a:srgbClr val="C5C8C6"/>
+                </a:solidFill>
+                <a:latin typeface="Consolas" panose="020B0609020204030204" pitchFamily="49" charset="0"/>
+              </a:rPr>
+              <a:t>(</a:t>
+            </a:r>
+            <a:r>
+              <a:rPr lang="en-US" altLang="zh-CN" sz="1400" dirty="0" smtClean="0">
+                <a:solidFill>
+                  <a:srgbClr val="6089B4"/>
+                </a:solidFill>
+                <a:latin typeface="Consolas" panose="020B0609020204030204" pitchFamily="49" charset="0"/>
+              </a:rPr>
+              <a:t>component</a:t>
+            </a:r>
+            <a:r>
+              <a:rPr lang="en-US" altLang="zh-CN" sz="1400" dirty="0">
+                <a:solidFill>
+                  <a:srgbClr val="C5C8C6"/>
+                </a:solidFill>
+                <a:latin typeface="Consolas" panose="020B0609020204030204" pitchFamily="49" charset="0"/>
+              </a:rPr>
+              <a:t>);</a:t>
+            </a:r>
+          </a:p>
+          <a:p>
+            <a:pPr>
+              <a:lnSpc>
+                <a:spcPct val="200000"/>
+              </a:lnSpc>
+            </a:pPr>
+            <a:r>
+              <a:rPr lang="en-US" altLang="zh-CN" sz="1400" dirty="0" smtClean="0">
+                <a:solidFill>
+                  <a:srgbClr val="9A9B99"/>
+                </a:solidFill>
+                <a:latin typeface="Consolas" panose="020B0609020204030204" pitchFamily="49" charset="0"/>
+              </a:rPr>
+              <a:t>//</a:t>
+            </a:r>
+            <a:r>
+              <a:rPr lang="en-US" altLang="zh-CN" sz="1400" dirty="0">
+                <a:solidFill>
+                  <a:srgbClr val="9A9B99"/>
+                </a:solidFill>
+                <a:latin typeface="Consolas" panose="020B0609020204030204" pitchFamily="49" charset="0"/>
+              </a:rPr>
+              <a:t> add the component to the view</a:t>
+            </a:r>
+            <a:endParaRPr lang="en-US" altLang="zh-CN" sz="1400" dirty="0">
+              <a:solidFill>
+                <a:srgbClr val="C5C8C6"/>
+              </a:solidFill>
+              <a:latin typeface="Consolas" panose="020B0609020204030204" pitchFamily="49" charset="0"/>
+            </a:endParaRPr>
+          </a:p>
+          <a:p>
+            <a:pPr>
+              <a:lnSpc>
+                <a:spcPct val="200000"/>
+              </a:lnSpc>
+            </a:pPr>
+            <a:r>
+              <a:rPr lang="en-US" altLang="zh-CN" sz="1400" dirty="0" smtClean="0">
+                <a:solidFill>
+                  <a:srgbClr val="9872A2"/>
+                </a:solidFill>
+                <a:latin typeface="Consolas" panose="020B0609020204030204" pitchFamily="49" charset="0"/>
+              </a:rPr>
+              <a:t>const</a:t>
+            </a:r>
+            <a:r>
+              <a:rPr lang="en-US" altLang="zh-CN" sz="1400" dirty="0">
+                <a:solidFill>
+                  <a:srgbClr val="C5C8C6"/>
+                </a:solidFill>
+                <a:latin typeface="Consolas" panose="020B0609020204030204" pitchFamily="49" charset="0"/>
+              </a:rPr>
+              <a:t> </a:t>
+            </a:r>
+            <a:r>
+              <a:rPr lang="en-US" altLang="zh-CN" sz="1400" dirty="0">
+                <a:solidFill>
+                  <a:srgbClr val="6089B4"/>
+                </a:solidFill>
+                <a:latin typeface="Consolas" panose="020B0609020204030204" pitchFamily="49" charset="0"/>
+              </a:rPr>
+              <a:t>componentRef</a:t>
+            </a:r>
+            <a:r>
+              <a:rPr lang="en-US" altLang="zh-CN" sz="1400" dirty="0">
+                <a:solidFill>
+                  <a:srgbClr val="C5C8C6"/>
+                </a:solidFill>
+                <a:latin typeface="Consolas" panose="020B0609020204030204" pitchFamily="49" charset="0"/>
+              </a:rPr>
+              <a:t> </a:t>
+            </a:r>
+            <a:r>
+              <a:rPr lang="en-US" altLang="zh-CN" sz="1400" dirty="0">
+                <a:solidFill>
+                  <a:srgbClr val="676867"/>
+                </a:solidFill>
+                <a:latin typeface="Consolas" panose="020B0609020204030204" pitchFamily="49" charset="0"/>
+              </a:rPr>
+              <a:t>=</a:t>
+            </a:r>
+            <a:r>
+              <a:rPr lang="en-US" altLang="zh-CN" sz="1400" dirty="0">
+                <a:solidFill>
+                  <a:srgbClr val="C5C8C6"/>
+                </a:solidFill>
+                <a:latin typeface="Consolas" panose="020B0609020204030204" pitchFamily="49" charset="0"/>
+              </a:rPr>
+              <a:t> </a:t>
+            </a:r>
+            <a:r>
+              <a:rPr lang="en-US" altLang="zh-CN" sz="1400" dirty="0">
+                <a:solidFill>
+                  <a:srgbClr val="C7444A"/>
+                </a:solidFill>
+                <a:latin typeface="Consolas" panose="020B0609020204030204" pitchFamily="49" charset="0"/>
+              </a:rPr>
+              <a:t>this</a:t>
+            </a:r>
+            <a:r>
+              <a:rPr lang="en-US" altLang="zh-CN" sz="1400" dirty="0">
+                <a:solidFill>
+                  <a:srgbClr val="C5C8C6"/>
+                </a:solidFill>
+                <a:latin typeface="Consolas" panose="020B0609020204030204" pitchFamily="49" charset="0"/>
+              </a:rPr>
+              <a:t>.</a:t>
+            </a:r>
+            <a:r>
+              <a:rPr lang="en-US" altLang="zh-CN" sz="1400" dirty="0">
+                <a:solidFill>
+                  <a:srgbClr val="6089B4"/>
+                </a:solidFill>
+                <a:latin typeface="Consolas" panose="020B0609020204030204" pitchFamily="49" charset="0"/>
+              </a:rPr>
+              <a:t>container</a:t>
+            </a:r>
+            <a:r>
+              <a:rPr lang="en-US" altLang="zh-CN" sz="1400" dirty="0">
+                <a:solidFill>
+                  <a:srgbClr val="C5C8C6"/>
+                </a:solidFill>
+                <a:latin typeface="Consolas" panose="020B0609020204030204" pitchFamily="49" charset="0"/>
+              </a:rPr>
+              <a:t>.</a:t>
+            </a:r>
+            <a:r>
+              <a:rPr lang="en-US" altLang="zh-CN" sz="1400" dirty="0">
+                <a:solidFill>
+                  <a:srgbClr val="CE6700"/>
+                </a:solidFill>
+                <a:latin typeface="Consolas" panose="020B0609020204030204" pitchFamily="49" charset="0"/>
+              </a:rPr>
+              <a:t>createComponent</a:t>
+            </a:r>
+            <a:r>
+              <a:rPr lang="en-US" altLang="zh-CN" sz="1400" dirty="0">
+                <a:solidFill>
+                  <a:srgbClr val="C5C8C6"/>
+                </a:solidFill>
+                <a:latin typeface="Consolas" panose="020B0609020204030204" pitchFamily="49" charset="0"/>
+              </a:rPr>
+              <a:t>(</a:t>
+            </a:r>
+            <a:r>
+              <a:rPr lang="en-US" altLang="zh-CN" sz="1400" dirty="0">
+                <a:solidFill>
+                  <a:srgbClr val="6089B4"/>
+                </a:solidFill>
+                <a:latin typeface="Consolas" panose="020B0609020204030204" pitchFamily="49" charset="0"/>
+              </a:rPr>
+              <a:t>componentFactory</a:t>
+            </a:r>
+            <a:r>
+              <a:rPr lang="en-US" altLang="zh-CN" sz="1400" dirty="0">
+                <a:solidFill>
+                  <a:srgbClr val="C5C8C6"/>
+                </a:solidFill>
+                <a:latin typeface="Consolas" panose="020B0609020204030204" pitchFamily="49" charset="0"/>
+              </a:rPr>
+              <a:t>);</a:t>
+            </a:r>
+          </a:p>
+          <a:p>
+            <a:endParaRPr lang="en-US" altLang="zh-CN" sz="1400" dirty="0" smtClean="0">
+              <a:solidFill>
+                <a:srgbClr val="C5C8C6"/>
+              </a:solidFill>
+              <a:latin typeface="Consolas" panose="020B0609020204030204" pitchFamily="49" charset="0"/>
+            </a:endParaRPr>
+          </a:p>
+          <a:p>
+            <a:pPr>
+              <a:lnSpc>
+                <a:spcPct val="150000"/>
+              </a:lnSpc>
+            </a:pPr>
+            <a:endParaRPr lang="en-US" altLang="zh-CN" sz="1400" dirty="0">
+              <a:solidFill>
+                <a:srgbClr val="C5C8C6"/>
+              </a:solidFill>
+              <a:latin typeface="Consolas" panose="020B0609020204030204" pitchFamily="49" charset="0"/>
+            </a:endParaRPr>
+          </a:p>
+        </p:txBody>
+      </p:sp>
+      <p:cxnSp>
+        <p:nvCxnSpPr>
+          <p:cNvPr id="8" name="直接连接符 7"/>
+          <p:cNvCxnSpPr/>
+          <p:nvPr/>
+        </p:nvCxnSpPr>
+        <p:spPr>
+          <a:xfrm>
+            <a:off x="4153091" y="3284984"/>
+            <a:ext cx="7490700" cy="0"/>
+          </a:xfrm>
+          <a:prstGeom prst="line">
+            <a:avLst/>
+          </a:prstGeom>
+          <a:ln w="25400">
+            <a:solidFill>
+              <a:schemeClr val="bg1">
+                <a:lumMod val="65000"/>
+              </a:schemeClr>
+            </a:solidFill>
+          </a:ln>
+        </p:spPr>
+        <p:style>
+          <a:lnRef idx="1">
+            <a:schemeClr val="accent1"/>
+          </a:lnRef>
+          <a:fillRef idx="0">
+            <a:schemeClr val="accent1"/>
+          </a:fillRef>
+          <a:effectRef idx="0">
+            <a:schemeClr val="accent1"/>
+          </a:effectRef>
+          <a:fontRef idx="minor">
+            <a:schemeClr val="tx1"/>
+          </a:fontRef>
+        </p:style>
+      </p:cxnSp>
+      <p:cxnSp>
+        <p:nvCxnSpPr>
+          <p:cNvPr id="12" name="直接连接符 11"/>
+          <p:cNvCxnSpPr/>
+          <p:nvPr/>
+        </p:nvCxnSpPr>
+        <p:spPr>
+          <a:xfrm>
+            <a:off x="4154025" y="3717032"/>
+            <a:ext cx="7490700" cy="0"/>
+          </a:xfrm>
+          <a:prstGeom prst="line">
+            <a:avLst/>
+          </a:prstGeom>
+          <a:ln w="25400">
+            <a:solidFill>
+              <a:schemeClr val="bg1">
+                <a:lumMod val="65000"/>
+              </a:schemeClr>
+            </a:solidFill>
+          </a:ln>
+        </p:spPr>
+        <p:style>
+          <a:lnRef idx="1">
+            <a:schemeClr val="accent1"/>
+          </a:lnRef>
+          <a:fillRef idx="0">
+            <a:schemeClr val="accent1"/>
+          </a:fillRef>
+          <a:effectRef idx="0">
+            <a:schemeClr val="accent1"/>
+          </a:effectRef>
+          <a:fontRef idx="minor">
+            <a:schemeClr val="tx1"/>
+          </a:fontRef>
+        </p:style>
+      </p:cxnSp>
+      <p:cxnSp>
+        <p:nvCxnSpPr>
+          <p:cNvPr id="14" name="直接连接符 13"/>
+          <p:cNvCxnSpPr/>
+          <p:nvPr/>
+        </p:nvCxnSpPr>
+        <p:spPr>
+          <a:xfrm>
+            <a:off x="4153091" y="4149080"/>
+            <a:ext cx="7490700" cy="0"/>
+          </a:xfrm>
+          <a:prstGeom prst="line">
+            <a:avLst/>
+          </a:prstGeom>
+          <a:ln w="25400">
+            <a:solidFill>
+              <a:schemeClr val="bg1">
+                <a:lumMod val="65000"/>
+              </a:schemeClr>
+            </a:solidFill>
+          </a:ln>
+        </p:spPr>
+        <p:style>
+          <a:lnRef idx="1">
+            <a:schemeClr val="accent1"/>
+          </a:lnRef>
+          <a:fillRef idx="0">
+            <a:schemeClr val="accent1"/>
+          </a:fillRef>
+          <a:effectRef idx="0">
+            <a:schemeClr val="accent1"/>
+          </a:effectRef>
+          <a:fontRef idx="minor">
+            <a:schemeClr val="tx1"/>
+          </a:fontRef>
+        </p:style>
+      </p:cxnSp>
+      <p:cxnSp>
+        <p:nvCxnSpPr>
+          <p:cNvPr id="15" name="直接连接符 14"/>
+          <p:cNvCxnSpPr/>
+          <p:nvPr/>
+        </p:nvCxnSpPr>
+        <p:spPr>
+          <a:xfrm>
+            <a:off x="4153091" y="4581128"/>
+            <a:ext cx="7490700" cy="0"/>
+          </a:xfrm>
+          <a:prstGeom prst="line">
+            <a:avLst/>
+          </a:prstGeom>
+          <a:ln w="25400">
+            <a:solidFill>
+              <a:schemeClr val="bg1">
+                <a:lumMod val="65000"/>
+              </a:schemeClr>
+            </a:solidFill>
+          </a:ln>
+        </p:spPr>
+        <p:style>
+          <a:lnRef idx="1">
+            <a:schemeClr val="accent1"/>
+          </a:lnRef>
+          <a:fillRef idx="0">
+            <a:schemeClr val="accent1"/>
+          </a:fillRef>
+          <a:effectRef idx="0">
+            <a:schemeClr val="accent1"/>
+          </a:effectRef>
+          <a:fontRef idx="minor">
+            <a:schemeClr val="tx1"/>
+          </a:fontRef>
+        </p:style>
+      </p:cxnSp>
+    </p:spTree>
+    <p:extLst>
+      <p:ext uri="{BB962C8B-B14F-4D97-AF65-F5344CB8AC3E}">
+        <p14:creationId xmlns:p14="http://schemas.microsoft.com/office/powerpoint/2010/main" val="2693801533"/>
+      </p:ext>
+    </p:extLst>
+  </p:cSld>
+  <p:clrMapOvr>
+    <a:masterClrMapping/>
+  </p:clrMapOvr>
+  <p:timing>
+    <p:tnLst>
+      <p:par>
+        <p:cTn id="1" dur="indefinite" restart="never" nodeType="tmRoot"/>
+      </p:par>
+    </p:tnLst>
+  </p:timing>
+</p:sld>
+</file>
+
+<file path=ppt/slides/slide7.xml><?xml version="1.0" encoding="utf-8"?>
+<p:sld xmlns:a="http://schemas.openxmlformats.org/drawingml/2006/main" xmlns:r="http://schemas.openxmlformats.org/officeDocument/2006/relationships" xmlns:p="http://schemas.openxmlformats.org/presentationml/2006/main">
+  <p:cSld>
+    <p:spTree>
+      <p:nvGrpSpPr>
+        <p:cNvPr id="1" name=""/>
+        <p:cNvGrpSpPr/>
+        <p:nvPr/>
+      </p:nvGrpSpPr>
+      <p:grpSpPr>
+        <a:xfrm>
+          <a:off x="0" y="0"/>
+          <a:ext cx="0" cy="0"/>
+          <a:chOff x="0" y="0"/>
+          <a:chExt cx="0" cy="0"/>
+        </a:xfrm>
+      </p:grpSpPr>
+      <p:sp>
+        <p:nvSpPr>
+          <p:cNvPr id="3" name="文本框 2"/>
+          <p:cNvSpPr txBox="1"/>
+          <p:nvPr/>
+        </p:nvSpPr>
+        <p:spPr>
+          <a:xfrm>
+            <a:off x="554559" y="332656"/>
+            <a:ext cx="4089581" cy="523220"/>
+          </a:xfrm>
+          <a:prstGeom prst="rect">
+            <a:avLst/>
+          </a:prstGeom>
+          <a:noFill/>
+        </p:spPr>
+        <p:txBody>
+          <a:bodyPr wrap="none" rtlCol="0">
+            <a:spAutoFit/>
+          </a:bodyPr>
+          <a:lstStyle/>
+          <a:p>
+            <a:r>
+              <a:rPr lang="en-US" altLang="zh-CN" sz="2800" b="1" dirty="0" smtClean="0">
+                <a:solidFill>
+                  <a:schemeClr val="tx1">
+                    <a:lumMod val="65000"/>
+                    <a:lumOff val="35000"/>
+                  </a:schemeClr>
+                </a:solidFill>
+                <a:latin typeface="Trebuchet MS" panose="020B0603020202020204" pitchFamily="34" charset="0"/>
+                <a:cs typeface="Calibri" panose="020F0502020204030204" pitchFamily="34" charset="0"/>
+              </a:rPr>
+              <a:t>DYNAMIC COMPONENTS</a:t>
+            </a:r>
+            <a:endParaRPr lang="zh-CN" altLang="en-US" sz="2800" b="1" dirty="0">
+              <a:solidFill>
+                <a:schemeClr val="tx1">
+                  <a:lumMod val="65000"/>
+                  <a:lumOff val="35000"/>
+                </a:schemeClr>
+              </a:solidFill>
+              <a:latin typeface="Trebuchet MS" panose="020B0603020202020204" pitchFamily="34" charset="0"/>
+              <a:cs typeface="Calibri" panose="020F0502020204030204" pitchFamily="34" charset="0"/>
+            </a:endParaRPr>
+          </a:p>
+        </p:txBody>
+      </p:sp>
+      <p:sp>
+        <p:nvSpPr>
+          <p:cNvPr id="4" name="文本框 3"/>
+          <p:cNvSpPr txBox="1"/>
+          <p:nvPr/>
+        </p:nvSpPr>
+        <p:spPr>
+          <a:xfrm>
+            <a:off x="554559" y="1340768"/>
+            <a:ext cx="3986989" cy="369332"/>
+          </a:xfrm>
+          <a:prstGeom prst="rect">
+            <a:avLst/>
+          </a:prstGeom>
+          <a:noFill/>
+        </p:spPr>
+        <p:txBody>
+          <a:bodyPr wrap="none" rtlCol="0">
+            <a:spAutoFit/>
+          </a:bodyPr>
+          <a:lstStyle/>
+          <a:p>
+            <a:pPr marL="285750" indent="-285750">
+              <a:buFont typeface="Wingdings" panose="05000000000000000000" pitchFamily="2" charset="2"/>
+              <a:buChar char="Ø"/>
+            </a:pPr>
+            <a:r>
+              <a:rPr lang="en-US" altLang="zh-CN" dirty="0" smtClean="0">
+                <a:solidFill>
+                  <a:schemeClr val="tx1">
+                    <a:lumMod val="50000"/>
+                    <a:lumOff val="50000"/>
+                  </a:schemeClr>
+                </a:solidFill>
+              </a:rPr>
+              <a:t>Where is the component inserted</a:t>
+            </a:r>
+            <a:r>
+              <a:rPr lang="en-US" altLang="zh-CN" dirty="0">
+                <a:solidFill>
+                  <a:schemeClr val="tx1">
+                    <a:lumMod val="50000"/>
+                    <a:lumOff val="50000"/>
+                  </a:schemeClr>
+                </a:solidFill>
+              </a:rPr>
+              <a:t>?</a:t>
+            </a:r>
+            <a:endParaRPr lang="en-US" altLang="zh-CN" dirty="0" smtClean="0">
+              <a:solidFill>
+                <a:schemeClr val="tx1">
+                  <a:lumMod val="50000"/>
+                  <a:lumOff val="50000"/>
+                </a:schemeClr>
+              </a:solidFill>
+            </a:endParaRPr>
+          </a:p>
+        </p:txBody>
+      </p:sp>
+      <p:sp>
+        <p:nvSpPr>
+          <p:cNvPr id="6" name="文本框 5"/>
+          <p:cNvSpPr txBox="1"/>
+          <p:nvPr/>
+        </p:nvSpPr>
+        <p:spPr>
+          <a:xfrm>
+            <a:off x="570486" y="3645024"/>
+            <a:ext cx="2717411" cy="369332"/>
+          </a:xfrm>
+          <a:prstGeom prst="rect">
+            <a:avLst/>
+          </a:prstGeom>
+          <a:noFill/>
+        </p:spPr>
+        <p:txBody>
+          <a:bodyPr wrap="none" rtlCol="0">
+            <a:spAutoFit/>
+          </a:bodyPr>
+          <a:lstStyle/>
+          <a:p>
+            <a:pPr marL="285750" indent="-285750">
+              <a:buFont typeface="Wingdings" panose="05000000000000000000" pitchFamily="2" charset="2"/>
+              <a:buChar char="Ø"/>
+            </a:pPr>
+            <a:r>
+              <a:rPr lang="en-US" altLang="zh-CN" dirty="0" smtClean="0">
+                <a:solidFill>
+                  <a:schemeClr val="tx1">
+                    <a:lumMod val="50000"/>
+                    <a:lumOff val="50000"/>
+                  </a:schemeClr>
+                </a:solidFill>
+              </a:rPr>
+              <a:t>How is it instantiated?</a:t>
+            </a:r>
+            <a:endParaRPr lang="en-US" altLang="zh-CN" dirty="0" smtClean="0">
+              <a:solidFill>
+                <a:schemeClr val="tx1">
+                  <a:lumMod val="50000"/>
+                  <a:lumOff val="50000"/>
+                </a:schemeClr>
+              </a:solidFill>
+            </a:endParaRPr>
+          </a:p>
+        </p:txBody>
+      </p:sp>
+      <p:sp>
+        <p:nvSpPr>
+          <p:cNvPr id="16" name="矩形 15"/>
+          <p:cNvSpPr/>
+          <p:nvPr/>
+        </p:nvSpPr>
+        <p:spPr>
+          <a:xfrm>
+            <a:off x="698575" y="1977807"/>
+            <a:ext cx="7344816" cy="1399510"/>
+          </a:xfrm>
+          <a:prstGeom prst="rect">
+            <a:avLst/>
+          </a:prstGeom>
+          <a:solidFill>
+            <a:schemeClr val="tx1">
+              <a:lumMod val="85000"/>
+              <a:lumOff val="15000"/>
+            </a:schemeClr>
+          </a:solidFill>
+          <a:ln w="152400" cap="rnd">
+            <a:solidFill>
+              <a:schemeClr val="tx1">
+                <a:lumMod val="85000"/>
+                <a:lumOff val="15000"/>
+              </a:schemeClr>
+            </a:solidFill>
+          </a:ln>
+        </p:spPr>
+        <p:style>
+          <a:lnRef idx="2">
+            <a:schemeClr val="accent1">
+              <a:shade val="50000"/>
+            </a:schemeClr>
+          </a:lnRef>
+          <a:fillRef idx="1">
+            <a:schemeClr val="accent1"/>
+          </a:fillRef>
+          <a:effectRef idx="0">
+            <a:schemeClr val="accent1"/>
+          </a:effectRef>
+          <a:fontRef idx="minor">
+            <a:schemeClr val="lt1"/>
+          </a:fontRef>
+        </p:style>
+        <p:txBody>
+          <a:bodyPr rtlCol="0" anchor="ctr"/>
+          <a:lstStyle/>
+          <a:p>
+            <a:pPr>
+              <a:lnSpc>
+                <a:spcPct val="200000"/>
+              </a:lnSpc>
+            </a:pPr>
+            <a:r>
+              <a:rPr lang="en-US" altLang="zh-CN" sz="1400" dirty="0">
+                <a:solidFill>
+                  <a:srgbClr val="6089B4"/>
+                </a:solidFill>
+                <a:latin typeface="Consolas" panose="020B0609020204030204" pitchFamily="49" charset="0"/>
+              </a:rPr>
+              <a:t>&lt;div</a:t>
+            </a:r>
+            <a:r>
+              <a:rPr lang="en-US" altLang="zh-CN" sz="1400" dirty="0">
+                <a:solidFill>
+                  <a:srgbClr val="D0B344"/>
+                </a:solidFill>
+                <a:latin typeface="Consolas" panose="020B0609020204030204" pitchFamily="49" charset="0"/>
+              </a:rPr>
+              <a:t> #viewcontainer</a:t>
+            </a:r>
+            <a:r>
+              <a:rPr lang="en-US" altLang="zh-CN" sz="1400" dirty="0">
+                <a:solidFill>
+                  <a:srgbClr val="6089B4"/>
+                </a:solidFill>
+                <a:latin typeface="Consolas" panose="020B0609020204030204" pitchFamily="49" charset="0"/>
+              </a:rPr>
+              <a:t>&gt;&lt;/div</a:t>
+            </a:r>
+            <a:r>
+              <a:rPr lang="en-US" altLang="zh-CN" sz="1400" dirty="0" smtClean="0">
+                <a:solidFill>
+                  <a:srgbClr val="6089B4"/>
+                </a:solidFill>
+                <a:latin typeface="Consolas" panose="020B0609020204030204" pitchFamily="49" charset="0"/>
+              </a:rPr>
+              <a:t>&gt;</a:t>
+            </a:r>
+          </a:p>
+          <a:p>
+            <a:pPr>
+              <a:lnSpc>
+                <a:spcPct val="200000"/>
+              </a:lnSpc>
+            </a:pPr>
+            <a:r>
+              <a:rPr lang="en-US" altLang="zh-CN" sz="1400" dirty="0">
+                <a:solidFill>
+                  <a:srgbClr val="C5C8C6"/>
+                </a:solidFill>
+                <a:latin typeface="Consolas" panose="020B0609020204030204" pitchFamily="49" charset="0"/>
+              </a:rPr>
+              <a:t>@</a:t>
+            </a:r>
+            <a:r>
+              <a:rPr lang="en-US" altLang="zh-CN" sz="1400" dirty="0" smtClean="0">
+                <a:solidFill>
+                  <a:srgbClr val="CE6700"/>
+                </a:solidFill>
+                <a:latin typeface="Consolas" panose="020B0609020204030204" pitchFamily="49" charset="0"/>
+              </a:rPr>
+              <a:t>ViewChild</a:t>
+            </a:r>
+            <a:r>
+              <a:rPr lang="en-US" altLang="zh-CN" sz="1400" dirty="0" smtClean="0">
+                <a:solidFill>
+                  <a:srgbClr val="C5C8C6"/>
+                </a:solidFill>
+                <a:latin typeface="Consolas" panose="020B0609020204030204" pitchFamily="49" charset="0"/>
+              </a:rPr>
+              <a:t>(</a:t>
+            </a:r>
+            <a:r>
+              <a:rPr lang="en-US" altLang="zh-CN" sz="1400" dirty="0" smtClean="0">
+                <a:solidFill>
+                  <a:srgbClr val="D0B344"/>
+                </a:solidFill>
+                <a:latin typeface="Consolas" panose="020B0609020204030204" pitchFamily="49" charset="0"/>
+              </a:rPr>
+              <a:t>viewcontainer</a:t>
+            </a:r>
+            <a:r>
+              <a:rPr lang="en-US" altLang="zh-CN" sz="1400" dirty="0" smtClean="0">
+                <a:solidFill>
+                  <a:srgbClr val="9AA83A"/>
+                </a:solidFill>
+                <a:latin typeface="Consolas" panose="020B0609020204030204" pitchFamily="49" charset="0"/>
+              </a:rPr>
+              <a:t>'</a:t>
+            </a:r>
+            <a:r>
+              <a:rPr lang="en-US" altLang="zh-CN" sz="1400" dirty="0" smtClean="0">
+                <a:solidFill>
+                  <a:srgbClr val="C5C8C6"/>
+                </a:solidFill>
+                <a:latin typeface="Consolas" panose="020B0609020204030204" pitchFamily="49" charset="0"/>
+              </a:rPr>
+              <a:t>,</a:t>
+            </a:r>
+            <a:r>
+              <a:rPr lang="en-US" altLang="zh-CN" sz="1400" dirty="0">
+                <a:solidFill>
+                  <a:srgbClr val="C5C8C6"/>
+                </a:solidFill>
+                <a:latin typeface="Consolas" panose="020B0609020204030204" pitchFamily="49" charset="0"/>
+              </a:rPr>
+              <a:t> { read: </a:t>
+            </a:r>
+            <a:r>
+              <a:rPr lang="en-US" altLang="zh-CN" sz="1400" dirty="0" smtClean="0">
+                <a:solidFill>
+                  <a:srgbClr val="6089B4"/>
+                </a:solidFill>
+                <a:latin typeface="Consolas" panose="020B0609020204030204" pitchFamily="49" charset="0"/>
+              </a:rPr>
+              <a:t>ViewContainerRef</a:t>
+            </a:r>
+            <a:r>
+              <a:rPr lang="en-US" altLang="zh-CN" sz="1400" dirty="0">
+                <a:solidFill>
+                  <a:srgbClr val="C5C8C6"/>
+                </a:solidFill>
+                <a:latin typeface="Consolas" panose="020B0609020204030204" pitchFamily="49" charset="0"/>
+              </a:rPr>
+              <a:t> }) </a:t>
+            </a:r>
+            <a:r>
+              <a:rPr lang="en-US" altLang="zh-CN" sz="1400" dirty="0">
+                <a:solidFill>
+                  <a:srgbClr val="C5C8C6"/>
+                </a:solidFill>
+                <a:latin typeface="Consolas" panose="020B0609020204030204" pitchFamily="49" charset="0"/>
+              </a:rPr>
+              <a:t>container;</a:t>
+            </a:r>
+            <a:endParaRPr lang="en-US" altLang="zh-CN" sz="1400" dirty="0" smtClean="0">
+              <a:solidFill>
+                <a:srgbClr val="C5C8C6"/>
+              </a:solidFill>
+              <a:latin typeface="Consolas" panose="020B0609020204030204" pitchFamily="49" charset="0"/>
+            </a:endParaRPr>
+          </a:p>
+          <a:p>
+            <a:endParaRPr lang="en-US" altLang="zh-CN" sz="1400" dirty="0" smtClean="0">
+              <a:solidFill>
+                <a:srgbClr val="C5C8C6"/>
+              </a:solidFill>
+              <a:latin typeface="Consolas" panose="020B0609020204030204" pitchFamily="49" charset="0"/>
+            </a:endParaRPr>
+          </a:p>
+        </p:txBody>
+      </p:sp>
+      <p:sp>
+        <p:nvSpPr>
+          <p:cNvPr id="17" name="矩形 16"/>
+          <p:cNvSpPr/>
+          <p:nvPr/>
+        </p:nvSpPr>
+        <p:spPr>
+          <a:xfrm>
+            <a:off x="698575" y="4282063"/>
+            <a:ext cx="7344816" cy="1903566"/>
+          </a:xfrm>
+          <a:prstGeom prst="rect">
+            <a:avLst/>
+          </a:prstGeom>
+          <a:solidFill>
+            <a:schemeClr val="tx1">
+              <a:lumMod val="85000"/>
+              <a:lumOff val="15000"/>
+            </a:schemeClr>
+          </a:solidFill>
+          <a:ln w="152400" cap="rnd">
+            <a:solidFill>
+              <a:schemeClr val="tx1">
+                <a:lumMod val="85000"/>
+                <a:lumOff val="15000"/>
+              </a:schemeClr>
+            </a:solidFill>
+          </a:ln>
+        </p:spPr>
+        <p:style>
+          <a:lnRef idx="2">
+            <a:schemeClr val="accent1">
+              <a:shade val="50000"/>
+            </a:schemeClr>
+          </a:lnRef>
+          <a:fillRef idx="1">
+            <a:schemeClr val="accent1"/>
+          </a:fillRef>
+          <a:effectRef idx="0">
+            <a:schemeClr val="accent1"/>
+          </a:effectRef>
+          <a:fontRef idx="minor">
+            <a:schemeClr val="lt1"/>
+          </a:fontRef>
+        </p:style>
+        <p:txBody>
+          <a:bodyPr rtlCol="0" anchor="ctr"/>
+          <a:lstStyle/>
+          <a:p>
+            <a:pPr>
+              <a:lnSpc>
+                <a:spcPct val="200000"/>
+              </a:lnSpc>
+            </a:pPr>
+            <a:r>
+              <a:rPr lang="en-US" altLang="zh-CN" sz="1400" dirty="0" smtClean="0">
+                <a:solidFill>
+                  <a:srgbClr val="9872A2"/>
+                </a:solidFill>
+                <a:latin typeface="Consolas" panose="020B0609020204030204" pitchFamily="49" charset="0"/>
+              </a:rPr>
+              <a:t>constructor</a:t>
+            </a:r>
+            <a:r>
+              <a:rPr lang="en-US" altLang="zh-CN" sz="1400" dirty="0" smtClean="0">
+                <a:solidFill>
+                  <a:srgbClr val="C5C8C6"/>
+                </a:solidFill>
+                <a:latin typeface="Consolas" panose="020B0609020204030204" pitchFamily="49" charset="0"/>
+              </a:rPr>
+              <a:t>(</a:t>
+            </a:r>
+            <a:r>
+              <a:rPr lang="en-US" altLang="zh-CN" sz="1400" dirty="0" smtClean="0">
+                <a:solidFill>
+                  <a:srgbClr val="9872A2"/>
+                </a:solidFill>
+                <a:latin typeface="Consolas" panose="020B0609020204030204" pitchFamily="49" charset="0"/>
+              </a:rPr>
+              <a:t>private</a:t>
+            </a:r>
+            <a:r>
+              <a:rPr lang="en-US" altLang="zh-CN" sz="1400" dirty="0">
+                <a:solidFill>
+                  <a:srgbClr val="C5C8C6"/>
+                </a:solidFill>
+                <a:latin typeface="Consolas" panose="020B0609020204030204" pitchFamily="49" charset="0"/>
+              </a:rPr>
+              <a:t> </a:t>
+            </a:r>
+            <a:r>
+              <a:rPr lang="en-US" altLang="zh-CN" sz="1400" dirty="0" smtClean="0">
+                <a:solidFill>
+                  <a:srgbClr val="6089B4"/>
+                </a:solidFill>
+                <a:latin typeface="Consolas" panose="020B0609020204030204" pitchFamily="49" charset="0"/>
+              </a:rPr>
+              <a:t>cfr</a:t>
+            </a:r>
+            <a:r>
+              <a:rPr lang="en-US" altLang="zh-CN" sz="1400" dirty="0" smtClean="0">
+                <a:solidFill>
+                  <a:srgbClr val="676867"/>
+                </a:solidFill>
+                <a:latin typeface="Consolas" panose="020B0609020204030204" pitchFamily="49" charset="0"/>
+              </a:rPr>
+              <a:t>:</a:t>
+            </a:r>
+            <a:r>
+              <a:rPr lang="en-US" altLang="zh-CN" sz="1400" dirty="0">
+                <a:solidFill>
+                  <a:srgbClr val="C5C8C6"/>
+                </a:solidFill>
+                <a:latin typeface="Consolas" panose="020B0609020204030204" pitchFamily="49" charset="0"/>
+              </a:rPr>
+              <a:t> </a:t>
+            </a:r>
+            <a:r>
+              <a:rPr lang="en-US" altLang="zh-CN" sz="1400" dirty="0">
+                <a:solidFill>
+                  <a:srgbClr val="CE6700"/>
+                </a:solidFill>
+                <a:latin typeface="Consolas" panose="020B0609020204030204" pitchFamily="49" charset="0"/>
+              </a:rPr>
+              <a:t>ComponentFactoryResolver</a:t>
+            </a:r>
+            <a:r>
+              <a:rPr lang="en-US" altLang="zh-CN" sz="1400" dirty="0">
+                <a:solidFill>
+                  <a:srgbClr val="C5C8C6"/>
+                </a:solidFill>
+                <a:latin typeface="Consolas" panose="020B0609020204030204" pitchFamily="49" charset="0"/>
+              </a:rPr>
+              <a:t>) { }</a:t>
+            </a:r>
+          </a:p>
+          <a:p>
+            <a:pPr>
+              <a:lnSpc>
+                <a:spcPct val="200000"/>
+              </a:lnSpc>
+            </a:pPr>
+            <a:r>
+              <a:rPr lang="en-US" altLang="zh-CN" sz="1400" dirty="0">
+                <a:solidFill>
+                  <a:srgbClr val="9872A2"/>
+                </a:solidFill>
+                <a:latin typeface="Consolas" panose="020B0609020204030204" pitchFamily="49" charset="0"/>
+              </a:rPr>
+              <a:t>const</a:t>
+            </a:r>
+            <a:r>
+              <a:rPr lang="en-US" altLang="zh-CN" sz="1400" dirty="0">
+                <a:solidFill>
+                  <a:srgbClr val="C5C8C6"/>
+                </a:solidFill>
+                <a:latin typeface="Consolas" panose="020B0609020204030204" pitchFamily="49" charset="0"/>
+              </a:rPr>
+              <a:t> </a:t>
+            </a:r>
+            <a:r>
+              <a:rPr lang="en-US" altLang="zh-CN" sz="1400" dirty="0">
+                <a:solidFill>
+                  <a:srgbClr val="6089B4"/>
+                </a:solidFill>
+                <a:latin typeface="Consolas" panose="020B0609020204030204" pitchFamily="49" charset="0"/>
+              </a:rPr>
+              <a:t>componentFactory</a:t>
+            </a:r>
+            <a:r>
+              <a:rPr lang="en-US" altLang="zh-CN" sz="1400" dirty="0">
+                <a:solidFill>
+                  <a:srgbClr val="C5C8C6"/>
+                </a:solidFill>
+                <a:latin typeface="Consolas" panose="020B0609020204030204" pitchFamily="49" charset="0"/>
+              </a:rPr>
+              <a:t> </a:t>
+            </a:r>
+            <a:r>
+              <a:rPr lang="en-US" altLang="zh-CN" sz="1400" dirty="0">
+                <a:solidFill>
+                  <a:srgbClr val="676867"/>
+                </a:solidFill>
+                <a:latin typeface="Consolas" panose="020B0609020204030204" pitchFamily="49" charset="0"/>
+              </a:rPr>
+              <a:t>=</a:t>
+            </a:r>
+            <a:r>
+              <a:rPr lang="en-US" altLang="zh-CN" sz="1400" dirty="0">
+                <a:solidFill>
+                  <a:srgbClr val="C5C8C6"/>
+                </a:solidFill>
+                <a:latin typeface="Consolas" panose="020B0609020204030204" pitchFamily="49" charset="0"/>
+              </a:rPr>
+              <a:t> </a:t>
+            </a:r>
+            <a:r>
+              <a:rPr lang="en-US" altLang="zh-CN" sz="1400" dirty="0" smtClean="0">
+                <a:solidFill>
+                  <a:srgbClr val="C7444A"/>
+                </a:solidFill>
+                <a:latin typeface="Consolas" panose="020B0609020204030204" pitchFamily="49" charset="0"/>
+              </a:rPr>
+              <a:t>this</a:t>
+            </a:r>
+            <a:r>
+              <a:rPr lang="en-US" altLang="zh-CN" sz="1400" dirty="0" smtClean="0">
+                <a:solidFill>
+                  <a:srgbClr val="C5C8C6"/>
+                </a:solidFill>
+                <a:latin typeface="Consolas" panose="020B0609020204030204" pitchFamily="49" charset="0"/>
+              </a:rPr>
+              <a:t>.</a:t>
+            </a:r>
+            <a:r>
+              <a:rPr lang="en-US" altLang="zh-CN" sz="1400" dirty="0" smtClean="0">
+                <a:solidFill>
+                  <a:srgbClr val="6089B4"/>
+                </a:solidFill>
+                <a:latin typeface="Consolas" panose="020B0609020204030204" pitchFamily="49" charset="0"/>
+              </a:rPr>
+              <a:t>cfr</a:t>
+            </a:r>
+            <a:r>
+              <a:rPr lang="en-US" altLang="zh-CN" sz="1400" dirty="0" smtClean="0">
+                <a:solidFill>
+                  <a:srgbClr val="C5C8C6"/>
+                </a:solidFill>
+                <a:latin typeface="Consolas" panose="020B0609020204030204" pitchFamily="49" charset="0"/>
+              </a:rPr>
+              <a:t>.</a:t>
+            </a:r>
+            <a:r>
+              <a:rPr lang="en-US" altLang="zh-CN" sz="1400" dirty="0" smtClean="0">
+                <a:solidFill>
+                  <a:srgbClr val="CE6700"/>
+                </a:solidFill>
+                <a:latin typeface="Consolas" panose="020B0609020204030204" pitchFamily="49" charset="0"/>
+              </a:rPr>
+              <a:t>resolveComponentFactory</a:t>
+            </a:r>
+            <a:r>
+              <a:rPr lang="en-US" altLang="zh-CN" sz="1400" dirty="0" smtClean="0">
+                <a:solidFill>
+                  <a:srgbClr val="C5C8C6"/>
+                </a:solidFill>
+                <a:latin typeface="Consolas" panose="020B0609020204030204" pitchFamily="49" charset="0"/>
+              </a:rPr>
+              <a:t>(</a:t>
+            </a:r>
+            <a:r>
+              <a:rPr lang="en-US" altLang="zh-CN" sz="1400" dirty="0" smtClean="0">
+                <a:solidFill>
+                  <a:srgbClr val="6089B4"/>
+                </a:solidFill>
+                <a:latin typeface="Consolas" panose="020B0609020204030204" pitchFamily="49" charset="0"/>
+              </a:rPr>
+              <a:t>component</a:t>
+            </a:r>
+            <a:r>
+              <a:rPr lang="en-US" altLang="zh-CN" sz="1400" dirty="0">
+                <a:solidFill>
+                  <a:srgbClr val="C5C8C6"/>
+                </a:solidFill>
+                <a:latin typeface="Consolas" panose="020B0609020204030204" pitchFamily="49" charset="0"/>
+              </a:rPr>
+              <a:t>);</a:t>
+            </a:r>
+          </a:p>
+          <a:p>
+            <a:pPr>
+              <a:lnSpc>
+                <a:spcPct val="200000"/>
+              </a:lnSpc>
+            </a:pPr>
+            <a:r>
+              <a:rPr lang="en-US" altLang="zh-CN" sz="1400" dirty="0" smtClean="0">
+                <a:solidFill>
+                  <a:srgbClr val="9872A2"/>
+                </a:solidFill>
+                <a:latin typeface="Consolas" panose="020B0609020204030204" pitchFamily="49" charset="0"/>
+              </a:rPr>
+              <a:t>const</a:t>
+            </a:r>
+            <a:r>
+              <a:rPr lang="en-US" altLang="zh-CN" sz="1400" dirty="0">
+                <a:solidFill>
+                  <a:srgbClr val="C5C8C6"/>
+                </a:solidFill>
+                <a:latin typeface="Consolas" panose="020B0609020204030204" pitchFamily="49" charset="0"/>
+              </a:rPr>
+              <a:t> </a:t>
+            </a:r>
+            <a:r>
+              <a:rPr lang="en-US" altLang="zh-CN" sz="1400" dirty="0">
+                <a:solidFill>
+                  <a:srgbClr val="6089B4"/>
+                </a:solidFill>
+                <a:latin typeface="Consolas" panose="020B0609020204030204" pitchFamily="49" charset="0"/>
+              </a:rPr>
+              <a:t>componentRef</a:t>
+            </a:r>
+            <a:r>
+              <a:rPr lang="en-US" altLang="zh-CN" sz="1400" dirty="0">
+                <a:solidFill>
+                  <a:srgbClr val="C5C8C6"/>
+                </a:solidFill>
+                <a:latin typeface="Consolas" panose="020B0609020204030204" pitchFamily="49" charset="0"/>
+              </a:rPr>
+              <a:t> </a:t>
+            </a:r>
+            <a:r>
+              <a:rPr lang="en-US" altLang="zh-CN" sz="1400" dirty="0">
+                <a:solidFill>
+                  <a:srgbClr val="676867"/>
+                </a:solidFill>
+                <a:latin typeface="Consolas" panose="020B0609020204030204" pitchFamily="49" charset="0"/>
+              </a:rPr>
+              <a:t>=</a:t>
+            </a:r>
+            <a:r>
+              <a:rPr lang="en-US" altLang="zh-CN" sz="1400" dirty="0">
+                <a:solidFill>
+                  <a:srgbClr val="C5C8C6"/>
+                </a:solidFill>
+                <a:latin typeface="Consolas" panose="020B0609020204030204" pitchFamily="49" charset="0"/>
+              </a:rPr>
+              <a:t> </a:t>
+            </a:r>
+            <a:r>
+              <a:rPr lang="en-US" altLang="zh-CN" sz="1400" dirty="0">
+                <a:solidFill>
+                  <a:srgbClr val="C7444A"/>
+                </a:solidFill>
+                <a:latin typeface="Consolas" panose="020B0609020204030204" pitchFamily="49" charset="0"/>
+              </a:rPr>
+              <a:t>this</a:t>
+            </a:r>
+            <a:r>
+              <a:rPr lang="en-US" altLang="zh-CN" sz="1400" dirty="0">
+                <a:solidFill>
+                  <a:srgbClr val="C5C8C6"/>
+                </a:solidFill>
+                <a:latin typeface="Consolas" panose="020B0609020204030204" pitchFamily="49" charset="0"/>
+              </a:rPr>
+              <a:t>.</a:t>
+            </a:r>
+            <a:r>
+              <a:rPr lang="en-US" altLang="zh-CN" sz="1400" dirty="0">
+                <a:solidFill>
+                  <a:srgbClr val="6089B4"/>
+                </a:solidFill>
+                <a:latin typeface="Consolas" panose="020B0609020204030204" pitchFamily="49" charset="0"/>
+              </a:rPr>
+              <a:t>container</a:t>
+            </a:r>
+            <a:r>
+              <a:rPr lang="en-US" altLang="zh-CN" sz="1400" dirty="0">
+                <a:solidFill>
+                  <a:srgbClr val="C5C8C6"/>
+                </a:solidFill>
+                <a:latin typeface="Consolas" panose="020B0609020204030204" pitchFamily="49" charset="0"/>
+              </a:rPr>
+              <a:t>.</a:t>
+            </a:r>
+            <a:r>
+              <a:rPr lang="en-US" altLang="zh-CN" sz="1400" dirty="0">
+                <a:solidFill>
+                  <a:srgbClr val="CE6700"/>
+                </a:solidFill>
+                <a:latin typeface="Consolas" panose="020B0609020204030204" pitchFamily="49" charset="0"/>
+              </a:rPr>
+              <a:t>createComponent</a:t>
+            </a:r>
+            <a:r>
+              <a:rPr lang="en-US" altLang="zh-CN" sz="1400" dirty="0">
+                <a:solidFill>
+                  <a:srgbClr val="C5C8C6"/>
+                </a:solidFill>
+                <a:latin typeface="Consolas" panose="020B0609020204030204" pitchFamily="49" charset="0"/>
+              </a:rPr>
+              <a:t>(</a:t>
+            </a:r>
+            <a:r>
+              <a:rPr lang="en-US" altLang="zh-CN" sz="1400" dirty="0">
+                <a:solidFill>
+                  <a:srgbClr val="6089B4"/>
+                </a:solidFill>
+                <a:latin typeface="Consolas" panose="020B0609020204030204" pitchFamily="49" charset="0"/>
+              </a:rPr>
+              <a:t>componentFactory</a:t>
+            </a:r>
+            <a:r>
+              <a:rPr lang="en-US" altLang="zh-CN" sz="1400" dirty="0">
+                <a:solidFill>
+                  <a:srgbClr val="C5C8C6"/>
+                </a:solidFill>
+                <a:latin typeface="Consolas" panose="020B0609020204030204" pitchFamily="49" charset="0"/>
+              </a:rPr>
+              <a:t>);</a:t>
+            </a:r>
+          </a:p>
+          <a:p>
+            <a:endParaRPr lang="en-US" altLang="zh-CN" sz="1400" dirty="0" smtClean="0">
+              <a:solidFill>
+                <a:srgbClr val="C5C8C6"/>
+              </a:solidFill>
+              <a:latin typeface="Consolas" panose="020B0609020204030204" pitchFamily="49" charset="0"/>
+            </a:endParaRPr>
+          </a:p>
+        </p:txBody>
+      </p:sp>
+    </p:spTree>
+    <p:extLst>
+      <p:ext uri="{BB962C8B-B14F-4D97-AF65-F5344CB8AC3E}">
+        <p14:creationId xmlns:p14="http://schemas.microsoft.com/office/powerpoint/2010/main" val="1895426956"/>
+      </p:ext>
+    </p:extLst>
+  </p:cSld>
+  <p:clrMapOvr>
+    <a:masterClrMapping/>
+  </p:clrMapOvr>
+  <p:timing>
+    <p:tnLst>
+      <p:par>
+        <p:cTn id="1" dur="indefinite" restart="never" nodeType="tmRoot"/>
+      </p:par>
+    </p:tnLst>
+  </p:timing>
+</p:sld>
+</file>
+
+<file path=ppt/slides/slide8.xml><?xml version="1.0" encoding="utf-8"?>
+<p:sld xmlns:a="http://schemas.openxmlformats.org/drawingml/2006/main" xmlns:r="http://schemas.openxmlformats.org/officeDocument/2006/relationships" xmlns:p="http://schemas.openxmlformats.org/presentationml/2006/main">
+  <p:cSld>
+    <p:spTree>
+      <p:nvGrpSpPr>
+        <p:cNvPr id="1" name=""/>
+        <p:cNvGrpSpPr/>
+        <p:nvPr/>
+      </p:nvGrpSpPr>
+      <p:grpSpPr>
+        <a:xfrm>
+          <a:off x="0" y="0"/>
+          <a:ext cx="0" cy="0"/>
+          <a:chOff x="0" y="0"/>
+          <a:chExt cx="0" cy="0"/>
+        </a:xfrm>
+      </p:grpSpPr>
+      <p:sp>
+        <p:nvSpPr>
+          <p:cNvPr id="3" name="文本框 2"/>
+          <p:cNvSpPr txBox="1"/>
+          <p:nvPr/>
+        </p:nvSpPr>
+        <p:spPr>
+          <a:xfrm>
+            <a:off x="554559" y="332656"/>
+            <a:ext cx="4089581" cy="523220"/>
+          </a:xfrm>
+          <a:prstGeom prst="rect">
+            <a:avLst/>
+          </a:prstGeom>
+          <a:noFill/>
+        </p:spPr>
+        <p:txBody>
+          <a:bodyPr wrap="none" rtlCol="0">
+            <a:spAutoFit/>
+          </a:bodyPr>
+          <a:lstStyle/>
+          <a:p>
+            <a:r>
+              <a:rPr lang="en-US" altLang="zh-CN" sz="2800" b="1" dirty="0" smtClean="0">
+                <a:solidFill>
+                  <a:schemeClr val="tx1">
+                    <a:lumMod val="65000"/>
+                    <a:lumOff val="35000"/>
+                  </a:schemeClr>
+                </a:solidFill>
+                <a:latin typeface="Trebuchet MS" panose="020B0603020202020204" pitchFamily="34" charset="0"/>
+                <a:cs typeface="Calibri" panose="020F0502020204030204" pitchFamily="34" charset="0"/>
+              </a:rPr>
+              <a:t>DYNAMIC COMPONENTS</a:t>
+            </a:r>
+            <a:endParaRPr lang="zh-CN" altLang="en-US" sz="2800" b="1" dirty="0">
+              <a:solidFill>
+                <a:schemeClr val="tx1">
+                  <a:lumMod val="65000"/>
+                  <a:lumOff val="35000"/>
+                </a:schemeClr>
+              </a:solidFill>
+              <a:latin typeface="Trebuchet MS" panose="020B0603020202020204" pitchFamily="34" charset="0"/>
+              <a:cs typeface="Calibri" panose="020F0502020204030204" pitchFamily="34" charset="0"/>
+            </a:endParaRPr>
+          </a:p>
+        </p:txBody>
+      </p:sp>
+      <p:sp>
+        <p:nvSpPr>
+          <p:cNvPr id="4" name="文本框 3"/>
+          <p:cNvSpPr txBox="1"/>
+          <p:nvPr/>
+        </p:nvSpPr>
+        <p:spPr>
+          <a:xfrm>
+            <a:off x="554559" y="1340768"/>
+            <a:ext cx="2550698" cy="369332"/>
+          </a:xfrm>
+          <a:prstGeom prst="rect">
+            <a:avLst/>
+          </a:prstGeom>
+          <a:noFill/>
+        </p:spPr>
+        <p:txBody>
+          <a:bodyPr wrap="none" rtlCol="0">
+            <a:spAutoFit/>
+          </a:bodyPr>
+          <a:lstStyle/>
+          <a:p>
+            <a:pPr marL="285750" indent="-285750">
+              <a:buFont typeface="Wingdings" panose="05000000000000000000" pitchFamily="2" charset="2"/>
+              <a:buChar char="Ø"/>
+            </a:pPr>
+            <a:r>
+              <a:rPr lang="en-US" altLang="zh-CN" dirty="0" smtClean="0">
+                <a:solidFill>
+                  <a:schemeClr val="tx1">
+                    <a:lumMod val="50000"/>
+                    <a:lumOff val="50000"/>
+                  </a:schemeClr>
+                </a:solidFill>
+              </a:rPr>
+              <a:t>How to pass inputs?</a:t>
+            </a:r>
+            <a:endParaRPr lang="en-US" altLang="zh-CN" dirty="0" smtClean="0">
+              <a:solidFill>
+                <a:schemeClr val="tx1">
+                  <a:lumMod val="50000"/>
+                  <a:lumOff val="50000"/>
+                </a:schemeClr>
+              </a:solidFill>
+            </a:endParaRPr>
+          </a:p>
+        </p:txBody>
+      </p:sp>
+      <p:sp>
+        <p:nvSpPr>
+          <p:cNvPr id="6" name="文本框 5"/>
+          <p:cNvSpPr txBox="1"/>
+          <p:nvPr/>
+        </p:nvSpPr>
+        <p:spPr>
+          <a:xfrm>
+            <a:off x="570486" y="3645024"/>
+            <a:ext cx="2896947" cy="369332"/>
+          </a:xfrm>
+          <a:prstGeom prst="rect">
+            <a:avLst/>
+          </a:prstGeom>
+          <a:noFill/>
+        </p:spPr>
+        <p:txBody>
+          <a:bodyPr wrap="none" rtlCol="0">
+            <a:spAutoFit/>
+          </a:bodyPr>
+          <a:lstStyle/>
+          <a:p>
+            <a:pPr marL="285750" indent="-285750">
+              <a:buFont typeface="Wingdings" panose="05000000000000000000" pitchFamily="2" charset="2"/>
+              <a:buChar char="Ø"/>
+            </a:pPr>
+            <a:r>
+              <a:rPr lang="en-US" altLang="zh-CN" dirty="0" smtClean="0">
+                <a:solidFill>
+                  <a:schemeClr val="tx1">
+                    <a:lumMod val="50000"/>
+                    <a:lumOff val="50000"/>
+                  </a:schemeClr>
+                </a:solidFill>
+              </a:rPr>
+              <a:t>How to bind to outputs?</a:t>
+            </a:r>
+            <a:endParaRPr lang="en-US" altLang="zh-CN" dirty="0" smtClean="0">
+              <a:solidFill>
+                <a:schemeClr val="tx1">
+                  <a:lumMod val="50000"/>
+                  <a:lumOff val="50000"/>
+                </a:schemeClr>
+              </a:solidFill>
+            </a:endParaRPr>
+          </a:p>
+        </p:txBody>
+      </p:sp>
+      <p:sp>
+        <p:nvSpPr>
+          <p:cNvPr id="16" name="矩形 15"/>
+          <p:cNvSpPr/>
+          <p:nvPr/>
+        </p:nvSpPr>
+        <p:spPr>
+          <a:xfrm>
+            <a:off x="698575" y="1977807"/>
+            <a:ext cx="7344816" cy="1399510"/>
+          </a:xfrm>
+          <a:prstGeom prst="rect">
+            <a:avLst/>
+          </a:prstGeom>
+          <a:solidFill>
+            <a:schemeClr val="tx1">
+              <a:lumMod val="85000"/>
+              <a:lumOff val="15000"/>
+            </a:schemeClr>
+          </a:solidFill>
+          <a:ln w="152400" cap="rnd">
+            <a:solidFill>
+              <a:schemeClr val="tx1">
+                <a:lumMod val="85000"/>
+                <a:lumOff val="15000"/>
+              </a:schemeClr>
+            </a:solidFill>
+          </a:ln>
+        </p:spPr>
+        <p:style>
+          <a:lnRef idx="2">
+            <a:schemeClr val="accent1">
+              <a:shade val="50000"/>
+            </a:schemeClr>
+          </a:lnRef>
+          <a:fillRef idx="1">
+            <a:schemeClr val="accent1"/>
+          </a:fillRef>
+          <a:effectRef idx="0">
+            <a:schemeClr val="accent1"/>
+          </a:effectRef>
+          <a:fontRef idx="minor">
+            <a:schemeClr val="lt1"/>
+          </a:fontRef>
+        </p:style>
+        <p:txBody>
+          <a:bodyPr rtlCol="0" anchor="ctr"/>
+          <a:lstStyle/>
+          <a:p>
+            <a:pPr>
+              <a:lnSpc>
+                <a:spcPct val="200000"/>
+              </a:lnSpc>
+            </a:pPr>
+            <a:r>
+              <a:rPr lang="en-US" altLang="zh-CN" sz="1400" dirty="0" smtClean="0">
+                <a:solidFill>
+                  <a:schemeClr val="bg1">
+                    <a:lumMod val="75000"/>
+                  </a:schemeClr>
+                </a:solidFill>
+                <a:latin typeface="Consolas" panose="020B0609020204030204" pitchFamily="49" charset="0"/>
+              </a:rPr>
+              <a:t>componentRef</a:t>
+            </a:r>
+            <a:r>
+              <a:rPr lang="en-US" altLang="zh-CN" sz="1400" dirty="0" smtClean="0">
+                <a:solidFill>
+                  <a:srgbClr val="6089B4"/>
+                </a:solidFill>
+                <a:latin typeface="Consolas" panose="020B0609020204030204" pitchFamily="49" charset="0"/>
+              </a:rPr>
+              <a:t>.instance.data = </a:t>
+            </a:r>
+            <a:r>
+              <a:rPr lang="en-US" altLang="zh-CN" sz="1400" dirty="0">
+                <a:solidFill>
+                  <a:srgbClr val="C7444A"/>
+                </a:solidFill>
+                <a:latin typeface="Consolas" panose="020B0609020204030204" pitchFamily="49" charset="0"/>
+              </a:rPr>
+              <a:t>this</a:t>
+            </a:r>
+            <a:r>
+              <a:rPr lang="en-US" altLang="zh-CN" sz="1400" dirty="0" smtClean="0">
+                <a:solidFill>
+                  <a:srgbClr val="6089B4"/>
+                </a:solidFill>
+                <a:latin typeface="Consolas" panose="020B0609020204030204" pitchFamily="49" charset="0"/>
+              </a:rPr>
+              <a:t>.</a:t>
+            </a:r>
+            <a:r>
+              <a:rPr lang="en-US" altLang="zh-CN" sz="1400" dirty="0" smtClean="0">
+                <a:solidFill>
+                  <a:schemeClr val="accent6">
+                    <a:lumMod val="75000"/>
+                  </a:schemeClr>
+                </a:solidFill>
+                <a:latin typeface="Consolas" panose="020B0609020204030204" pitchFamily="49" charset="0"/>
+              </a:rPr>
+              <a:t>getData()</a:t>
+            </a:r>
+            <a:r>
+              <a:rPr lang="en-US" altLang="zh-CN" sz="1400" dirty="0" smtClean="0">
+                <a:solidFill>
+                  <a:srgbClr val="6089B4"/>
+                </a:solidFill>
+                <a:latin typeface="Consolas" panose="020B0609020204030204" pitchFamily="49" charset="0"/>
+              </a:rPr>
+              <a:t>;</a:t>
+            </a:r>
+            <a:endParaRPr lang="en-US" altLang="zh-CN" sz="1400" dirty="0" smtClean="0">
+              <a:solidFill>
+                <a:srgbClr val="C5C8C6"/>
+              </a:solidFill>
+              <a:latin typeface="Consolas" panose="020B0609020204030204" pitchFamily="49" charset="0"/>
+            </a:endParaRPr>
+          </a:p>
+        </p:txBody>
+      </p:sp>
+      <p:sp>
+        <p:nvSpPr>
+          <p:cNvPr id="17" name="矩形 16"/>
+          <p:cNvSpPr/>
+          <p:nvPr/>
+        </p:nvSpPr>
+        <p:spPr>
+          <a:xfrm>
+            <a:off x="698575" y="4282063"/>
+            <a:ext cx="7344816" cy="1903566"/>
+          </a:xfrm>
+          <a:prstGeom prst="rect">
+            <a:avLst/>
+          </a:prstGeom>
+          <a:solidFill>
+            <a:schemeClr val="tx1">
+              <a:lumMod val="85000"/>
+              <a:lumOff val="15000"/>
+            </a:schemeClr>
+          </a:solidFill>
+          <a:ln w="152400" cap="rnd">
+            <a:solidFill>
+              <a:schemeClr val="tx1">
+                <a:lumMod val="85000"/>
+                <a:lumOff val="15000"/>
+              </a:schemeClr>
+            </a:solidFill>
+          </a:ln>
+        </p:spPr>
+        <p:style>
+          <a:lnRef idx="2">
+            <a:schemeClr val="accent1">
+              <a:shade val="50000"/>
+            </a:schemeClr>
+          </a:lnRef>
+          <a:fillRef idx="1">
+            <a:schemeClr val="accent1"/>
+          </a:fillRef>
+          <a:effectRef idx="0">
+            <a:schemeClr val="accent1"/>
+          </a:effectRef>
+          <a:fontRef idx="minor">
+            <a:schemeClr val="lt1"/>
+          </a:fontRef>
+        </p:style>
+        <p:txBody>
+          <a:bodyPr rtlCol="0" anchor="ctr"/>
+          <a:lstStyle/>
+          <a:p>
+            <a:pPr>
+              <a:lnSpc>
+                <a:spcPct val="200000"/>
+              </a:lnSpc>
+            </a:pPr>
+            <a:r>
+              <a:rPr lang="en-US" altLang="zh-CN" sz="1400" dirty="0" smtClean="0">
+                <a:solidFill>
+                  <a:schemeClr val="bg1">
+                    <a:lumMod val="75000"/>
+                  </a:schemeClr>
+                </a:solidFill>
+                <a:latin typeface="Consolas" panose="020B0609020204030204" pitchFamily="49" charset="0"/>
+              </a:rPr>
+              <a:t>componentRef</a:t>
+            </a:r>
+            <a:r>
+              <a:rPr lang="en-US" altLang="zh-CN" sz="1400" dirty="0" smtClean="0">
+                <a:solidFill>
+                  <a:srgbClr val="6089B4"/>
+                </a:solidFill>
+                <a:latin typeface="Consolas" panose="020B0609020204030204" pitchFamily="49" charset="0"/>
+              </a:rPr>
+              <a:t>.instance.event.</a:t>
+            </a:r>
+            <a:r>
+              <a:rPr lang="en-US" altLang="zh-CN" sz="1400" dirty="0" smtClean="0">
+                <a:solidFill>
+                  <a:schemeClr val="accent6">
+                    <a:lumMod val="75000"/>
+                  </a:schemeClr>
+                </a:solidFill>
+                <a:latin typeface="Consolas" panose="020B0609020204030204" pitchFamily="49" charset="0"/>
+              </a:rPr>
+              <a:t>subscribe</a:t>
+            </a:r>
+            <a:r>
+              <a:rPr lang="en-US" altLang="zh-CN" sz="1400" dirty="0" smtClean="0">
+                <a:solidFill>
+                  <a:srgbClr val="6089B4"/>
+                </a:solidFill>
+                <a:latin typeface="Consolas" panose="020B0609020204030204" pitchFamily="49" charset="0"/>
+              </a:rPr>
+              <a:t>(observer);</a:t>
+            </a:r>
+            <a:endParaRPr lang="en-US" altLang="zh-CN" sz="1400" dirty="0">
+              <a:solidFill>
+                <a:srgbClr val="C5C8C6"/>
+              </a:solidFill>
+              <a:latin typeface="Consolas" panose="020B0609020204030204" pitchFamily="49" charset="0"/>
+            </a:endParaRPr>
+          </a:p>
+          <a:p>
+            <a:endParaRPr lang="en-US" altLang="zh-CN" sz="1400" dirty="0" smtClean="0">
+              <a:solidFill>
+                <a:srgbClr val="C5C8C6"/>
+              </a:solidFill>
+              <a:latin typeface="Consolas" panose="020B0609020204030204" pitchFamily="49" charset="0"/>
+            </a:endParaRPr>
+          </a:p>
+        </p:txBody>
+      </p:sp>
+    </p:spTree>
+    <p:extLst>
+      <p:ext uri="{BB962C8B-B14F-4D97-AF65-F5344CB8AC3E}">
+        <p14:creationId xmlns:p14="http://schemas.microsoft.com/office/powerpoint/2010/main" val="2126755426"/>
+      </p:ext>
+    </p:extLst>
+  </p:cSld>
+  <p:clrMapOvr>
+    <a:masterClrMapping/>
+  </p:clrMapOvr>
+  <p:timing>
+    <p:tnLst>
+      <p:par>
+        <p:cTn id="1" dur="indefinite" restart="never" nodeType="tmRoot"/>
+      </p:par>
+    </p:tnLst>
+  </p:timing>
+</p:sld>
+</file>
+
+<file path=ppt/slides/slide9.xml><?xml version="1.0" encoding="utf-8"?>
+<p:sld xmlns:a="http://schemas.openxmlformats.org/drawingml/2006/main" xmlns:r="http://schemas.openxmlformats.org/officeDocument/2006/relationships" xmlns:p="http://schemas.openxmlformats.org/presentationml/2006/main">
+  <p:cSld>
+    <p:spTree>
+      <p:nvGrpSpPr>
+        <p:cNvPr id="1" name=""/>
+        <p:cNvGrpSpPr/>
+        <p:nvPr/>
+      </p:nvGrpSpPr>
+      <p:grpSpPr>
+        <a:xfrm>
+          <a:off x="0" y="0"/>
+          <a:ext cx="0" cy="0"/>
+          <a:chOff x="0" y="0"/>
+          <a:chExt cx="0" cy="0"/>
+        </a:xfrm>
+      </p:grpSpPr>
+      <p:sp>
+        <p:nvSpPr>
+          <p:cNvPr id="3" name="文本框 2"/>
+          <p:cNvSpPr txBox="1"/>
+          <p:nvPr/>
+        </p:nvSpPr>
+        <p:spPr>
+          <a:xfrm>
+            <a:off x="554559" y="332656"/>
+            <a:ext cx="4896790" cy="523220"/>
+          </a:xfrm>
+          <a:prstGeom prst="rect">
+            <a:avLst/>
+          </a:prstGeom>
+          <a:noFill/>
+        </p:spPr>
+        <p:txBody>
+          <a:bodyPr wrap="none" rtlCol="0">
+            <a:spAutoFit/>
+          </a:bodyPr>
+          <a:lstStyle/>
+          <a:p>
+            <a:r>
+              <a:rPr lang="en-US" altLang="zh-CN" sz="2800" b="1" dirty="0" smtClean="0">
+                <a:solidFill>
+                  <a:schemeClr val="tx1">
+                    <a:lumMod val="65000"/>
+                    <a:lumOff val="35000"/>
+                  </a:schemeClr>
+                </a:solidFill>
+                <a:latin typeface="Trebuchet MS" panose="020B0603020202020204" pitchFamily="34" charset="0"/>
+                <a:cs typeface="Calibri" panose="020F0502020204030204" pitchFamily="34" charset="0"/>
+              </a:rPr>
+              <a:t>COMPONENT INSTANTIATION</a:t>
+            </a:r>
+            <a:endParaRPr lang="zh-CN" altLang="en-US" sz="2800" b="1" dirty="0">
+              <a:solidFill>
+                <a:schemeClr val="tx1">
+                  <a:lumMod val="65000"/>
+                  <a:lumOff val="35000"/>
+                </a:schemeClr>
+              </a:solidFill>
+              <a:latin typeface="Trebuchet MS" panose="020B0603020202020204" pitchFamily="34" charset="0"/>
+              <a:cs typeface="Calibri" panose="020F0502020204030204" pitchFamily="34" charset="0"/>
+            </a:endParaRPr>
+          </a:p>
+        </p:txBody>
+      </p:sp>
+      <p:sp>
+        <p:nvSpPr>
+          <p:cNvPr id="4" name="文本框 3"/>
+          <p:cNvSpPr txBox="1"/>
+          <p:nvPr/>
+        </p:nvSpPr>
+        <p:spPr>
+          <a:xfrm>
+            <a:off x="554559" y="1340768"/>
+            <a:ext cx="1255472" cy="369332"/>
+          </a:xfrm>
+          <a:prstGeom prst="rect">
+            <a:avLst/>
+          </a:prstGeom>
+          <a:noFill/>
+        </p:spPr>
+        <p:txBody>
+          <a:bodyPr wrap="none" rtlCol="0">
+            <a:spAutoFit/>
+          </a:bodyPr>
+          <a:lstStyle/>
+          <a:p>
+            <a:pPr marL="285750" indent="-285750">
+              <a:buFont typeface="Wingdings" panose="05000000000000000000" pitchFamily="2" charset="2"/>
+              <a:buChar char="Ø"/>
+            </a:pPr>
+            <a:r>
+              <a:rPr lang="en-US" altLang="zh-CN" dirty="0" smtClean="0">
+                <a:solidFill>
+                  <a:schemeClr val="tx1">
+                    <a:lumMod val="50000"/>
+                    <a:lumOff val="50000"/>
+                  </a:schemeClr>
+                </a:solidFill>
+              </a:rPr>
+              <a:t>Popups</a:t>
+            </a:r>
+          </a:p>
+        </p:txBody>
+      </p:sp>
+      <p:sp>
+        <p:nvSpPr>
+          <p:cNvPr id="5" name="文本框 4"/>
+          <p:cNvSpPr txBox="1"/>
+          <p:nvPr/>
+        </p:nvSpPr>
+        <p:spPr>
+          <a:xfrm>
+            <a:off x="554559" y="1916832"/>
+            <a:ext cx="1717137" cy="369332"/>
+          </a:xfrm>
+          <a:prstGeom prst="rect">
+            <a:avLst/>
+          </a:prstGeom>
+          <a:noFill/>
+        </p:spPr>
+        <p:txBody>
+          <a:bodyPr wrap="none" rtlCol="0">
+            <a:spAutoFit/>
+          </a:bodyPr>
+          <a:lstStyle/>
+          <a:p>
+            <a:pPr marL="285750" indent="-285750">
+              <a:buFont typeface="Wingdings" panose="05000000000000000000" pitchFamily="2" charset="2"/>
+              <a:buChar char="Ø"/>
+            </a:pPr>
+            <a:r>
+              <a:rPr lang="en-US" altLang="zh-CN" dirty="0" smtClean="0">
+                <a:solidFill>
+                  <a:schemeClr val="tx1">
+                    <a:lumMod val="50000"/>
+                    <a:lumOff val="50000"/>
+                  </a:schemeClr>
+                </a:solidFill>
+              </a:rPr>
+              <a:t>Dashboards</a:t>
+            </a:r>
+          </a:p>
+        </p:txBody>
+      </p:sp>
+      <p:pic>
+        <p:nvPicPr>
+          <p:cNvPr id="2" name="图片 1"/>
+          <p:cNvPicPr>
+            <a:picLocks noChangeAspect="1"/>
+          </p:cNvPicPr>
+          <p:nvPr/>
+        </p:nvPicPr>
+        <p:blipFill>
+          <a:blip r:embed="rId2">
+            <a:extLst>
+              <a:ext uri="{28A0092B-C50C-407E-A947-70E740481C1C}">
+                <a14:useLocalDpi xmlns:a14="http://schemas.microsoft.com/office/drawing/2010/main" val="0"/>
+              </a:ext>
+            </a:extLst>
+          </a:blip>
+          <a:stretch>
+            <a:fillRect/>
+          </a:stretch>
+        </p:blipFill>
+        <p:spPr>
+          <a:xfrm>
+            <a:off x="6459215" y="1363840"/>
+            <a:ext cx="4986139" cy="3849989"/>
+          </a:xfrm>
+          <a:prstGeom prst="rect">
+            <a:avLst/>
+          </a:prstGeom>
+          <a:ln>
+            <a:solidFill>
+              <a:schemeClr val="bg1">
+                <a:lumMod val="65000"/>
+              </a:schemeClr>
+            </a:solidFill>
+          </a:ln>
+        </p:spPr>
+      </p:pic>
+    </p:spTree>
+    <p:extLst>
+      <p:ext uri="{BB962C8B-B14F-4D97-AF65-F5344CB8AC3E}">
+        <p14:creationId xmlns:p14="http://schemas.microsoft.com/office/powerpoint/2010/main" val="1893327512"/>
+      </p:ext>
+    </p:extLst>
+  </p:cSld>
+  <p:clrMapOvr>
+    <a:masterClrMapping/>
+  </p:clrMapOvr>
+  <p:timing>
+    <p:tnLst>
+      <p:par>
+        <p:cTn id="1" dur="indefinite" restart="never" nodeType="tmRoot"/>
+      </p:par>
+    </p:tnLst>
   </p:timing>
 </p:sld>
 </file>

--- a/Dynamic Component in Angular .pptx
+++ b/Dynamic Component in Angular .pptx
@@ -6,10 +6,10 @@
     <p:sldMasterId id="2147483701" r:id="rId2"/>
   </p:sldMasterIdLst>
   <p:notesMasterIdLst>
-    <p:notesMasterId r:id="rId15"/>
+    <p:notesMasterId r:id="rId17"/>
   </p:notesMasterIdLst>
   <p:handoutMasterIdLst>
-    <p:handoutMasterId r:id="rId16"/>
+    <p:handoutMasterId r:id="rId18"/>
   </p:handoutMasterIdLst>
   <p:sldIdLst>
     <p:sldId id="256" r:id="rId3"/>
@@ -23,7 +23,9 @@
     <p:sldId id="377" r:id="rId11"/>
     <p:sldId id="378" r:id="rId12"/>
     <p:sldId id="379" r:id="rId13"/>
-    <p:sldId id="348" r:id="rId14"/>
+    <p:sldId id="384" r:id="rId14"/>
+    <p:sldId id="385" r:id="rId15"/>
+    <p:sldId id="348" r:id="rId16"/>
   </p:sldIdLst>
   <p:sldSz cx="12198350" cy="6858000"/>
   <p:notesSz cx="6858000" cy="9144000"/>
@@ -268,7 +270,7 @@
             <a:fld id="{C3CEDDB9-2955-4D57-9B7C-74EB90EC60C3}" type="datetimeFigureOut">
               <a:rPr lang="zh-CN" altLang="en-US" smtClean="0"/>
               <a:pPr/>
-              <a:t>2019/12/3</a:t>
+              <a:t>2019/12/4</a:t>
             </a:fld>
             <a:endParaRPr lang="zh-CN" altLang="en-US"/>
           </a:p>
@@ -461,7 +463,7 @@
               <a:pPr>
                 <a:defRPr/>
               </a:pPr>
-              <a:t>2019/12/3</a:t>
+              <a:t>2019/12/4</a:t>
             </a:fld>
             <a:endParaRPr lang="zh-CN" altLang="en-US"/>
           </a:p>
@@ -1267,7 +1269,7 @@
               <a:pPr>
                 <a:defRPr/>
               </a:pPr>
-              <a:t>2019/12/3</a:t>
+              <a:t>2019/12/4</a:t>
             </a:fld>
             <a:endParaRPr lang="zh-CN" altLang="en-US"/>
           </a:p>
@@ -1631,7 +1633,7 @@
               <a:pPr>
                 <a:defRPr/>
               </a:pPr>
-              <a:t>2019/12/3</a:t>
+              <a:t>2019/12/4</a:t>
             </a:fld>
             <a:endParaRPr lang="zh-CN" altLang="en-US"/>
           </a:p>
@@ -1979,7 +1981,7 @@
               <a:pPr>
                 <a:defRPr/>
               </a:pPr>
-              <a:t>2019/12/3</a:t>
+              <a:t>2019/12/4</a:t>
             </a:fld>
             <a:endParaRPr lang="zh-CN" altLang="en-US"/>
           </a:p>
@@ -2243,7 +2245,7 @@
               <a:pPr>
                 <a:defRPr/>
               </a:pPr>
-              <a:t>2019/12/3</a:t>
+              <a:t>2019/12/4</a:t>
             </a:fld>
             <a:endParaRPr lang="zh-CN" altLang="en-US"/>
           </a:p>
@@ -2514,7 +2516,7 @@
               <a:pPr>
                 <a:defRPr/>
               </a:pPr>
-              <a:t>2019/12/3</a:t>
+              <a:t>2019/12/4</a:t>
             </a:fld>
             <a:endParaRPr lang="zh-CN" altLang="en-US"/>
           </a:p>
@@ -2815,7 +2817,7 @@
             <a:fld id="{79B3DEAC-C6E9-4E5A-BF92-8A2A909A8AE4}" type="datetimeFigureOut">
               <a:rPr lang="zh-CN" altLang="en-US" smtClean="0"/>
               <a:pPr/>
-              <a:t>2019/12/3</a:t>
+              <a:t>2019/12/4</a:t>
             </a:fld>
             <a:endParaRPr lang="zh-CN" altLang="en-US"/>
           </a:p>
@@ -2982,7 +2984,7 @@
             <a:fld id="{79B3DEAC-C6E9-4E5A-BF92-8A2A909A8AE4}" type="datetimeFigureOut">
               <a:rPr lang="zh-CN" altLang="en-US" smtClean="0"/>
               <a:pPr/>
-              <a:t>2019/12/3</a:t>
+              <a:t>2019/12/4</a:t>
             </a:fld>
             <a:endParaRPr lang="zh-CN" altLang="en-US"/>
           </a:p>
@@ -3225,7 +3227,7 @@
             <a:fld id="{79B3DEAC-C6E9-4E5A-BF92-8A2A909A8AE4}" type="datetimeFigureOut">
               <a:rPr lang="zh-CN" altLang="en-US" smtClean="0"/>
               <a:pPr/>
-              <a:t>2019/12/3</a:t>
+              <a:t>2019/12/4</a:t>
             </a:fld>
             <a:endParaRPr lang="zh-CN" altLang="en-US"/>
           </a:p>
@@ -3510,7 +3512,7 @@
             <a:fld id="{79B3DEAC-C6E9-4E5A-BF92-8A2A909A8AE4}" type="datetimeFigureOut">
               <a:rPr lang="zh-CN" altLang="en-US" smtClean="0"/>
               <a:pPr/>
-              <a:t>2019/12/3</a:t>
+              <a:t>2019/12/4</a:t>
             </a:fld>
             <a:endParaRPr lang="zh-CN" altLang="en-US"/>
           </a:p>
@@ -3929,7 +3931,7 @@
             <a:fld id="{79B3DEAC-C6E9-4E5A-BF92-8A2A909A8AE4}" type="datetimeFigureOut">
               <a:rPr lang="zh-CN" altLang="en-US" smtClean="0"/>
               <a:pPr/>
-              <a:t>2019/12/3</a:t>
+              <a:t>2019/12/4</a:t>
             </a:fld>
             <a:endParaRPr lang="zh-CN" altLang="en-US"/>
           </a:p>
@@ -4107,7 +4109,7 @@
             <a:fld id="{79B3DEAC-C6E9-4E5A-BF92-8A2A909A8AE4}" type="datetimeFigureOut">
               <a:rPr lang="zh-CN" altLang="en-US" smtClean="0"/>
               <a:pPr/>
-              <a:t>2019/12/3</a:t>
+              <a:t>2019/12/4</a:t>
             </a:fld>
             <a:endParaRPr lang="zh-CN" altLang="en-US"/>
           </a:p>
@@ -4199,7 +4201,7 @@
             <a:fld id="{79B3DEAC-C6E9-4E5A-BF92-8A2A909A8AE4}" type="datetimeFigureOut">
               <a:rPr lang="zh-CN" altLang="en-US" smtClean="0"/>
               <a:pPr/>
-              <a:t>2019/12/3</a:t>
+              <a:t>2019/12/4</a:t>
             </a:fld>
             <a:endParaRPr lang="zh-CN" altLang="en-US"/>
           </a:p>
@@ -4473,7 +4475,7 @@
             <a:fld id="{79B3DEAC-C6E9-4E5A-BF92-8A2A909A8AE4}" type="datetimeFigureOut">
               <a:rPr lang="zh-CN" altLang="en-US" smtClean="0"/>
               <a:pPr/>
-              <a:t>2019/12/3</a:t>
+              <a:t>2019/12/4</a:t>
             </a:fld>
             <a:endParaRPr lang="zh-CN" altLang="en-US"/>
           </a:p>
@@ -4723,7 +4725,7 @@
             <a:fld id="{79B3DEAC-C6E9-4E5A-BF92-8A2A909A8AE4}" type="datetimeFigureOut">
               <a:rPr lang="zh-CN" altLang="en-US" smtClean="0"/>
               <a:pPr/>
-              <a:t>2019/12/3</a:t>
+              <a:t>2019/12/4</a:t>
             </a:fld>
             <a:endParaRPr lang="zh-CN" altLang="en-US"/>
           </a:p>
@@ -4890,7 +4892,7 @@
             <a:fld id="{79B3DEAC-C6E9-4E5A-BF92-8A2A909A8AE4}" type="datetimeFigureOut">
               <a:rPr lang="zh-CN" altLang="en-US" smtClean="0"/>
               <a:pPr/>
-              <a:t>2019/12/3</a:t>
+              <a:t>2019/12/4</a:t>
             </a:fld>
             <a:endParaRPr lang="zh-CN" altLang="en-US"/>
           </a:p>
@@ -5067,7 +5069,7 @@
             <a:fld id="{79B3DEAC-C6E9-4E5A-BF92-8A2A909A8AE4}" type="datetimeFigureOut">
               <a:rPr lang="zh-CN" altLang="en-US" smtClean="0"/>
               <a:pPr/>
-              <a:t>2019/12/3</a:t>
+              <a:t>2019/12/4</a:t>
             </a:fld>
             <a:endParaRPr lang="zh-CN" altLang="en-US"/>
           </a:p>
@@ -5952,7 +5954,7 @@
               <a:pPr>
                 <a:defRPr/>
               </a:pPr>
-              <a:t>2019/12/3</a:t>
+              <a:t>2019/12/4</a:t>
             </a:fld>
             <a:endParaRPr lang="zh-CN" altLang="en-US"/>
           </a:p>
@@ -6945,7 +6947,7 @@
             <a:fld id="{79B3DEAC-C6E9-4E5A-BF92-8A2A909A8AE4}" type="datetimeFigureOut">
               <a:rPr lang="zh-CN" altLang="en-US" smtClean="0"/>
               <a:pPr/>
-              <a:t>2019/12/3</a:t>
+              <a:t>2019/12/4</a:t>
             </a:fld>
             <a:endParaRPr lang="zh-CN" altLang="en-US"/>
           </a:p>
@@ -9833,6 +9835,126 @@
           <a:chExt cx="0" cy="0"/>
         </a:xfrm>
       </p:grpSpPr>
+      <p:pic>
+        <p:nvPicPr>
+          <p:cNvPr id="3" name="图片 2"/>
+          <p:cNvPicPr>
+            <a:picLocks noChangeAspect="1"/>
+          </p:cNvPicPr>
+          <p:nvPr/>
+        </p:nvPicPr>
+        <p:blipFill>
+          <a:blip r:embed="rId2">
+            <a:extLst>
+              <a:ext uri="{28A0092B-C50C-407E-A947-70E740481C1C}">
+                <a14:useLocalDpi xmlns:a14="http://schemas.microsoft.com/office/drawing/2010/main" val="0"/>
+              </a:ext>
+            </a:extLst>
+          </a:blip>
+          <a:stretch>
+            <a:fillRect/>
+          </a:stretch>
+        </p:blipFill>
+        <p:spPr>
+          <a:xfrm>
+            <a:off x="1130623" y="260648"/>
+            <a:ext cx="9646915" cy="6046900"/>
+          </a:xfrm>
+          <a:prstGeom prst="rect">
+            <a:avLst/>
+          </a:prstGeom>
+        </p:spPr>
+      </p:pic>
+    </p:spTree>
+    <p:extLst>
+      <p:ext uri="{BB962C8B-B14F-4D97-AF65-F5344CB8AC3E}">
+        <p14:creationId xmlns:p14="http://schemas.microsoft.com/office/powerpoint/2010/main" val="1792615040"/>
+      </p:ext>
+    </p:extLst>
+  </p:cSld>
+  <p:clrMapOvr>
+    <a:masterClrMapping/>
+  </p:clrMapOvr>
+</p:sld>
+</file>
+
+<file path=ppt/slides/slide13.xml><?xml version="1.0" encoding="utf-8"?>
+<p:sld xmlns:a="http://schemas.openxmlformats.org/drawingml/2006/main" xmlns:r="http://schemas.openxmlformats.org/officeDocument/2006/relationships" xmlns:p="http://schemas.openxmlformats.org/presentationml/2006/main">
+  <p:cSld>
+    <p:spTree>
+      <p:nvGrpSpPr>
+        <p:cNvPr id="1" name=""/>
+        <p:cNvGrpSpPr/>
+        <p:nvPr/>
+      </p:nvGrpSpPr>
+      <p:grpSpPr>
+        <a:xfrm>
+          <a:off x="0" y="0"/>
+          <a:ext cx="0" cy="0"/>
+          <a:chOff x="0" y="0"/>
+          <a:chExt cx="0" cy="0"/>
+        </a:xfrm>
+      </p:grpSpPr>
+      <p:pic>
+        <p:nvPicPr>
+          <p:cNvPr id="3" name="图片 2"/>
+          <p:cNvPicPr>
+            <a:picLocks noChangeAspect="1"/>
+          </p:cNvPicPr>
+          <p:nvPr/>
+        </p:nvPicPr>
+        <p:blipFill>
+          <a:blip r:embed="rId2">
+            <a:extLst>
+              <a:ext uri="{28A0092B-C50C-407E-A947-70E740481C1C}">
+                <a14:useLocalDpi xmlns:a14="http://schemas.microsoft.com/office/drawing/2010/main" val="0"/>
+              </a:ext>
+            </a:extLst>
+          </a:blip>
+          <a:stretch>
+            <a:fillRect/>
+          </a:stretch>
+        </p:blipFill>
+        <p:spPr>
+          <a:xfrm>
+            <a:off x="8259415" y="188640"/>
+            <a:ext cx="3884639" cy="6093296"/>
+          </a:xfrm>
+          <a:prstGeom prst="rect">
+            <a:avLst/>
+          </a:prstGeom>
+        </p:spPr>
+      </p:pic>
+    </p:spTree>
+    <p:extLst>
+      <p:ext uri="{BB962C8B-B14F-4D97-AF65-F5344CB8AC3E}">
+        <p14:creationId xmlns:p14="http://schemas.microsoft.com/office/powerpoint/2010/main" val="482045502"/>
+      </p:ext>
+    </p:extLst>
+  </p:cSld>
+  <p:clrMapOvr>
+    <a:masterClrMapping/>
+  </p:clrMapOvr>
+</p:sld>
+</file>
+
+<file path=ppt/slides/slide14.xml><?xml version="1.0" encoding="utf-8"?>
+<p:sld xmlns:a="http://schemas.openxmlformats.org/drawingml/2006/main" xmlns:r="http://schemas.openxmlformats.org/officeDocument/2006/relationships" xmlns:p="http://schemas.openxmlformats.org/presentationml/2006/main">
+  <p:cSld>
+    <p:spTree>
+      <p:nvGrpSpPr>
+        <p:cNvPr id="1" name=""/>
+        <p:cNvGrpSpPr/>
+        <p:nvPr/>
+      </p:nvGrpSpPr>
+      <p:grpSpPr>
+        <a:xfrm>
+          <a:off x="0" y="0"/>
+          <a:ext cx="0" cy="0"/>
+          <a:chOff x="0" y="0"/>
+          <a:chExt cx="0" cy="0"/>
+        </a:xfrm>
+      </p:grpSpPr>
       <p:sp>
         <p:nvSpPr>
           <p:cNvPr id="2" name="Rectangle 7"/>
@@ -10182,33 +10304,7 @@
                 <a:latin typeface="Trebuchet MS" panose="020B0603020202020204" pitchFamily="34" charset="0"/>
                 <a:cs typeface="Calibri" panose="020F0502020204030204" pitchFamily="34" charset="0"/>
               </a:rPr>
-              <a:t>WHAT</a:t>
-            </a:r>
-            <a:r>
-              <a:rPr lang="en-US" altLang="zh-CN" sz="2800" b="1" dirty="0" smtClean="0">
-                <a:solidFill>
-                  <a:schemeClr val="tx1">
-                    <a:lumMod val="65000"/>
-                    <a:lumOff val="35000"/>
-                  </a:schemeClr>
-                </a:solidFill>
-                <a:latin typeface="Trebuchet MS" panose="020B0603020202020204" pitchFamily="34" charset="0"/>
-                <a:cs typeface="Calibri" panose="020F0502020204030204" pitchFamily="34" charset="0"/>
-              </a:rPr>
-              <a:t>’</a:t>
-            </a:r>
-            <a:r>
-              <a:rPr lang="en-US" altLang="zh-CN" sz="2800" b="1" dirty="0" smtClean="0">
-                <a:solidFill>
-                  <a:schemeClr val="tx1">
-                    <a:lumMod val="65000"/>
-                    <a:lumOff val="35000"/>
-                  </a:schemeClr>
-                </a:solidFill>
-                <a:latin typeface="Trebuchet MS" panose="020B0603020202020204" pitchFamily="34" charset="0"/>
-                <a:cs typeface="Calibri" panose="020F0502020204030204" pitchFamily="34" charset="0"/>
-              </a:rPr>
-              <a:t>S DYNAMIC COMPONENTS</a:t>
+              <a:t>WHAT’S DYNAMIC COMPONENTS</a:t>
             </a:r>
             <a:endParaRPr lang="zh-CN" altLang="en-US" sz="2800" b="1" dirty="0">
               <a:solidFill>
@@ -13473,14 +13569,6 @@
               </a:rPr>
               <a:t>How is it instantiated?</a:t>
             </a:r>
-            <a:endParaRPr lang="en-US" altLang="zh-CN" dirty="0" smtClean="0">
-              <a:solidFill>
-                <a:schemeClr val="tx1">
-                  <a:lumMod val="50000"/>
-                  <a:lumOff val="50000"/>
-                </a:schemeClr>
-              </a:solidFill>
-            </a:endParaRPr>
           </a:p>
         </p:txBody>
       </p:sp>
@@ -13660,16 +13748,7 @@
                 </a:solidFill>
                 <a:latin typeface="Consolas" panose="020B0609020204030204" pitchFamily="49" charset="0"/>
               </a:rPr>
-              <a:t> }) </a:t>
-            </a:r>
-            <a:r>
-              <a:rPr lang="en-US" altLang="zh-CN" sz="1400" dirty="0">
-                <a:solidFill>
-                  <a:srgbClr val="C5C8C6"/>
-                </a:solidFill>
-                <a:latin typeface="Consolas" panose="020B0609020204030204" pitchFamily="49" charset="0"/>
-              </a:rPr>
-              <a:t>container;</a:t>
+              <a:t> }) container;</a:t>
             </a:r>
             <a:endParaRPr lang="en-US" altLang="zh-CN" sz="1400" dirty="0" smtClean="0">
               <a:solidFill>
@@ -14222,14 +14301,6 @@
               </a:rPr>
               <a:t>How to pass inputs?</a:t>
             </a:r>
-            <a:endParaRPr lang="en-US" altLang="zh-CN" dirty="0" smtClean="0">
-              <a:solidFill>
-                <a:schemeClr val="tx1">
-                  <a:lumMod val="50000"/>
-                  <a:lumOff val="50000"/>
-                </a:schemeClr>
-              </a:solidFill>
-            </a:endParaRPr>
           </a:p>
         </p:txBody>
       </p:sp>
@@ -14270,14 +14341,6 @@
               </a:rPr>
               <a:t>How to bind to outputs?</a:t>
             </a:r>
-            <a:endParaRPr lang="en-US" altLang="zh-CN" dirty="0" smtClean="0">
-              <a:solidFill>
-                <a:schemeClr val="tx1">
-                  <a:lumMod val="50000"/>
-                  <a:lumOff val="50000"/>
-                </a:schemeClr>
-              </a:solidFill>
-            </a:endParaRPr>
           </a:p>
         </p:txBody>
       </p:sp>
